--- a/murach_js_3e/slides/Chapter 06 slides.pptx
+++ b/murach_js_3e/slides/Chapter 06 slides.pptx
@@ -401,7 +401,7 @@
               <a:pPr>
                 <a:defRPr/>
               </a:pPr>
-              <a:t>2/10/2017</a:t>
+              <a:t>7/15/2020</a:t>
             </a:fld>
             <a:endParaRPr lang="en-US"/>
           </a:p>
@@ -763,35 +763,35 @@
           <a:p>
             <a:pPr lvl="0"/>
             <a:r>
-              <a:rPr lang="en-US" noProof="0" smtClean="0"/>
+              <a:rPr lang="en-US" noProof="0"/>
               <a:t>Click to edit Master text styles</a:t>
             </a:r>
           </a:p>
           <a:p>
             <a:pPr lvl="1"/>
             <a:r>
-              <a:rPr lang="en-US" noProof="0" smtClean="0"/>
+              <a:rPr lang="en-US" noProof="0"/>
               <a:t>Second level</a:t>
             </a:r>
           </a:p>
           <a:p>
             <a:pPr lvl="2"/>
             <a:r>
-              <a:rPr lang="en-US" noProof="0" smtClean="0"/>
+              <a:rPr lang="en-US" noProof="0"/>
               <a:t>Third level</a:t>
             </a:r>
           </a:p>
           <a:p>
             <a:pPr lvl="3"/>
             <a:r>
-              <a:rPr lang="en-US" noProof="0" smtClean="0"/>
+              <a:rPr lang="en-US" noProof="0"/>
               <a:t>Fourth level</a:t>
             </a:r>
           </a:p>
           <a:p>
             <a:pPr lvl="4"/>
             <a:r>
-              <a:rPr lang="en-US" noProof="0" smtClean="0"/>
+              <a:rPr lang="en-US" noProof="0"/>
               <a:t>Fifth level</a:t>
             </a:r>
           </a:p>
@@ -1081,10 +1081,9 @@
           </a:lstStyle>
           <a:p>
             <a:r>
-              <a:rPr lang="en-US" dirty="0" smtClean="0"/>
+              <a:rPr lang="en-US" dirty="0"/>
               <a:t>Chapter number</a:t>
             </a:r>
-            <a:endParaRPr lang="en-US" dirty="0"/>
           </a:p>
         </p:txBody>
       </p:sp>
@@ -1111,7 +1110,7 @@
               <a:defRPr/>
             </a:pPr>
             <a:r>
-              <a:rPr lang="en-US" smtClean="0"/>
+              <a:rPr lang="en-US"/>
               <a:t>Murach's JavaScript and jQuery (3rd Ed.)</a:t>
             </a:r>
             <a:endParaRPr lang="en-US" dirty="0"/>
@@ -1137,10 +1136,9 @@
               <a:defRPr/>
             </a:pPr>
             <a:r>
-              <a:rPr lang="en-US" smtClean="0"/>
+              <a:rPr lang="en-US"/>
               <a:t>© 2017, Mike Murach &amp; Associates, Inc.</a:t>
             </a:r>
-            <a:endParaRPr lang="en-US"/>
           </a:p>
         </p:txBody>
       </p:sp>
@@ -1162,7 +1160,7 @@
             <a:pPr algn="l">
               <a:defRPr/>
             </a:pPr>
-            <a:endParaRPr lang="en-US" sz="1400" dirty="0" smtClean="0">
+            <a:endParaRPr lang="en-US" sz="1400" dirty="0">
               <a:latin typeface="Times New Roman"/>
             </a:endParaRPr>
           </a:p>
@@ -1171,7 +1169,7 @@
               <a:defRPr/>
             </a:pPr>
             <a:r>
-              <a:rPr lang="en-US" dirty="0" smtClean="0">
+              <a:rPr lang="en-US" dirty="0">
                 <a:solidFill>
                   <a:schemeClr val="bg1"/>
                 </a:solidFill>
@@ -1285,10 +1283,10 @@
           <a:p>
             <a:pPr lvl="0"/>
             <a:r>
-              <a:rPr lang="en-US" smtClean="0"/>
+              <a:rPr lang="en-US"/>
               <a:t>Click to edit Master title style</a:t>
             </a:r>
-            <a:endParaRPr lang="en-US" dirty="0" smtClean="0"/>
+            <a:endParaRPr lang="en-US" dirty="0"/>
           </a:p>
         </p:txBody>
       </p:sp>
@@ -1317,7 +1315,7 @@
               <a:defRPr/>
             </a:pPr>
             <a:r>
-              <a:rPr lang="en-US" smtClean="0"/>
+              <a:rPr lang="en-US"/>
               <a:t>Murach's JavaScript and jQuery (3rd Ed.)</a:t>
             </a:r>
             <a:endParaRPr lang="en-US" dirty="0"/>
@@ -1349,10 +1347,9 @@
               <a:defRPr/>
             </a:pPr>
             <a:r>
-              <a:rPr lang="en-US" smtClean="0"/>
+              <a:rPr lang="en-US"/>
               <a:t>© 2017, Mike Murach &amp; Associates, Inc.</a:t>
             </a:r>
-            <a:endParaRPr lang="en-US"/>
           </a:p>
         </p:txBody>
       </p:sp>
@@ -1382,14 +1379,14 @@
             <a:pPr>
               <a:defRPr/>
             </a:pPr>
-            <a:endParaRPr lang="en-US" dirty="0" smtClean="0"/>
+            <a:endParaRPr lang="en-US" dirty="0"/>
           </a:p>
           <a:p>
             <a:pPr algn="r">
               <a:defRPr/>
             </a:pPr>
             <a:r>
-              <a:rPr lang="en-US" sz="900" dirty="0" smtClean="0">
+              <a:rPr lang="en-US" sz="900" dirty="0">
                 <a:solidFill>
                   <a:schemeClr val="bg1"/>
                 </a:solidFill>
@@ -1506,7 +1503,7 @@
           <a:p>
             <a:pPr lvl="0"/>
             <a:r>
-              <a:rPr lang="en-US" dirty="0" smtClean="0"/>
+              <a:rPr lang="en-US" dirty="0"/>
               <a:t>Click to edit Master title style</a:t>
             </a:r>
           </a:p>
@@ -1537,10 +1534,9 @@
               <a:defRPr/>
             </a:pPr>
             <a:r>
-              <a:rPr lang="en-US" smtClean="0"/>
+              <a:rPr lang="en-US"/>
               <a:t>Murach's JavaScript and jQuery (3rd Ed.)</a:t>
             </a:r>
-            <a:endParaRPr lang="en-US"/>
           </a:p>
         </p:txBody>
       </p:sp>
@@ -1569,10 +1565,9 @@
               <a:defRPr/>
             </a:pPr>
             <a:r>
-              <a:rPr lang="en-US" smtClean="0"/>
+              <a:rPr lang="en-US"/>
               <a:t>© 2017, Mike Murach &amp; Associates, Inc.</a:t>
             </a:r>
-            <a:endParaRPr lang="en-US"/>
           </a:p>
         </p:txBody>
       </p:sp>
@@ -1690,67 +1685,65 @@
           </a:lstStyle>
           <a:p>
             <a:r>
-              <a:rPr lang="en-US" dirty="0" smtClean="0"/>
+              <a:rPr lang="en-US" dirty="0"/>
               <a:t>Chapter number</a:t>
             </a:r>
+          </a:p>
+        </p:txBody>
+      </p:sp>
+      <p:sp>
+        <p:nvSpPr>
+          <p:cNvPr id="3" name="Date Placeholder 2"/>
+          <p:cNvSpPr>
+            <a:spLocks noGrp="1"/>
+          </p:cNvSpPr>
+          <p:nvPr>
+            <p:ph type="dt" sz="half" idx="10"/>
+          </p:nvPr>
+        </p:nvSpPr>
+        <p:spPr/>
+        <p:txBody>
+          <a:bodyPr/>
+          <a:lstStyle/>
+          <a:p>
+            <a:pPr>
+              <a:defRPr/>
+            </a:pPr>
+            <a:r>
+              <a:rPr lang="en-US"/>
+              <a:t>Murach's JavaScript and jQuery (3rd Ed.)</a:t>
+            </a:r>
+          </a:p>
+        </p:txBody>
+      </p:sp>
+      <p:sp>
+        <p:nvSpPr>
+          <p:cNvPr id="4" name="Footer Placeholder 3"/>
+          <p:cNvSpPr>
+            <a:spLocks noGrp="1"/>
+          </p:cNvSpPr>
+          <p:nvPr>
+            <p:ph type="ftr" sz="quarter" idx="11"/>
+          </p:nvPr>
+        </p:nvSpPr>
+        <p:spPr/>
+        <p:txBody>
+          <a:bodyPr/>
+          <a:lstStyle/>
+          <a:p>
+            <a:pPr>
+              <a:defRPr/>
+            </a:pPr>
+            <a:r>
+              <a:rPr lang="en-US"/>
+              <a:t>© 2017, Mike Murach &amp; Associates, Inc.</a:t>
+            </a:r>
             <a:endParaRPr lang="en-US" dirty="0"/>
           </a:p>
         </p:txBody>
       </p:sp>
       <p:sp>
         <p:nvSpPr>
-          <p:cNvPr id="3" name="Date Placeholder 2"/>
-          <p:cNvSpPr>
-            <a:spLocks noGrp="1"/>
-          </p:cNvSpPr>
-          <p:nvPr>
-            <p:ph type="dt" sz="half" idx="10"/>
-          </p:nvPr>
-        </p:nvSpPr>
-        <p:spPr/>
-        <p:txBody>
-          <a:bodyPr/>
-          <a:lstStyle/>
-          <a:p>
-            <a:pPr>
-              <a:defRPr/>
-            </a:pPr>
-            <a:r>
-              <a:rPr lang="en-US" smtClean="0"/>
-              <a:t>Murach's JavaScript and jQuery (3rd Ed.)</a:t>
-            </a:r>
-            <a:endParaRPr lang="en-US"/>
-          </a:p>
-        </p:txBody>
-      </p:sp>
-      <p:sp>
-        <p:nvSpPr>
-          <p:cNvPr id="4" name="Footer Placeholder 3"/>
-          <p:cNvSpPr>
-            <a:spLocks noGrp="1"/>
-          </p:cNvSpPr>
-          <p:nvPr>
-            <p:ph type="ftr" sz="quarter" idx="11"/>
-          </p:nvPr>
-        </p:nvSpPr>
-        <p:spPr/>
-        <p:txBody>
-          <a:bodyPr/>
-          <a:lstStyle/>
-          <a:p>
-            <a:pPr>
-              <a:defRPr/>
-            </a:pPr>
-            <a:r>
-              <a:rPr lang="en-US" smtClean="0"/>
-              <a:t>© 2017, Mike Murach &amp; Associates, Inc.</a:t>
-            </a:r>
-            <a:endParaRPr lang="en-US" dirty="0"/>
-          </a:p>
-        </p:txBody>
-      </p:sp>
-      <p:sp>
-        <p:nvSpPr>
           <p:cNvPr id="5" name="Slide Number Placeholder 4"/>
           <p:cNvSpPr>
             <a:spLocks noGrp="1"/>
@@ -1767,7 +1760,7 @@
             <a:pPr algn="l">
               <a:defRPr/>
             </a:pPr>
-            <a:endParaRPr lang="en-US" sz="1400" smtClean="0">
+            <a:endParaRPr lang="en-US" sz="1400">
               <a:latin typeface="Times New Roman"/>
             </a:endParaRPr>
           </a:p>
@@ -1776,7 +1769,7 @@
               <a:defRPr/>
             </a:pPr>
             <a:r>
-              <a:rPr lang="en-US" smtClean="0"/>
+              <a:rPr lang="en-US"/>
               <a:t>Slide </a:t>
             </a:r>
             <a:fld id="{BF5C1183-B085-4070-A402-C03A3F977D3D}" type="slidenum">
@@ -1878,7 +1871,7 @@
               <a:buNone/>
               <a:tabLst/>
             </a:pPr>
-            <a:endParaRPr kumimoji="0" lang="en-US" sz="2400" b="0" i="0" u="none" strike="noStrike" cap="none" normalizeH="0" baseline="0" smtClean="0">
+            <a:endParaRPr kumimoji="0" lang="en-US" sz="2400" b="0" i="0" u="none" strike="noStrike" cap="none" normalizeH="0" baseline="0">
               <a:ln>
                 <a:noFill/>
               </a:ln>
@@ -1943,7 +1936,7 @@
           <a:p>
             <a:pPr lvl="0"/>
             <a:r>
-              <a:rPr lang="en-US" smtClean="0"/>
+              <a:rPr lang="en-US"/>
               <a:t>Click to edit Master title style</a:t>
             </a:r>
           </a:p>
@@ -2001,35 +1994,35 @@
           <a:p>
             <a:pPr lvl="0"/>
             <a:r>
-              <a:rPr lang="en-US" smtClean="0"/>
+              <a:rPr lang="en-US"/>
               <a:t>Click to edit Master text styles</a:t>
             </a:r>
           </a:p>
           <a:p>
             <a:pPr lvl="1"/>
             <a:r>
-              <a:rPr lang="en-US" smtClean="0"/>
+              <a:rPr lang="en-US"/>
               <a:t>Second level</a:t>
             </a:r>
           </a:p>
           <a:p>
             <a:pPr lvl="2"/>
             <a:r>
-              <a:rPr lang="en-US" smtClean="0"/>
+              <a:rPr lang="en-US"/>
               <a:t>Third level</a:t>
             </a:r>
           </a:p>
           <a:p>
             <a:pPr lvl="3"/>
             <a:r>
-              <a:rPr lang="en-US" smtClean="0"/>
+              <a:rPr lang="en-US"/>
               <a:t>Fourth level</a:t>
             </a:r>
           </a:p>
           <a:p>
             <a:pPr lvl="4"/>
             <a:r>
-              <a:rPr lang="en-US" smtClean="0"/>
+              <a:rPr lang="en-US"/>
               <a:t>Fifth level</a:t>
             </a:r>
           </a:p>
@@ -2082,7 +2075,7 @@
               <a:defRPr/>
             </a:pPr>
             <a:r>
-              <a:rPr lang="en-US" smtClean="0"/>
+              <a:rPr lang="en-US"/>
               <a:t>Murach's JavaScript and jQuery (3rd Ed.)</a:t>
             </a:r>
             <a:endParaRPr lang="en-US" dirty="0"/>
@@ -2135,10 +2128,9 @@
               <a:defRPr/>
             </a:pPr>
             <a:r>
-              <a:rPr lang="en-US" smtClean="0"/>
+              <a:rPr lang="en-US"/>
               <a:t>© 2017, Mike Murach &amp; Associates, Inc.</a:t>
             </a:r>
-            <a:endParaRPr lang="en-US"/>
           </a:p>
         </p:txBody>
       </p:sp>
@@ -2184,7 +2176,7 @@
             <a:pPr algn="l">
               <a:defRPr/>
             </a:pPr>
-            <a:endParaRPr lang="en-US" sz="1400" dirty="0" smtClean="0">
+            <a:endParaRPr lang="en-US" sz="1400" dirty="0">
               <a:latin typeface="Times New Roman"/>
             </a:endParaRPr>
           </a:p>
@@ -2193,7 +2185,7 @@
               <a:defRPr/>
             </a:pPr>
             <a:r>
-              <a:rPr lang="en-US" dirty="0" smtClean="0">
+              <a:rPr lang="en-US" dirty="0">
                 <a:solidFill>
                   <a:schemeClr val="bg1"/>
                 </a:solidFill>
@@ -2667,10 +2659,9 @@
           <a:p>
             <a:pPr algn="ctr"/>
             <a:r>
-              <a:rPr lang="en-US" sz="3200" dirty="0" smtClean="0"/>
+              <a:rPr lang="en-US" sz="3200" dirty="0"/>
               <a:t>Chapter 6</a:t>
             </a:r>
-            <a:endParaRPr lang="en-US" sz="3200" dirty="0"/>
           </a:p>
         </p:txBody>
       </p:sp>
@@ -2696,7 +2687,7 @@
           <a:graphicData uri="http://schemas.openxmlformats.org/presentationml/2006/ole">
             <mc:AlternateContent xmlns:mc="http://schemas.openxmlformats.org/markup-compatibility/2006">
               <mc:Choice xmlns:v="urn:schemas-microsoft-com:vml" Requires="v">
-                <p:oleObj spid="_x0000_s1048" name="Document" r:id="rId3" imgW="7313400" imgH="2482506" progId="Word.Document.12">
+                <p:oleObj spid="_x0000_s1052" name="Document" r:id="rId3" imgW="7313400" imgH="2482506" progId="Word.Document.12">
                   <p:embed/>
                 </p:oleObj>
               </mc:Choice>
@@ -2750,7 +2741,7 @@
               <a:defRPr/>
             </a:pPr>
             <a:r>
-              <a:rPr lang="en-US" smtClean="0"/>
+              <a:rPr lang="en-US"/>
               <a:t>Murach's JavaScript and jQuery (3rd Ed.)</a:t>
             </a:r>
             <a:endParaRPr lang="en-US" dirty="0"/>
@@ -2776,10 +2767,9 @@
               <a:defRPr/>
             </a:pPr>
             <a:r>
-              <a:rPr lang="en-US" smtClean="0"/>
+              <a:rPr lang="en-US"/>
               <a:t>© 2017, Mike Murach &amp; Associates, Inc.</a:t>
             </a:r>
-            <a:endParaRPr lang="en-US"/>
           </a:p>
         </p:txBody>
       </p:sp>
@@ -2801,7 +2791,7 @@
             <a:pPr algn="l">
               <a:defRPr/>
             </a:pPr>
-            <a:endParaRPr lang="en-US" sz="1400" smtClean="0">
+            <a:endParaRPr lang="en-US" sz="1400">
               <a:latin typeface="Times New Roman"/>
             </a:endParaRPr>
           </a:p>
@@ -2810,7 +2800,7 @@
               <a:defRPr/>
             </a:pPr>
             <a:r>
-              <a:rPr lang="en-US" smtClean="0">
+              <a:rPr lang="en-US">
                 <a:solidFill>
                   <a:schemeClr val="bg1"/>
                 </a:solidFill>
@@ -2846,13 +2836,6 @@
   <p:clrMapOvr>
     <a:masterClrMapping/>
   </p:clrMapOvr>
-  <p:timing>
-    <p:tnLst>
-      <p:par>
-        <p:cTn id="1" dur="indefinite" restart="never" nodeType="tmRoot"/>
-      </p:par>
-    </p:tnLst>
-  </p:timing>
 </p:sld>
 </file>
 
@@ -2926,7 +2909,7 @@
               <a:defRPr/>
             </a:pPr>
             <a:r>
-              <a:rPr lang="en-US" smtClean="0"/>
+              <a:rPr lang="en-US"/>
               <a:t>Murach's JavaScript and jQuery (3rd Ed.)</a:t>
             </a:r>
             <a:endParaRPr lang="en-US" dirty="0"/>
@@ -2952,39 +2935,38 @@
               <a:defRPr/>
             </a:pPr>
             <a:r>
-              <a:rPr lang="en-US" smtClean="0"/>
+              <a:rPr lang="en-US"/>
               <a:t>© 2017, Mike Murach &amp; Associates, Inc.</a:t>
             </a:r>
+          </a:p>
+        </p:txBody>
+      </p:sp>
+      <p:sp>
+        <p:nvSpPr>
+          <p:cNvPr id="11" name="Slide Number Placeholder 10"/>
+          <p:cNvSpPr>
+            <a:spLocks noGrp="1"/>
+          </p:cNvSpPr>
+          <p:nvPr>
+            <p:ph type="sldNum" sz="quarter" idx="12"/>
+          </p:nvPr>
+        </p:nvSpPr>
+        <p:spPr/>
+        <p:txBody>
+          <a:bodyPr/>
+          <a:lstStyle/>
+          <a:p>
+            <a:pPr>
+              <a:defRPr/>
+            </a:pPr>
             <a:endParaRPr lang="en-US"/>
           </a:p>
-        </p:txBody>
-      </p:sp>
-      <p:sp>
-        <p:nvSpPr>
-          <p:cNvPr id="11" name="Slide Number Placeholder 10"/>
-          <p:cNvSpPr>
-            <a:spLocks noGrp="1"/>
-          </p:cNvSpPr>
-          <p:nvPr>
-            <p:ph type="sldNum" sz="quarter" idx="12"/>
-          </p:nvPr>
-        </p:nvSpPr>
-        <p:spPr/>
-        <p:txBody>
-          <a:bodyPr/>
-          <a:lstStyle/>
-          <a:p>
-            <a:pPr>
-              <a:defRPr/>
-            </a:pPr>
-            <a:endParaRPr lang="en-US" smtClean="0"/>
-          </a:p>
           <a:p>
             <a:pPr algn="r">
               <a:defRPr/>
             </a:pPr>
             <a:r>
-              <a:rPr lang="en-US" sz="900" smtClean="0">
+              <a:rPr lang="en-US" sz="900">
                 <a:solidFill>
                   <a:schemeClr val="bg1"/>
                 </a:solidFill>
@@ -3035,7 +3017,7 @@
           <a:graphicData uri="http://schemas.openxmlformats.org/presentationml/2006/ole">
             <mc:AlternateContent xmlns:mc="http://schemas.openxmlformats.org/markup-compatibility/2006">
               <mc:Choice xmlns:v="urn:schemas-microsoft-com:vml" Requires="v">
-                <p:oleObj spid="_x0000_s11326" name="Document" r:id="rId3" imgW="7313400" imgH="2683985" progId="Word.Document.12">
+                <p:oleObj spid="_x0000_s11330" name="Document" r:id="rId3" imgW="7313400" imgH="2683985" progId="Word.Document.12">
                   <p:embed/>
                 </p:oleObj>
               </mc:Choice>
@@ -3080,13 +3062,6 @@
   <p:clrMapOvr>
     <a:masterClrMapping/>
   </p:clrMapOvr>
-  <p:timing>
-    <p:tnLst>
-      <p:par>
-        <p:cTn id="1" dur="indefinite" restart="never" nodeType="tmRoot"/>
-      </p:par>
-    </p:tnLst>
-  </p:timing>
 </p:sld>
 </file>
 
@@ -3160,7 +3135,7 @@
               <a:defRPr/>
             </a:pPr>
             <a:r>
-              <a:rPr lang="en-US" smtClean="0"/>
+              <a:rPr lang="en-US"/>
               <a:t>Murach's JavaScript and jQuery (3rd Ed.)</a:t>
             </a:r>
             <a:endParaRPr lang="en-US" dirty="0"/>
@@ -3186,39 +3161,38 @@
               <a:defRPr/>
             </a:pPr>
             <a:r>
-              <a:rPr lang="en-US" smtClean="0"/>
+              <a:rPr lang="en-US"/>
               <a:t>© 2017, Mike Murach &amp; Associates, Inc.</a:t>
             </a:r>
+          </a:p>
+        </p:txBody>
+      </p:sp>
+      <p:sp>
+        <p:nvSpPr>
+          <p:cNvPr id="9" name="Slide Number Placeholder 8"/>
+          <p:cNvSpPr>
+            <a:spLocks noGrp="1"/>
+          </p:cNvSpPr>
+          <p:nvPr>
+            <p:ph type="sldNum" sz="quarter" idx="12"/>
+          </p:nvPr>
+        </p:nvSpPr>
+        <p:spPr/>
+        <p:txBody>
+          <a:bodyPr/>
+          <a:lstStyle/>
+          <a:p>
+            <a:pPr>
+              <a:defRPr/>
+            </a:pPr>
             <a:endParaRPr lang="en-US"/>
           </a:p>
-        </p:txBody>
-      </p:sp>
-      <p:sp>
-        <p:nvSpPr>
-          <p:cNvPr id="9" name="Slide Number Placeholder 8"/>
-          <p:cNvSpPr>
-            <a:spLocks noGrp="1"/>
-          </p:cNvSpPr>
-          <p:nvPr>
-            <p:ph type="sldNum" sz="quarter" idx="12"/>
-          </p:nvPr>
-        </p:nvSpPr>
-        <p:spPr/>
-        <p:txBody>
-          <a:bodyPr/>
-          <a:lstStyle/>
-          <a:p>
-            <a:pPr>
-              <a:defRPr/>
-            </a:pPr>
-            <a:endParaRPr lang="en-US" smtClean="0"/>
-          </a:p>
           <a:p>
             <a:pPr algn="r">
               <a:defRPr/>
             </a:pPr>
             <a:r>
-              <a:rPr lang="en-US" sz="900" smtClean="0">
+              <a:rPr lang="en-US" sz="900">
                 <a:solidFill>
                   <a:schemeClr val="bg1"/>
                 </a:solidFill>
@@ -3269,7 +3243,7 @@
           <a:graphicData uri="http://schemas.openxmlformats.org/presentationml/2006/ole">
             <mc:AlternateContent xmlns:mc="http://schemas.openxmlformats.org/markup-compatibility/2006">
               <mc:Choice xmlns:v="urn:schemas-microsoft-com:vml" Requires="v">
-                <p:oleObj spid="_x0000_s12319" name="Document" r:id="rId3" imgW="7313400" imgH="1657163" progId="Word.Document.12">
+                <p:oleObj spid="_x0000_s12323" name="Document" r:id="rId3" imgW="7313400" imgH="1657163" progId="Word.Document.12">
                   <p:embed/>
                 </p:oleObj>
               </mc:Choice>
@@ -3314,13 +3288,6 @@
   <p:clrMapOvr>
     <a:masterClrMapping/>
   </p:clrMapOvr>
-  <p:timing>
-    <p:tnLst>
-      <p:par>
-        <p:cTn id="1" dur="indefinite" restart="never" nodeType="tmRoot"/>
-      </p:par>
-    </p:tnLst>
-  </p:timing>
 </p:sld>
 </file>
 
@@ -3387,7 +3354,7 @@
               <a:defRPr/>
             </a:pPr>
             <a:r>
-              <a:rPr lang="en-US" smtClean="0"/>
+              <a:rPr lang="en-US"/>
               <a:t>Murach's JavaScript and jQuery (3rd Ed.)</a:t>
             </a:r>
             <a:endParaRPr lang="en-US" dirty="0"/>
@@ -3413,39 +3380,38 @@
               <a:defRPr/>
             </a:pPr>
             <a:r>
-              <a:rPr lang="en-US" smtClean="0"/>
+              <a:rPr lang="en-US"/>
               <a:t>© 2017, Mike Murach &amp; Associates, Inc.</a:t>
             </a:r>
+          </a:p>
+        </p:txBody>
+      </p:sp>
+      <p:sp>
+        <p:nvSpPr>
+          <p:cNvPr id="9" name="Slide Number Placeholder 8"/>
+          <p:cNvSpPr>
+            <a:spLocks noGrp="1"/>
+          </p:cNvSpPr>
+          <p:nvPr>
+            <p:ph type="sldNum" sz="quarter" idx="12"/>
+          </p:nvPr>
+        </p:nvSpPr>
+        <p:spPr/>
+        <p:txBody>
+          <a:bodyPr/>
+          <a:lstStyle/>
+          <a:p>
+            <a:pPr>
+              <a:defRPr/>
+            </a:pPr>
             <a:endParaRPr lang="en-US"/>
           </a:p>
-        </p:txBody>
-      </p:sp>
-      <p:sp>
-        <p:nvSpPr>
-          <p:cNvPr id="9" name="Slide Number Placeholder 8"/>
-          <p:cNvSpPr>
-            <a:spLocks noGrp="1"/>
-          </p:cNvSpPr>
-          <p:nvPr>
-            <p:ph type="sldNum" sz="quarter" idx="12"/>
-          </p:nvPr>
-        </p:nvSpPr>
-        <p:spPr/>
-        <p:txBody>
-          <a:bodyPr/>
-          <a:lstStyle/>
-          <a:p>
-            <a:pPr>
-              <a:defRPr/>
-            </a:pPr>
-            <a:endParaRPr lang="en-US" smtClean="0"/>
-          </a:p>
           <a:p>
             <a:pPr algn="r">
               <a:defRPr/>
             </a:pPr>
             <a:r>
-              <a:rPr lang="en-US" sz="900" smtClean="0">
+              <a:rPr lang="en-US" sz="900">
                 <a:solidFill>
                   <a:schemeClr val="bg1"/>
                 </a:solidFill>
@@ -3496,7 +3462,7 @@
           <a:graphicData uri="http://schemas.openxmlformats.org/presentationml/2006/ole">
             <mc:AlternateContent xmlns:mc="http://schemas.openxmlformats.org/markup-compatibility/2006">
               <mc:Choice xmlns:v="urn:schemas-microsoft-com:vml" Requires="v">
-                <p:oleObj spid="_x0000_s13343" name="Document" r:id="rId3" imgW="7313400" imgH="3073990" progId="Word.Document.12">
+                <p:oleObj spid="_x0000_s13347" name="Document" r:id="rId3" imgW="7313400" imgH="3073990" progId="Word.Document.12">
                   <p:embed/>
                 </p:oleObj>
               </mc:Choice>
@@ -3541,13 +3507,6 @@
   <p:clrMapOvr>
     <a:masterClrMapping/>
   </p:clrMapOvr>
-  <p:timing>
-    <p:tnLst>
-      <p:par>
-        <p:cTn id="1" dur="indefinite" restart="never" nodeType="tmRoot"/>
-      </p:par>
-    </p:tnLst>
-  </p:timing>
 </p:sld>
 </file>
 
@@ -3584,41 +3543,40 @@
           <a:lstStyle/>
           <a:p>
             <a:r>
-              <a:rPr lang="en-US" dirty="0" smtClean="0"/>
+              <a:rPr lang="en-US" dirty="0"/>
               <a:t>The URL for the DOM HTML specification</a:t>
             </a:r>
+          </a:p>
+        </p:txBody>
+      </p:sp>
+      <p:sp>
+        <p:nvSpPr>
+          <p:cNvPr id="6" name="Date Placeholder 5"/>
+          <p:cNvSpPr>
+            <a:spLocks noGrp="1"/>
+          </p:cNvSpPr>
+          <p:nvPr>
+            <p:ph type="dt" sz="half" idx="10"/>
+          </p:nvPr>
+        </p:nvSpPr>
+        <p:spPr/>
+        <p:txBody>
+          <a:bodyPr/>
+          <a:lstStyle/>
+          <a:p>
+            <a:pPr>
+              <a:defRPr/>
+            </a:pPr>
+            <a:r>
+              <a:rPr lang="en-US"/>
+              <a:t>Murach's JavaScript and jQuery (3rd Ed.)</a:t>
+            </a:r>
             <a:endParaRPr lang="en-US" dirty="0"/>
           </a:p>
         </p:txBody>
       </p:sp>
       <p:sp>
         <p:nvSpPr>
-          <p:cNvPr id="6" name="Date Placeholder 5"/>
-          <p:cNvSpPr>
-            <a:spLocks noGrp="1"/>
-          </p:cNvSpPr>
-          <p:nvPr>
-            <p:ph type="dt" sz="half" idx="10"/>
-          </p:nvPr>
-        </p:nvSpPr>
-        <p:spPr/>
-        <p:txBody>
-          <a:bodyPr/>
-          <a:lstStyle/>
-          <a:p>
-            <a:pPr>
-              <a:defRPr/>
-            </a:pPr>
-            <a:r>
-              <a:rPr lang="en-US" smtClean="0"/>
-              <a:t>Murach's JavaScript and jQuery (3rd Ed.)</a:t>
-            </a:r>
-            <a:endParaRPr lang="en-US" dirty="0"/>
-          </a:p>
-        </p:txBody>
-      </p:sp>
-      <p:sp>
-        <p:nvSpPr>
           <p:cNvPr id="8" name="Footer Placeholder 7"/>
           <p:cNvSpPr>
             <a:spLocks noGrp="1"/>
@@ -3636,39 +3594,38 @@
               <a:defRPr/>
             </a:pPr>
             <a:r>
-              <a:rPr lang="en-US" smtClean="0"/>
+              <a:rPr lang="en-US"/>
               <a:t>© 2017, Mike Murach &amp; Associates, Inc.</a:t>
             </a:r>
+          </a:p>
+        </p:txBody>
+      </p:sp>
+      <p:sp>
+        <p:nvSpPr>
+          <p:cNvPr id="9" name="Slide Number Placeholder 8"/>
+          <p:cNvSpPr>
+            <a:spLocks noGrp="1"/>
+          </p:cNvSpPr>
+          <p:nvPr>
+            <p:ph type="sldNum" sz="quarter" idx="12"/>
+          </p:nvPr>
+        </p:nvSpPr>
+        <p:spPr/>
+        <p:txBody>
+          <a:bodyPr/>
+          <a:lstStyle/>
+          <a:p>
+            <a:pPr>
+              <a:defRPr/>
+            </a:pPr>
             <a:endParaRPr lang="en-US"/>
           </a:p>
-        </p:txBody>
-      </p:sp>
-      <p:sp>
-        <p:nvSpPr>
-          <p:cNvPr id="9" name="Slide Number Placeholder 8"/>
-          <p:cNvSpPr>
-            <a:spLocks noGrp="1"/>
-          </p:cNvSpPr>
-          <p:nvPr>
-            <p:ph type="sldNum" sz="quarter" idx="12"/>
-          </p:nvPr>
-        </p:nvSpPr>
-        <p:spPr/>
-        <p:txBody>
-          <a:bodyPr/>
-          <a:lstStyle/>
-          <a:p>
-            <a:pPr>
-              <a:defRPr/>
-            </a:pPr>
-            <a:endParaRPr lang="en-US" smtClean="0"/>
-          </a:p>
           <a:p>
             <a:pPr algn="r">
               <a:defRPr/>
             </a:pPr>
             <a:r>
-              <a:rPr lang="en-US" sz="900" smtClean="0">
+              <a:rPr lang="en-US" sz="900">
                 <a:solidFill>
                   <a:schemeClr val="bg1"/>
                 </a:solidFill>
@@ -3719,7 +3676,7 @@
           <a:graphicData uri="http://schemas.openxmlformats.org/presentationml/2006/ole">
             <mc:AlternateContent xmlns:mc="http://schemas.openxmlformats.org/markup-compatibility/2006">
               <mc:Choice xmlns:v="urn:schemas-microsoft-com:vml" Requires="v">
-                <p:oleObj spid="_x0000_s50195" name="Document" r:id="rId3" imgW="7313400" imgH="498300" progId="Word.Document.12">
+                <p:oleObj spid="_x0000_s50199" name="Document" r:id="rId3" imgW="7313400" imgH="498300" progId="Word.Document.12">
                   <p:embed/>
                 </p:oleObj>
               </mc:Choice>
@@ -3764,13 +3721,6 @@
   <p:clrMapOvr>
     <a:masterClrMapping/>
   </p:clrMapOvr>
-  <p:timing>
-    <p:tnLst>
-      <p:par>
-        <p:cTn id="1" dur="indefinite" restart="never" nodeType="tmRoot"/>
-      </p:par>
-    </p:tnLst>
-  </p:timing>
 </p:sld>
 </file>
 
@@ -3807,48 +3757,47 @@
           <a:lstStyle/>
           <a:p>
             <a:r>
-              <a:rPr lang="en-US" dirty="0" smtClean="0"/>
+              <a:rPr lang="en-US" dirty="0"/>
               <a:t>Typical properties available </a:t>
             </a:r>
             <a:br>
-              <a:rPr lang="en-US" dirty="0" smtClean="0"/>
+              <a:rPr lang="en-US" dirty="0"/>
             </a:br>
             <a:r>
-              <a:rPr lang="en-US" dirty="0" smtClean="0"/>
+              <a:rPr lang="en-US" dirty="0"/>
               <a:t>with the DOM HTML specification</a:t>
             </a:r>
+          </a:p>
+        </p:txBody>
+      </p:sp>
+      <p:sp>
+        <p:nvSpPr>
+          <p:cNvPr id="6" name="Date Placeholder 5"/>
+          <p:cNvSpPr>
+            <a:spLocks noGrp="1"/>
+          </p:cNvSpPr>
+          <p:nvPr>
+            <p:ph type="dt" sz="half" idx="10"/>
+          </p:nvPr>
+        </p:nvSpPr>
+        <p:spPr/>
+        <p:txBody>
+          <a:bodyPr/>
+          <a:lstStyle/>
+          <a:p>
+            <a:pPr>
+              <a:defRPr/>
+            </a:pPr>
+            <a:r>
+              <a:rPr lang="en-US"/>
+              <a:t>Murach's JavaScript and jQuery (3rd Ed.)</a:t>
+            </a:r>
             <a:endParaRPr lang="en-US" dirty="0"/>
           </a:p>
         </p:txBody>
       </p:sp>
       <p:sp>
         <p:nvSpPr>
-          <p:cNvPr id="6" name="Date Placeholder 5"/>
-          <p:cNvSpPr>
-            <a:spLocks noGrp="1"/>
-          </p:cNvSpPr>
-          <p:nvPr>
-            <p:ph type="dt" sz="half" idx="10"/>
-          </p:nvPr>
-        </p:nvSpPr>
-        <p:spPr/>
-        <p:txBody>
-          <a:bodyPr/>
-          <a:lstStyle/>
-          <a:p>
-            <a:pPr>
-              <a:defRPr/>
-            </a:pPr>
-            <a:r>
-              <a:rPr lang="en-US" smtClean="0"/>
-              <a:t>Murach's JavaScript and jQuery (3rd Ed.)</a:t>
-            </a:r>
-            <a:endParaRPr lang="en-US" dirty="0"/>
-          </a:p>
-        </p:txBody>
-      </p:sp>
-      <p:sp>
-        <p:nvSpPr>
           <p:cNvPr id="8" name="Footer Placeholder 7"/>
           <p:cNvSpPr>
             <a:spLocks noGrp="1"/>
@@ -3866,39 +3815,38 @@
               <a:defRPr/>
             </a:pPr>
             <a:r>
-              <a:rPr lang="en-US" smtClean="0"/>
+              <a:rPr lang="en-US"/>
               <a:t>© 2017, Mike Murach &amp; Associates, Inc.</a:t>
             </a:r>
+          </a:p>
+        </p:txBody>
+      </p:sp>
+      <p:sp>
+        <p:nvSpPr>
+          <p:cNvPr id="9" name="Slide Number Placeholder 8"/>
+          <p:cNvSpPr>
+            <a:spLocks noGrp="1"/>
+          </p:cNvSpPr>
+          <p:nvPr>
+            <p:ph type="sldNum" sz="quarter" idx="12"/>
+          </p:nvPr>
+        </p:nvSpPr>
+        <p:spPr/>
+        <p:txBody>
+          <a:bodyPr/>
+          <a:lstStyle/>
+          <a:p>
+            <a:pPr>
+              <a:defRPr/>
+            </a:pPr>
             <a:endParaRPr lang="en-US"/>
           </a:p>
-        </p:txBody>
-      </p:sp>
-      <p:sp>
-        <p:nvSpPr>
-          <p:cNvPr id="9" name="Slide Number Placeholder 8"/>
-          <p:cNvSpPr>
-            <a:spLocks noGrp="1"/>
-          </p:cNvSpPr>
-          <p:nvPr>
-            <p:ph type="sldNum" sz="quarter" idx="12"/>
-          </p:nvPr>
-        </p:nvSpPr>
-        <p:spPr/>
-        <p:txBody>
-          <a:bodyPr/>
-          <a:lstStyle/>
-          <a:p>
-            <a:pPr>
-              <a:defRPr/>
-            </a:pPr>
-            <a:endParaRPr lang="en-US" smtClean="0"/>
-          </a:p>
           <a:p>
             <a:pPr algn="r">
               <a:defRPr/>
             </a:pPr>
             <a:r>
-              <a:rPr lang="en-US" sz="900" smtClean="0">
+              <a:rPr lang="en-US" sz="900">
                 <a:solidFill>
                   <a:schemeClr val="bg1"/>
                 </a:solidFill>
@@ -3949,7 +3897,7 @@
           <a:graphicData uri="http://schemas.openxmlformats.org/presentationml/2006/ole">
             <mc:AlternateContent xmlns:mc="http://schemas.openxmlformats.org/markup-compatibility/2006">
               <mc:Choice xmlns:v="urn:schemas-microsoft-com:vml" Requires="v">
-                <p:oleObj spid="_x0000_s51220" name="Document" r:id="rId3" imgW="7313400" imgH="4350862" progId="Word.Document.12">
+                <p:oleObj spid="_x0000_s51224" name="Document" r:id="rId3" imgW="7313400" imgH="4350862" progId="Word.Document.12">
                   <p:embed/>
                 </p:oleObj>
               </mc:Choice>
@@ -3994,13 +3942,6 @@
   <p:clrMapOvr>
     <a:masterClrMapping/>
   </p:clrMapOvr>
-  <p:timing>
-    <p:tnLst>
-      <p:par>
-        <p:cTn id="1" dur="indefinite" restart="never" nodeType="tmRoot"/>
-      </p:par>
-    </p:tnLst>
-  </p:timing>
 </p:sld>
 </file>
 
@@ -4037,48 +3978,47 @@
           <a:lstStyle/>
           <a:p>
             <a:r>
-              <a:rPr lang="en-US" dirty="0" smtClean="0"/>
+              <a:rPr lang="en-US" dirty="0"/>
               <a:t>How the DOM HTML specification </a:t>
             </a:r>
             <a:br>
-              <a:rPr lang="en-US" dirty="0" smtClean="0"/>
+              <a:rPr lang="en-US" dirty="0"/>
             </a:br>
             <a:r>
-              <a:rPr lang="en-US" dirty="0" smtClean="0"/>
+              <a:rPr lang="en-US" dirty="0"/>
               <a:t>can simplify your code</a:t>
             </a:r>
+          </a:p>
+        </p:txBody>
+      </p:sp>
+      <p:sp>
+        <p:nvSpPr>
+          <p:cNvPr id="6" name="Date Placeholder 5"/>
+          <p:cNvSpPr>
+            <a:spLocks noGrp="1"/>
+          </p:cNvSpPr>
+          <p:nvPr>
+            <p:ph type="dt" sz="half" idx="10"/>
+          </p:nvPr>
+        </p:nvSpPr>
+        <p:spPr/>
+        <p:txBody>
+          <a:bodyPr/>
+          <a:lstStyle/>
+          <a:p>
+            <a:pPr>
+              <a:defRPr/>
+            </a:pPr>
+            <a:r>
+              <a:rPr lang="en-US"/>
+              <a:t>Murach's JavaScript and jQuery (3rd Ed.)</a:t>
+            </a:r>
             <a:endParaRPr lang="en-US" dirty="0"/>
           </a:p>
         </p:txBody>
       </p:sp>
       <p:sp>
         <p:nvSpPr>
-          <p:cNvPr id="6" name="Date Placeholder 5"/>
-          <p:cNvSpPr>
-            <a:spLocks noGrp="1"/>
-          </p:cNvSpPr>
-          <p:nvPr>
-            <p:ph type="dt" sz="half" idx="10"/>
-          </p:nvPr>
-        </p:nvSpPr>
-        <p:spPr/>
-        <p:txBody>
-          <a:bodyPr/>
-          <a:lstStyle/>
-          <a:p>
-            <a:pPr>
-              <a:defRPr/>
-            </a:pPr>
-            <a:r>
-              <a:rPr lang="en-US" smtClean="0"/>
-              <a:t>Murach's JavaScript and jQuery (3rd Ed.)</a:t>
-            </a:r>
-            <a:endParaRPr lang="en-US" dirty="0"/>
-          </a:p>
-        </p:txBody>
-      </p:sp>
-      <p:sp>
-        <p:nvSpPr>
           <p:cNvPr id="8" name="Footer Placeholder 7"/>
           <p:cNvSpPr>
             <a:spLocks noGrp="1"/>
@@ -4096,39 +4036,38 @@
               <a:defRPr/>
             </a:pPr>
             <a:r>
-              <a:rPr lang="en-US" smtClean="0"/>
+              <a:rPr lang="en-US"/>
               <a:t>© 2017, Mike Murach &amp; Associates, Inc.</a:t>
             </a:r>
+          </a:p>
+        </p:txBody>
+      </p:sp>
+      <p:sp>
+        <p:nvSpPr>
+          <p:cNvPr id="9" name="Slide Number Placeholder 8"/>
+          <p:cNvSpPr>
+            <a:spLocks noGrp="1"/>
+          </p:cNvSpPr>
+          <p:nvPr>
+            <p:ph type="sldNum" sz="quarter" idx="12"/>
+          </p:nvPr>
+        </p:nvSpPr>
+        <p:spPr/>
+        <p:txBody>
+          <a:bodyPr/>
+          <a:lstStyle/>
+          <a:p>
+            <a:pPr>
+              <a:defRPr/>
+            </a:pPr>
             <a:endParaRPr lang="en-US"/>
           </a:p>
-        </p:txBody>
-      </p:sp>
-      <p:sp>
-        <p:nvSpPr>
-          <p:cNvPr id="9" name="Slide Number Placeholder 8"/>
-          <p:cNvSpPr>
-            <a:spLocks noGrp="1"/>
-          </p:cNvSpPr>
-          <p:nvPr>
-            <p:ph type="sldNum" sz="quarter" idx="12"/>
-          </p:nvPr>
-        </p:nvSpPr>
-        <p:spPr/>
-        <p:txBody>
-          <a:bodyPr/>
-          <a:lstStyle/>
-          <a:p>
-            <a:pPr>
-              <a:defRPr/>
-            </a:pPr>
-            <a:endParaRPr lang="en-US" smtClean="0"/>
-          </a:p>
           <a:p>
             <a:pPr algn="r">
               <a:defRPr/>
             </a:pPr>
             <a:r>
-              <a:rPr lang="en-US" sz="900" smtClean="0">
+              <a:rPr lang="en-US" sz="900">
                 <a:solidFill>
                   <a:schemeClr val="bg1"/>
                 </a:solidFill>
@@ -4166,7 +4105,7 @@
           <p:nvPr>
             <p:extLst>
               <p:ext uri="{D42A27DB-BD31-4B8C-83A1-F6EECF244321}">
-                <p14:modId xmlns:p14="http://schemas.microsoft.com/office/powerpoint/2010/main" val="1753765944"/>
+                <p14:modId xmlns:p14="http://schemas.microsoft.com/office/powerpoint/2010/main" val="1344178088"/>
               </p:ext>
             </p:extLst>
           </p:nvPr>
@@ -4179,12 +4118,12 @@
           <a:graphicData uri="http://schemas.openxmlformats.org/presentationml/2006/ole">
             <mc:AlternateContent xmlns:mc="http://schemas.openxmlformats.org/markup-compatibility/2006">
               <mc:Choice xmlns:v="urn:schemas-microsoft-com:vml" Requires="v">
-                <p:oleObj spid="_x0000_s52243" name="Document" r:id="rId3" imgW="7313400" imgH="2698736" progId="Word.Document.12">
+                <p:oleObj spid="_x0000_s52247" name="Document" r:id="rId3" imgW="7301323" imgH="2704231" progId="Word.Document.12">
                   <p:embed/>
                 </p:oleObj>
               </mc:Choice>
               <mc:Fallback>
-                <p:oleObj name="Document" r:id="rId3" imgW="7313400" imgH="2698736" progId="Word.Document.12">
+                <p:oleObj name="Document" r:id="rId3" imgW="7301323" imgH="2704231" progId="Word.Document.12">
                   <p:embed/>
                   <p:pic>
                     <p:nvPicPr>
@@ -4224,13 +4163,6 @@
   <p:clrMapOvr>
     <a:masterClrMapping/>
   </p:clrMapOvr>
-  <p:timing>
-    <p:tnLst>
-      <p:par>
-        <p:cTn id="1" dur="indefinite" restart="never" nodeType="tmRoot"/>
-      </p:par>
-    </p:tnLst>
-  </p:timing>
 </p:sld>
 </file>
 
@@ -4267,41 +4199,40 @@
           <a:lstStyle/>
           <a:p>
             <a:r>
-              <a:rPr lang="en-US" dirty="0" smtClean="0"/>
+              <a:rPr lang="en-US" dirty="0"/>
               <a:t>Other examples of using the DOM HTML specification</a:t>
             </a:r>
+          </a:p>
+        </p:txBody>
+      </p:sp>
+      <p:sp>
+        <p:nvSpPr>
+          <p:cNvPr id="6" name="Date Placeholder 5"/>
+          <p:cNvSpPr>
+            <a:spLocks noGrp="1"/>
+          </p:cNvSpPr>
+          <p:nvPr>
+            <p:ph type="dt" sz="half" idx="10"/>
+          </p:nvPr>
+        </p:nvSpPr>
+        <p:spPr/>
+        <p:txBody>
+          <a:bodyPr/>
+          <a:lstStyle/>
+          <a:p>
+            <a:pPr>
+              <a:defRPr/>
+            </a:pPr>
+            <a:r>
+              <a:rPr lang="en-US"/>
+              <a:t>Murach's JavaScript and jQuery (3rd Ed.)</a:t>
+            </a:r>
             <a:endParaRPr lang="en-US" dirty="0"/>
           </a:p>
         </p:txBody>
       </p:sp>
       <p:sp>
         <p:nvSpPr>
-          <p:cNvPr id="6" name="Date Placeholder 5"/>
-          <p:cNvSpPr>
-            <a:spLocks noGrp="1"/>
-          </p:cNvSpPr>
-          <p:nvPr>
-            <p:ph type="dt" sz="half" idx="10"/>
-          </p:nvPr>
-        </p:nvSpPr>
-        <p:spPr/>
-        <p:txBody>
-          <a:bodyPr/>
-          <a:lstStyle/>
-          <a:p>
-            <a:pPr>
-              <a:defRPr/>
-            </a:pPr>
-            <a:r>
-              <a:rPr lang="en-US" smtClean="0"/>
-              <a:t>Murach's JavaScript and jQuery (3rd Ed.)</a:t>
-            </a:r>
-            <a:endParaRPr lang="en-US" dirty="0"/>
-          </a:p>
-        </p:txBody>
-      </p:sp>
-      <p:sp>
-        <p:nvSpPr>
           <p:cNvPr id="8" name="Footer Placeholder 7"/>
           <p:cNvSpPr>
             <a:spLocks noGrp="1"/>
@@ -4319,39 +4250,38 @@
               <a:defRPr/>
             </a:pPr>
             <a:r>
-              <a:rPr lang="en-US" smtClean="0"/>
+              <a:rPr lang="en-US"/>
               <a:t>© 2017, Mike Murach &amp; Associates, Inc.</a:t>
             </a:r>
+          </a:p>
+        </p:txBody>
+      </p:sp>
+      <p:sp>
+        <p:nvSpPr>
+          <p:cNvPr id="9" name="Slide Number Placeholder 8"/>
+          <p:cNvSpPr>
+            <a:spLocks noGrp="1"/>
+          </p:cNvSpPr>
+          <p:nvPr>
+            <p:ph type="sldNum" sz="quarter" idx="12"/>
+          </p:nvPr>
+        </p:nvSpPr>
+        <p:spPr/>
+        <p:txBody>
+          <a:bodyPr/>
+          <a:lstStyle/>
+          <a:p>
+            <a:pPr>
+              <a:defRPr/>
+            </a:pPr>
             <a:endParaRPr lang="en-US"/>
           </a:p>
-        </p:txBody>
-      </p:sp>
-      <p:sp>
-        <p:nvSpPr>
-          <p:cNvPr id="9" name="Slide Number Placeholder 8"/>
-          <p:cNvSpPr>
-            <a:spLocks noGrp="1"/>
-          </p:cNvSpPr>
-          <p:nvPr>
-            <p:ph type="sldNum" sz="quarter" idx="12"/>
-          </p:nvPr>
-        </p:nvSpPr>
-        <p:spPr/>
-        <p:txBody>
-          <a:bodyPr/>
-          <a:lstStyle/>
-          <a:p>
-            <a:pPr>
-              <a:defRPr/>
-            </a:pPr>
-            <a:endParaRPr lang="en-US" smtClean="0"/>
-          </a:p>
           <a:p>
             <a:pPr algn="r">
               <a:defRPr/>
             </a:pPr>
             <a:r>
-              <a:rPr lang="en-US" sz="900" smtClean="0">
+              <a:rPr lang="en-US" sz="900">
                 <a:solidFill>
                   <a:schemeClr val="bg1"/>
                 </a:solidFill>
@@ -4389,25 +4319,25 @@
           <p:nvPr>
             <p:extLst>
               <p:ext uri="{D42A27DB-BD31-4B8C-83A1-F6EECF244321}">
-                <p14:modId xmlns:p14="http://schemas.microsoft.com/office/powerpoint/2010/main" val="2466549611"/>
+                <p14:modId xmlns:p14="http://schemas.microsoft.com/office/powerpoint/2010/main" val="4102476592"/>
               </p:ext>
             </p:extLst>
           </p:nvPr>
         </p:nvGraphicFramePr>
         <p:xfrm>
-          <a:off x="914400" y="1219200"/>
-          <a:ext cx="7313400" cy="2889062"/>
+          <a:off x="914400" y="1222375"/>
+          <a:ext cx="7253288" cy="2867025"/>
         </p:xfrm>
         <a:graphic>
           <a:graphicData uri="http://schemas.openxmlformats.org/presentationml/2006/ole">
             <mc:AlternateContent xmlns:mc="http://schemas.openxmlformats.org/markup-compatibility/2006">
               <mc:Choice xmlns:v="urn:schemas-microsoft-com:vml" Requires="v">
-                <p:oleObj spid="_x0000_s53267" name="Document" r:id="rId3" imgW="7313400" imgH="2889062" progId="Word.Document.12">
+                <p:oleObj spid="_x0000_s53271" name="Document" r:id="rId3" imgW="7301323" imgH="2894945" progId="Word.Document.12">
                   <p:embed/>
                 </p:oleObj>
               </mc:Choice>
               <mc:Fallback>
-                <p:oleObj name="Document" r:id="rId3" imgW="7313400" imgH="2889062" progId="Word.Document.12">
+                <p:oleObj name="Document" r:id="rId3" imgW="7301323" imgH="2894945" progId="Word.Document.12">
                   <p:embed/>
                   <p:pic>
                     <p:nvPicPr>
@@ -4423,8 +4353,8 @@
                     </p:blipFill>
                     <p:spPr>
                       <a:xfrm>
-                        <a:off x="914400" y="1219200"/>
-                        <a:ext cx="7313400" cy="2889062"/>
+                        <a:off x="914400" y="1222375"/>
+                        <a:ext cx="7253288" cy="2867025"/>
                       </a:xfrm>
                       <a:prstGeom prst="rect">
                         <a:avLst/>
@@ -4447,13 +4377,6 @@
   <p:clrMapOvr>
     <a:masterClrMapping/>
   </p:clrMapOvr>
-  <p:timing>
-    <p:tnLst>
-      <p:par>
-        <p:cTn id="1" dur="indefinite" restart="never" nodeType="tmRoot"/>
-      </p:par>
-    </p:tnLst>
-  </p:timing>
 </p:sld>
 </file>
 
@@ -4490,41 +4413,40 @@
           <a:lstStyle/>
           <a:p>
             <a:r>
-              <a:rPr lang="en-US" dirty="0" smtClean="0"/>
+              <a:rPr lang="en-US" dirty="0"/>
               <a:t>Other examples of using the DOM HTML specification (continued)</a:t>
             </a:r>
+          </a:p>
+        </p:txBody>
+      </p:sp>
+      <p:sp>
+        <p:nvSpPr>
+          <p:cNvPr id="6" name="Date Placeholder 5"/>
+          <p:cNvSpPr>
+            <a:spLocks noGrp="1"/>
+          </p:cNvSpPr>
+          <p:nvPr>
+            <p:ph type="dt" sz="half" idx="10"/>
+          </p:nvPr>
+        </p:nvSpPr>
+        <p:spPr/>
+        <p:txBody>
+          <a:bodyPr/>
+          <a:lstStyle/>
+          <a:p>
+            <a:pPr>
+              <a:defRPr/>
+            </a:pPr>
+            <a:r>
+              <a:rPr lang="en-US"/>
+              <a:t>Murach's JavaScript and jQuery (3rd Ed.)</a:t>
+            </a:r>
             <a:endParaRPr lang="en-US" dirty="0"/>
           </a:p>
         </p:txBody>
       </p:sp>
       <p:sp>
         <p:nvSpPr>
-          <p:cNvPr id="6" name="Date Placeholder 5"/>
-          <p:cNvSpPr>
-            <a:spLocks noGrp="1"/>
-          </p:cNvSpPr>
-          <p:nvPr>
-            <p:ph type="dt" sz="half" idx="10"/>
-          </p:nvPr>
-        </p:nvSpPr>
-        <p:spPr/>
-        <p:txBody>
-          <a:bodyPr/>
-          <a:lstStyle/>
-          <a:p>
-            <a:pPr>
-              <a:defRPr/>
-            </a:pPr>
-            <a:r>
-              <a:rPr lang="en-US" smtClean="0"/>
-              <a:t>Murach's JavaScript and jQuery (3rd Ed.)</a:t>
-            </a:r>
-            <a:endParaRPr lang="en-US" dirty="0"/>
-          </a:p>
-        </p:txBody>
-      </p:sp>
-      <p:sp>
-        <p:nvSpPr>
           <p:cNvPr id="8" name="Footer Placeholder 7"/>
           <p:cNvSpPr>
             <a:spLocks noGrp="1"/>
@@ -4542,39 +4464,38 @@
               <a:defRPr/>
             </a:pPr>
             <a:r>
-              <a:rPr lang="en-US" smtClean="0"/>
+              <a:rPr lang="en-US"/>
               <a:t>© 2017, Mike Murach &amp; Associates, Inc.</a:t>
             </a:r>
+          </a:p>
+        </p:txBody>
+      </p:sp>
+      <p:sp>
+        <p:nvSpPr>
+          <p:cNvPr id="9" name="Slide Number Placeholder 8"/>
+          <p:cNvSpPr>
+            <a:spLocks noGrp="1"/>
+          </p:cNvSpPr>
+          <p:nvPr>
+            <p:ph type="sldNum" sz="quarter" idx="12"/>
+          </p:nvPr>
+        </p:nvSpPr>
+        <p:spPr/>
+        <p:txBody>
+          <a:bodyPr/>
+          <a:lstStyle/>
+          <a:p>
+            <a:pPr>
+              <a:defRPr/>
+            </a:pPr>
             <a:endParaRPr lang="en-US"/>
           </a:p>
-        </p:txBody>
-      </p:sp>
-      <p:sp>
-        <p:nvSpPr>
-          <p:cNvPr id="9" name="Slide Number Placeholder 8"/>
-          <p:cNvSpPr>
-            <a:spLocks noGrp="1"/>
-          </p:cNvSpPr>
-          <p:nvPr>
-            <p:ph type="sldNum" sz="quarter" idx="12"/>
-          </p:nvPr>
-        </p:nvSpPr>
-        <p:spPr/>
-        <p:txBody>
-          <a:bodyPr/>
-          <a:lstStyle/>
-          <a:p>
-            <a:pPr>
-              <a:defRPr/>
-            </a:pPr>
-            <a:endParaRPr lang="en-US" smtClean="0"/>
-          </a:p>
           <a:p>
             <a:pPr algn="r">
               <a:defRPr/>
             </a:pPr>
             <a:r>
-              <a:rPr lang="en-US" sz="900" smtClean="0">
+              <a:rPr lang="en-US" sz="900">
                 <a:solidFill>
                   <a:schemeClr val="bg1"/>
                 </a:solidFill>
@@ -4612,25 +4533,25 @@
           <p:nvPr>
             <p:extLst>
               <p:ext uri="{D42A27DB-BD31-4B8C-83A1-F6EECF244321}">
-                <p14:modId xmlns:p14="http://schemas.microsoft.com/office/powerpoint/2010/main" val="3021634461"/>
+                <p14:modId xmlns:p14="http://schemas.microsoft.com/office/powerpoint/2010/main" val="3126676113"/>
               </p:ext>
             </p:extLst>
           </p:nvPr>
         </p:nvGraphicFramePr>
         <p:xfrm>
-          <a:off x="914400" y="1219200"/>
-          <a:ext cx="7313400" cy="1884906"/>
+          <a:off x="914400" y="1222375"/>
+          <a:ext cx="7253288" cy="1870075"/>
         </p:xfrm>
         <a:graphic>
           <a:graphicData uri="http://schemas.openxmlformats.org/presentationml/2006/ole">
             <mc:AlternateContent xmlns:mc="http://schemas.openxmlformats.org/markup-compatibility/2006">
               <mc:Choice xmlns:v="urn:schemas-microsoft-com:vml" Requires="v">
-                <p:oleObj spid="_x0000_s54291" name="Document" r:id="rId3" imgW="7313400" imgH="1884906" progId="Word.Document.12">
+                <p:oleObj spid="_x0000_s54295" name="Document" r:id="rId3" imgW="7301323" imgH="1888744" progId="Word.Document.12">
                   <p:embed/>
                 </p:oleObj>
               </mc:Choice>
               <mc:Fallback>
-                <p:oleObj name="Document" r:id="rId3" imgW="7313400" imgH="1884906" progId="Word.Document.12">
+                <p:oleObj name="Document" r:id="rId3" imgW="7301323" imgH="1888744" progId="Word.Document.12">
                   <p:embed/>
                   <p:pic>
                     <p:nvPicPr>
@@ -4646,8 +4567,8 @@
                     </p:blipFill>
                     <p:spPr>
                       <a:xfrm>
-                        <a:off x="914400" y="1219200"/>
-                        <a:ext cx="7313400" cy="1884906"/>
+                        <a:off x="914400" y="1222375"/>
+                        <a:ext cx="7253288" cy="1870075"/>
                       </a:xfrm>
                       <a:prstGeom prst="rect">
                         <a:avLst/>
@@ -4670,13 +4591,6 @@
   <p:clrMapOvr>
     <a:masterClrMapping/>
   </p:clrMapOvr>
-  <p:timing>
-    <p:tnLst>
-      <p:par>
-        <p:cTn id="1" dur="indefinite" restart="never" nodeType="tmRoot"/>
-      </p:par>
-    </p:tnLst>
-  </p:timing>
 </p:sld>
 </file>
 
@@ -4713,10 +4627,9 @@
           <a:lstStyle/>
           <a:p>
             <a:r>
-              <a:rPr lang="en-US" dirty="0" smtClean="0"/>
+              <a:rPr lang="en-US" dirty="0"/>
               <a:t>Terms</a:t>
             </a:r>
-            <a:endParaRPr lang="en-US" dirty="0"/>
           </a:p>
         </p:txBody>
       </p:sp>
@@ -4742,7 +4655,7 @@
           <a:graphicData uri="http://schemas.openxmlformats.org/presentationml/2006/ole">
             <mc:AlternateContent xmlns:mc="http://schemas.openxmlformats.org/markup-compatibility/2006">
               <mc:Choice xmlns:v="urn:schemas-microsoft-com:vml" Requires="v">
-                <p:oleObj spid="_x0000_s14367" name="Document" r:id="rId3" imgW="7313400" imgH="2111210" progId="Word.Document.12">
+                <p:oleObj spid="_x0000_s14371" name="Document" r:id="rId3" imgW="7313400" imgH="2111210" progId="Word.Document.12">
                   <p:embed/>
                 </p:oleObj>
               </mc:Choice>
@@ -4796,7 +4709,7 @@
               <a:defRPr/>
             </a:pPr>
             <a:r>
-              <a:rPr lang="en-US" smtClean="0"/>
+              <a:rPr lang="en-US"/>
               <a:t>Murach's JavaScript and jQuery (3rd Ed.)</a:t>
             </a:r>
             <a:endParaRPr lang="en-US" dirty="0"/>
@@ -4822,39 +4735,38 @@
               <a:defRPr/>
             </a:pPr>
             <a:r>
-              <a:rPr lang="en-US" smtClean="0"/>
+              <a:rPr lang="en-US"/>
               <a:t>© 2017, Mike Murach &amp; Associates, Inc.</a:t>
             </a:r>
+          </a:p>
+        </p:txBody>
+      </p:sp>
+      <p:sp>
+        <p:nvSpPr>
+          <p:cNvPr id="9" name="Slide Number Placeholder 8"/>
+          <p:cNvSpPr>
+            <a:spLocks noGrp="1"/>
+          </p:cNvSpPr>
+          <p:nvPr>
+            <p:ph type="sldNum" sz="quarter" idx="12"/>
+          </p:nvPr>
+        </p:nvSpPr>
+        <p:spPr/>
+        <p:txBody>
+          <a:bodyPr/>
+          <a:lstStyle/>
+          <a:p>
+            <a:pPr>
+              <a:defRPr/>
+            </a:pPr>
             <a:endParaRPr lang="en-US"/>
           </a:p>
-        </p:txBody>
-      </p:sp>
-      <p:sp>
-        <p:nvSpPr>
-          <p:cNvPr id="9" name="Slide Number Placeholder 8"/>
-          <p:cNvSpPr>
-            <a:spLocks noGrp="1"/>
-          </p:cNvSpPr>
-          <p:nvPr>
-            <p:ph type="sldNum" sz="quarter" idx="12"/>
-          </p:nvPr>
-        </p:nvSpPr>
-        <p:spPr/>
-        <p:txBody>
-          <a:bodyPr/>
-          <a:lstStyle/>
-          <a:p>
-            <a:pPr>
-              <a:defRPr/>
-            </a:pPr>
-            <a:endParaRPr lang="en-US" smtClean="0"/>
-          </a:p>
           <a:p>
             <a:pPr algn="r">
               <a:defRPr/>
             </a:pPr>
             <a:r>
-              <a:rPr lang="en-US" sz="900" smtClean="0">
+              <a:rPr lang="en-US" sz="900">
                 <a:solidFill>
                   <a:schemeClr val="bg1"/>
                 </a:solidFill>
@@ -4893,13 +4805,6 @@
   <p:clrMapOvr>
     <a:masterClrMapping/>
   </p:clrMapOvr>
-  <p:timing>
-    <p:tnLst>
-      <p:par>
-        <p:cTn id="1" dur="indefinite" restart="never" nodeType="tmRoot"/>
-      </p:par>
-    </p:tnLst>
-  </p:timing>
 </p:sld>
 </file>
 
@@ -4936,41 +4841,40 @@
           <a:lstStyle/>
           <a:p>
             <a:r>
-              <a:rPr lang="en-US" dirty="0" smtClean="0"/>
+              <a:rPr lang="en-US" dirty="0"/>
               <a:t>The FAQs application in a browser</a:t>
             </a:r>
+          </a:p>
+        </p:txBody>
+      </p:sp>
+      <p:sp>
+        <p:nvSpPr>
+          <p:cNvPr id="6" name="Date Placeholder 5"/>
+          <p:cNvSpPr>
+            <a:spLocks noGrp="1"/>
+          </p:cNvSpPr>
+          <p:nvPr>
+            <p:ph type="dt" sz="half" idx="10"/>
+          </p:nvPr>
+        </p:nvSpPr>
+        <p:spPr/>
+        <p:txBody>
+          <a:bodyPr/>
+          <a:lstStyle/>
+          <a:p>
+            <a:pPr>
+              <a:defRPr/>
+            </a:pPr>
+            <a:r>
+              <a:rPr lang="en-US"/>
+              <a:t>Murach's JavaScript and jQuery (3rd Ed.)</a:t>
+            </a:r>
             <a:endParaRPr lang="en-US" dirty="0"/>
           </a:p>
         </p:txBody>
       </p:sp>
       <p:sp>
         <p:nvSpPr>
-          <p:cNvPr id="6" name="Date Placeholder 5"/>
-          <p:cNvSpPr>
-            <a:spLocks noGrp="1"/>
-          </p:cNvSpPr>
-          <p:nvPr>
-            <p:ph type="dt" sz="half" idx="10"/>
-          </p:nvPr>
-        </p:nvSpPr>
-        <p:spPr/>
-        <p:txBody>
-          <a:bodyPr/>
-          <a:lstStyle/>
-          <a:p>
-            <a:pPr>
-              <a:defRPr/>
-            </a:pPr>
-            <a:r>
-              <a:rPr lang="en-US" smtClean="0"/>
-              <a:t>Murach's JavaScript and jQuery (3rd Ed.)</a:t>
-            </a:r>
-            <a:endParaRPr lang="en-US" dirty="0"/>
-          </a:p>
-        </p:txBody>
-      </p:sp>
-      <p:sp>
-        <p:nvSpPr>
           <p:cNvPr id="8" name="Footer Placeholder 7"/>
           <p:cNvSpPr>
             <a:spLocks noGrp="1"/>
@@ -4988,39 +4892,38 @@
               <a:defRPr/>
             </a:pPr>
             <a:r>
-              <a:rPr lang="en-US" smtClean="0"/>
+              <a:rPr lang="en-US"/>
               <a:t>© 2017, Mike Murach &amp; Associates, Inc.</a:t>
             </a:r>
+          </a:p>
+        </p:txBody>
+      </p:sp>
+      <p:sp>
+        <p:nvSpPr>
+          <p:cNvPr id="9" name="Slide Number Placeholder 8"/>
+          <p:cNvSpPr>
+            <a:spLocks noGrp="1"/>
+          </p:cNvSpPr>
+          <p:nvPr>
+            <p:ph type="sldNum" sz="quarter" idx="12"/>
+          </p:nvPr>
+        </p:nvSpPr>
+        <p:spPr/>
+        <p:txBody>
+          <a:bodyPr/>
+          <a:lstStyle/>
+          <a:p>
+            <a:pPr>
+              <a:defRPr/>
+            </a:pPr>
             <a:endParaRPr lang="en-US"/>
           </a:p>
-        </p:txBody>
-      </p:sp>
-      <p:sp>
-        <p:nvSpPr>
-          <p:cNvPr id="9" name="Slide Number Placeholder 8"/>
-          <p:cNvSpPr>
-            <a:spLocks noGrp="1"/>
-          </p:cNvSpPr>
-          <p:nvPr>
-            <p:ph type="sldNum" sz="quarter" idx="12"/>
-          </p:nvPr>
-        </p:nvSpPr>
-        <p:spPr/>
-        <p:txBody>
-          <a:bodyPr/>
-          <a:lstStyle/>
-          <a:p>
-            <a:pPr>
-              <a:defRPr/>
-            </a:pPr>
-            <a:endParaRPr lang="en-US" smtClean="0"/>
-          </a:p>
           <a:p>
             <a:pPr algn="r">
               <a:defRPr/>
             </a:pPr>
             <a:r>
-              <a:rPr lang="en-US" sz="900" smtClean="0">
+              <a:rPr lang="en-US" sz="900">
                 <a:solidFill>
                   <a:schemeClr val="bg1"/>
                 </a:solidFill>
@@ -5089,13 +4992,6 @@
   <p:clrMapOvr>
     <a:masterClrMapping/>
   </p:clrMapOvr>
-  <p:timing>
-    <p:tnLst>
-      <p:par>
-        <p:cTn id="1" dur="indefinite" restart="never" nodeType="tmRoot"/>
-      </p:par>
-    </p:tnLst>
-  </p:timing>
 </p:sld>
 </file>
 
@@ -5132,10 +5028,9 @@
           <a:lstStyle/>
           <a:p>
             <a:r>
-              <a:rPr lang="en-US" dirty="0" smtClean="0"/>
+              <a:rPr lang="en-US" dirty="0"/>
               <a:t>Objectives</a:t>
             </a:r>
-            <a:endParaRPr lang="en-US" dirty="0"/>
           </a:p>
         </p:txBody>
       </p:sp>
@@ -5161,7 +5056,7 @@
           <a:graphicData uri="http://schemas.openxmlformats.org/presentationml/2006/ole">
             <mc:AlternateContent xmlns:mc="http://schemas.openxmlformats.org/markup-compatibility/2006">
               <mc:Choice xmlns:v="urn:schemas-microsoft-com:vml" Requires="v">
-                <p:oleObj spid="_x0000_s2080" name="Document" r:id="rId3" imgW="7313400" imgH="5213263" progId="Word.Document.12">
+                <p:oleObj spid="_x0000_s2084" name="Document" r:id="rId3" imgW="7313400" imgH="5213263" progId="Word.Document.12">
                   <p:embed/>
                 </p:oleObj>
               </mc:Choice>
@@ -5215,7 +5110,7 @@
               <a:defRPr/>
             </a:pPr>
             <a:r>
-              <a:rPr lang="en-US" smtClean="0"/>
+              <a:rPr lang="en-US"/>
               <a:t>Murach's JavaScript and jQuery (3rd Ed.)</a:t>
             </a:r>
             <a:endParaRPr lang="en-US" dirty="0"/>
@@ -5241,39 +5136,38 @@
               <a:defRPr/>
             </a:pPr>
             <a:r>
-              <a:rPr lang="en-US" smtClean="0"/>
+              <a:rPr lang="en-US"/>
               <a:t>© 2017, Mike Murach &amp; Associates, Inc.</a:t>
             </a:r>
+          </a:p>
+        </p:txBody>
+      </p:sp>
+      <p:sp>
+        <p:nvSpPr>
+          <p:cNvPr id="9" name="Slide Number Placeholder 8"/>
+          <p:cNvSpPr>
+            <a:spLocks noGrp="1"/>
+          </p:cNvSpPr>
+          <p:nvPr>
+            <p:ph type="sldNum" sz="quarter" idx="12"/>
+          </p:nvPr>
+        </p:nvSpPr>
+        <p:spPr/>
+        <p:txBody>
+          <a:bodyPr/>
+          <a:lstStyle/>
+          <a:p>
+            <a:pPr>
+              <a:defRPr/>
+            </a:pPr>
             <a:endParaRPr lang="en-US"/>
           </a:p>
-        </p:txBody>
-      </p:sp>
-      <p:sp>
-        <p:nvSpPr>
-          <p:cNvPr id="9" name="Slide Number Placeholder 8"/>
-          <p:cNvSpPr>
-            <a:spLocks noGrp="1"/>
-          </p:cNvSpPr>
-          <p:nvPr>
-            <p:ph type="sldNum" sz="quarter" idx="12"/>
-          </p:nvPr>
-        </p:nvSpPr>
-        <p:spPr/>
-        <p:txBody>
-          <a:bodyPr/>
-          <a:lstStyle/>
-          <a:p>
-            <a:pPr>
-              <a:defRPr/>
-            </a:pPr>
-            <a:endParaRPr lang="en-US" smtClean="0"/>
-          </a:p>
           <a:p>
             <a:pPr algn="r">
               <a:defRPr/>
             </a:pPr>
             <a:r>
-              <a:rPr lang="en-US" sz="900" smtClean="0">
+              <a:rPr lang="en-US" sz="900">
                 <a:solidFill>
                   <a:schemeClr val="bg1"/>
                 </a:solidFill>
@@ -5312,13 +5206,6 @@
   <p:clrMapOvr>
     <a:masterClrMapping/>
   </p:clrMapOvr>
-  <p:timing>
-    <p:tnLst>
-      <p:par>
-        <p:cTn id="1" dur="indefinite" restart="never" nodeType="tmRoot"/>
-      </p:par>
-    </p:tnLst>
-  </p:timing>
 </p:sld>
 </file>
 
@@ -5355,10 +5242,9 @@
           <a:lstStyle/>
           <a:p>
             <a:r>
-              <a:rPr lang="en-US" dirty="0" smtClean="0"/>
+              <a:rPr lang="en-US" dirty="0"/>
               <a:t>The HTML for the FAQs application</a:t>
             </a:r>
-            <a:endParaRPr lang="en-US" dirty="0"/>
           </a:p>
         </p:txBody>
       </p:sp>
@@ -5384,7 +5270,7 @@
           <a:graphicData uri="http://schemas.openxmlformats.org/presentationml/2006/ole">
             <mc:AlternateContent xmlns:mc="http://schemas.openxmlformats.org/markup-compatibility/2006">
               <mc:Choice xmlns:v="urn:schemas-microsoft-com:vml" Requires="v">
-                <p:oleObj spid="_x0000_s22561" name="Document" r:id="rId3" imgW="7313400" imgH="3917323" progId="Word.Document.12">
+                <p:oleObj spid="_x0000_s22565" name="Document" r:id="rId3" imgW="7313400" imgH="3917323" progId="Word.Document.12">
                   <p:embed/>
                 </p:oleObj>
               </mc:Choice>
@@ -5438,7 +5324,7 @@
               <a:defRPr/>
             </a:pPr>
             <a:r>
-              <a:rPr lang="en-US" smtClean="0"/>
+              <a:rPr lang="en-US"/>
               <a:t>Murach's JavaScript and jQuery (3rd Ed.)</a:t>
             </a:r>
             <a:endParaRPr lang="en-US" dirty="0"/>
@@ -5464,39 +5350,38 @@
               <a:defRPr/>
             </a:pPr>
             <a:r>
-              <a:rPr lang="en-US" smtClean="0"/>
+              <a:rPr lang="en-US"/>
               <a:t>© 2017, Mike Murach &amp; Associates, Inc.</a:t>
             </a:r>
+          </a:p>
+        </p:txBody>
+      </p:sp>
+      <p:sp>
+        <p:nvSpPr>
+          <p:cNvPr id="9" name="Slide Number Placeholder 8"/>
+          <p:cNvSpPr>
+            <a:spLocks noGrp="1"/>
+          </p:cNvSpPr>
+          <p:nvPr>
+            <p:ph type="sldNum" sz="quarter" idx="12"/>
+          </p:nvPr>
+        </p:nvSpPr>
+        <p:spPr/>
+        <p:txBody>
+          <a:bodyPr/>
+          <a:lstStyle/>
+          <a:p>
+            <a:pPr>
+              <a:defRPr/>
+            </a:pPr>
             <a:endParaRPr lang="en-US"/>
           </a:p>
-        </p:txBody>
-      </p:sp>
-      <p:sp>
-        <p:nvSpPr>
-          <p:cNvPr id="9" name="Slide Number Placeholder 8"/>
-          <p:cNvSpPr>
-            <a:spLocks noGrp="1"/>
-          </p:cNvSpPr>
-          <p:nvPr>
-            <p:ph type="sldNum" sz="quarter" idx="12"/>
-          </p:nvPr>
-        </p:nvSpPr>
-        <p:spPr/>
-        <p:txBody>
-          <a:bodyPr/>
-          <a:lstStyle/>
-          <a:p>
-            <a:pPr>
-              <a:defRPr/>
-            </a:pPr>
-            <a:endParaRPr lang="en-US" smtClean="0"/>
-          </a:p>
           <a:p>
             <a:pPr algn="r">
               <a:defRPr/>
             </a:pPr>
             <a:r>
-              <a:rPr lang="en-US" sz="900" smtClean="0">
+              <a:rPr lang="en-US" sz="900">
                 <a:solidFill>
                   <a:schemeClr val="bg1"/>
                 </a:solidFill>
@@ -5535,13 +5420,6 @@
   <p:clrMapOvr>
     <a:masterClrMapping/>
   </p:clrMapOvr>
-  <p:timing>
-    <p:tnLst>
-      <p:par>
-        <p:cTn id="1" dur="indefinite" restart="never" nodeType="tmRoot"/>
-      </p:par>
-    </p:tnLst>
-  </p:timing>
 </p:sld>
 </file>
 
@@ -5578,10 +5456,9 @@
           <a:lstStyle/>
           <a:p>
             <a:r>
-              <a:rPr lang="en-US" dirty="0" smtClean="0"/>
+              <a:rPr lang="en-US" dirty="0"/>
               <a:t>The HTML (continued)</a:t>
             </a:r>
-            <a:endParaRPr lang="en-US" dirty="0"/>
           </a:p>
         </p:txBody>
       </p:sp>
@@ -5607,7 +5484,7 @@
           <a:graphicData uri="http://schemas.openxmlformats.org/presentationml/2006/ole">
             <mc:AlternateContent xmlns:mc="http://schemas.openxmlformats.org/markup-compatibility/2006">
               <mc:Choice xmlns:v="urn:schemas-microsoft-com:vml" Requires="v">
-                <p:oleObj spid="_x0000_s23585" name="Document" r:id="rId3" imgW="7313400" imgH="3457520" progId="Word.Document.12">
+                <p:oleObj spid="_x0000_s23589" name="Document" r:id="rId3" imgW="7313400" imgH="3457520" progId="Word.Document.12">
                   <p:embed/>
                 </p:oleObj>
               </mc:Choice>
@@ -5661,7 +5538,7 @@
               <a:defRPr/>
             </a:pPr>
             <a:r>
-              <a:rPr lang="en-US" smtClean="0"/>
+              <a:rPr lang="en-US"/>
               <a:t>Murach's JavaScript and jQuery (3rd Ed.)</a:t>
             </a:r>
             <a:endParaRPr lang="en-US" dirty="0"/>
@@ -5687,39 +5564,38 @@
               <a:defRPr/>
             </a:pPr>
             <a:r>
-              <a:rPr lang="en-US" smtClean="0"/>
+              <a:rPr lang="en-US"/>
               <a:t>© 2017, Mike Murach &amp; Associates, Inc.</a:t>
             </a:r>
+          </a:p>
+        </p:txBody>
+      </p:sp>
+      <p:sp>
+        <p:nvSpPr>
+          <p:cNvPr id="9" name="Slide Number Placeholder 8"/>
+          <p:cNvSpPr>
+            <a:spLocks noGrp="1"/>
+          </p:cNvSpPr>
+          <p:nvPr>
+            <p:ph type="sldNum" sz="quarter" idx="12"/>
+          </p:nvPr>
+        </p:nvSpPr>
+        <p:spPr/>
+        <p:txBody>
+          <a:bodyPr/>
+          <a:lstStyle/>
+          <a:p>
+            <a:pPr>
+              <a:defRPr/>
+            </a:pPr>
             <a:endParaRPr lang="en-US"/>
           </a:p>
-        </p:txBody>
-      </p:sp>
-      <p:sp>
-        <p:nvSpPr>
-          <p:cNvPr id="9" name="Slide Number Placeholder 8"/>
-          <p:cNvSpPr>
-            <a:spLocks noGrp="1"/>
-          </p:cNvSpPr>
-          <p:nvPr>
-            <p:ph type="sldNum" sz="quarter" idx="12"/>
-          </p:nvPr>
-        </p:nvSpPr>
-        <p:spPr/>
-        <p:txBody>
-          <a:bodyPr/>
-          <a:lstStyle/>
-          <a:p>
-            <a:pPr>
-              <a:defRPr/>
-            </a:pPr>
-            <a:endParaRPr lang="en-US" smtClean="0"/>
-          </a:p>
           <a:p>
             <a:pPr algn="r">
               <a:defRPr/>
             </a:pPr>
             <a:r>
-              <a:rPr lang="en-US" sz="900" smtClean="0">
+              <a:rPr lang="en-US" sz="900">
                 <a:solidFill>
                   <a:schemeClr val="bg1"/>
                 </a:solidFill>
@@ -5758,13 +5634,6 @@
   <p:clrMapOvr>
     <a:masterClrMapping/>
   </p:clrMapOvr>
-  <p:timing>
-    <p:tnLst>
-      <p:par>
-        <p:cTn id="1" dur="indefinite" restart="never" nodeType="tmRoot"/>
-      </p:par>
-    </p:tnLst>
-  </p:timing>
 </p:sld>
 </file>
 
@@ -5801,10 +5670,9 @@
           <a:lstStyle/>
           <a:p>
             <a:r>
-              <a:rPr lang="en-US" dirty="0" smtClean="0"/>
+              <a:rPr lang="en-US" dirty="0"/>
               <a:t>The CSS for the FAQs application</a:t>
             </a:r>
-            <a:endParaRPr lang="en-US" dirty="0"/>
           </a:p>
         </p:txBody>
       </p:sp>
@@ -5830,7 +5698,7 @@
           <a:graphicData uri="http://schemas.openxmlformats.org/presentationml/2006/ole">
             <mc:AlternateContent xmlns:mc="http://schemas.openxmlformats.org/markup-compatibility/2006">
               <mc:Choice xmlns:v="urn:schemas-microsoft-com:vml" Requires="v">
-                <p:oleObj spid="_x0000_s24609" name="Document" r:id="rId3" imgW="7313400" imgH="3054922" progId="Word.Document.12">
+                <p:oleObj spid="_x0000_s24613" name="Document" r:id="rId3" imgW="7313400" imgH="3054922" progId="Word.Document.12">
                   <p:embed/>
                 </p:oleObj>
               </mc:Choice>
@@ -5884,7 +5752,7 @@
               <a:defRPr/>
             </a:pPr>
             <a:r>
-              <a:rPr lang="en-US" smtClean="0"/>
+              <a:rPr lang="en-US"/>
               <a:t>Murach's JavaScript and jQuery (3rd Ed.)</a:t>
             </a:r>
             <a:endParaRPr lang="en-US" dirty="0"/>
@@ -5910,39 +5778,38 @@
               <a:defRPr/>
             </a:pPr>
             <a:r>
-              <a:rPr lang="en-US" smtClean="0"/>
+              <a:rPr lang="en-US"/>
               <a:t>© 2017, Mike Murach &amp; Associates, Inc.</a:t>
             </a:r>
+          </a:p>
+        </p:txBody>
+      </p:sp>
+      <p:sp>
+        <p:nvSpPr>
+          <p:cNvPr id="9" name="Slide Number Placeholder 8"/>
+          <p:cNvSpPr>
+            <a:spLocks noGrp="1"/>
+          </p:cNvSpPr>
+          <p:nvPr>
+            <p:ph type="sldNum" sz="quarter" idx="12"/>
+          </p:nvPr>
+        </p:nvSpPr>
+        <p:spPr/>
+        <p:txBody>
+          <a:bodyPr/>
+          <a:lstStyle/>
+          <a:p>
+            <a:pPr>
+              <a:defRPr/>
+            </a:pPr>
             <a:endParaRPr lang="en-US"/>
           </a:p>
-        </p:txBody>
-      </p:sp>
-      <p:sp>
-        <p:nvSpPr>
-          <p:cNvPr id="9" name="Slide Number Placeholder 8"/>
-          <p:cNvSpPr>
-            <a:spLocks noGrp="1"/>
-          </p:cNvSpPr>
-          <p:nvPr>
-            <p:ph type="sldNum" sz="quarter" idx="12"/>
-          </p:nvPr>
-        </p:nvSpPr>
-        <p:spPr/>
-        <p:txBody>
-          <a:bodyPr/>
-          <a:lstStyle/>
-          <a:p>
-            <a:pPr>
-              <a:defRPr/>
-            </a:pPr>
-            <a:endParaRPr lang="en-US" smtClean="0"/>
-          </a:p>
           <a:p>
             <a:pPr algn="r">
               <a:defRPr/>
             </a:pPr>
             <a:r>
-              <a:rPr lang="en-US" sz="900" smtClean="0">
+              <a:rPr lang="en-US" sz="900">
                 <a:solidFill>
                   <a:schemeClr val="bg1"/>
                 </a:solidFill>
@@ -5981,13 +5848,6 @@
   <p:clrMapOvr>
     <a:masterClrMapping/>
   </p:clrMapOvr>
-  <p:timing>
-    <p:tnLst>
-      <p:par>
-        <p:cTn id="1" dur="indefinite" restart="never" nodeType="tmRoot"/>
-      </p:par>
-    </p:tnLst>
-  </p:timing>
 </p:sld>
 </file>
 
@@ -6024,10 +5884,9 @@
           <a:lstStyle/>
           <a:p>
             <a:r>
-              <a:rPr lang="en-US" dirty="0" smtClean="0"/>
+              <a:rPr lang="en-US" dirty="0"/>
               <a:t>The JavaScript for the FAQs application</a:t>
             </a:r>
-            <a:endParaRPr lang="en-US" dirty="0"/>
           </a:p>
         </p:txBody>
       </p:sp>
@@ -6053,7 +5912,7 @@
           <a:graphicData uri="http://schemas.openxmlformats.org/presentationml/2006/ole">
             <mc:AlternateContent xmlns:mc="http://schemas.openxmlformats.org/markup-compatibility/2006">
               <mc:Choice xmlns:v="urn:schemas-microsoft-com:vml" Requires="v">
-                <p:oleObj spid="_x0000_s25633" name="Document" r:id="rId3" imgW="7541944" imgH="4821459" progId="Word.Document.12">
+                <p:oleObj spid="_x0000_s25637" name="Document" r:id="rId3" imgW="7541944" imgH="4821459" progId="Word.Document.12">
                   <p:embed/>
                 </p:oleObj>
               </mc:Choice>
@@ -6107,7 +5966,7 @@
               <a:defRPr/>
             </a:pPr>
             <a:r>
-              <a:rPr lang="en-US" smtClean="0"/>
+              <a:rPr lang="en-US"/>
               <a:t>Murach's JavaScript and jQuery (3rd Ed.)</a:t>
             </a:r>
             <a:endParaRPr lang="en-US" dirty="0"/>
@@ -6133,39 +5992,38 @@
               <a:defRPr/>
             </a:pPr>
             <a:r>
-              <a:rPr lang="en-US" smtClean="0"/>
+              <a:rPr lang="en-US"/>
               <a:t>© 2017, Mike Murach &amp; Associates, Inc.</a:t>
             </a:r>
+          </a:p>
+        </p:txBody>
+      </p:sp>
+      <p:sp>
+        <p:nvSpPr>
+          <p:cNvPr id="9" name="Slide Number Placeholder 8"/>
+          <p:cNvSpPr>
+            <a:spLocks noGrp="1"/>
+          </p:cNvSpPr>
+          <p:nvPr>
+            <p:ph type="sldNum" sz="quarter" idx="12"/>
+          </p:nvPr>
+        </p:nvSpPr>
+        <p:spPr/>
+        <p:txBody>
+          <a:bodyPr/>
+          <a:lstStyle/>
+          <a:p>
+            <a:pPr>
+              <a:defRPr/>
+            </a:pPr>
             <a:endParaRPr lang="en-US"/>
           </a:p>
-        </p:txBody>
-      </p:sp>
-      <p:sp>
-        <p:nvSpPr>
-          <p:cNvPr id="9" name="Slide Number Placeholder 8"/>
-          <p:cNvSpPr>
-            <a:spLocks noGrp="1"/>
-          </p:cNvSpPr>
-          <p:nvPr>
-            <p:ph type="sldNum" sz="quarter" idx="12"/>
-          </p:nvPr>
-        </p:nvSpPr>
-        <p:spPr/>
-        <p:txBody>
-          <a:bodyPr/>
-          <a:lstStyle/>
-          <a:p>
-            <a:pPr>
-              <a:defRPr/>
-            </a:pPr>
-            <a:endParaRPr lang="en-US" smtClean="0"/>
-          </a:p>
           <a:p>
             <a:pPr algn="r">
               <a:defRPr/>
             </a:pPr>
             <a:r>
-              <a:rPr lang="en-US" sz="900" smtClean="0">
+              <a:rPr lang="en-US" sz="900">
                 <a:solidFill>
                   <a:schemeClr val="bg1"/>
                 </a:solidFill>
@@ -6204,13 +6062,6 @@
   <p:clrMapOvr>
     <a:masterClrMapping/>
   </p:clrMapOvr>
-  <p:timing>
-    <p:tnLst>
-      <p:par>
-        <p:cTn id="1" dur="indefinite" restart="never" nodeType="tmRoot"/>
-      </p:par>
-    </p:tnLst>
-  </p:timing>
 </p:sld>
 </file>
 
@@ -6253,13 +6104,8 @@
           <a:p>
             <a:r>
               <a:rPr lang="en-US" dirty="0"/>
-              <a:t>The JavaScript for the FAQs application (</a:t>
-            </a:r>
-            <a:r>
-              <a:rPr lang="en-US" dirty="0" smtClean="0"/>
-              <a:t>cont.)</a:t>
-            </a:r>
-            <a:endParaRPr lang="en-US" dirty="0"/>
+              <a:t>The JavaScript for the FAQs application (cont.)</a:t>
+            </a:r>
           </a:p>
         </p:txBody>
       </p:sp>
@@ -6285,7 +6131,7 @@
           <a:graphicData uri="http://schemas.openxmlformats.org/presentationml/2006/ole">
             <mc:AlternateContent xmlns:mc="http://schemas.openxmlformats.org/markup-compatibility/2006">
               <mc:Choice xmlns:v="urn:schemas-microsoft-com:vml" Requires="v">
-                <p:oleObj spid="_x0000_s26658" name="Document" r:id="rId3" imgW="7313400" imgH="2765296" progId="Word.Document.12">
+                <p:oleObj spid="_x0000_s26662" name="Document" r:id="rId3" imgW="7313400" imgH="2765296" progId="Word.Document.12">
                   <p:embed/>
                 </p:oleObj>
               </mc:Choice>
@@ -6339,7 +6185,7 @@
               <a:defRPr/>
             </a:pPr>
             <a:r>
-              <a:rPr lang="en-US" smtClean="0"/>
+              <a:rPr lang="en-US"/>
               <a:t>Murach's JavaScript and jQuery (3rd Ed.)</a:t>
             </a:r>
             <a:endParaRPr lang="en-US" dirty="0"/>
@@ -6365,39 +6211,38 @@
               <a:defRPr/>
             </a:pPr>
             <a:r>
-              <a:rPr lang="en-US" smtClean="0"/>
+              <a:rPr lang="en-US"/>
               <a:t>© 2017, Mike Murach &amp; Associates, Inc.</a:t>
             </a:r>
+          </a:p>
+        </p:txBody>
+      </p:sp>
+      <p:sp>
+        <p:nvSpPr>
+          <p:cNvPr id="9" name="Slide Number Placeholder 8"/>
+          <p:cNvSpPr>
+            <a:spLocks noGrp="1"/>
+          </p:cNvSpPr>
+          <p:nvPr>
+            <p:ph type="sldNum" sz="quarter" idx="12"/>
+          </p:nvPr>
+        </p:nvSpPr>
+        <p:spPr/>
+        <p:txBody>
+          <a:bodyPr/>
+          <a:lstStyle/>
+          <a:p>
+            <a:pPr>
+              <a:defRPr/>
+            </a:pPr>
             <a:endParaRPr lang="en-US"/>
           </a:p>
-        </p:txBody>
-      </p:sp>
-      <p:sp>
-        <p:nvSpPr>
-          <p:cNvPr id="9" name="Slide Number Placeholder 8"/>
-          <p:cNvSpPr>
-            <a:spLocks noGrp="1"/>
-          </p:cNvSpPr>
-          <p:nvPr>
-            <p:ph type="sldNum" sz="quarter" idx="12"/>
-          </p:nvPr>
-        </p:nvSpPr>
-        <p:spPr/>
-        <p:txBody>
-          <a:bodyPr/>
-          <a:lstStyle/>
-          <a:p>
-            <a:pPr>
-              <a:defRPr/>
-            </a:pPr>
-            <a:endParaRPr lang="en-US" smtClean="0"/>
-          </a:p>
           <a:p>
             <a:pPr algn="r">
               <a:defRPr/>
             </a:pPr>
             <a:r>
-              <a:rPr lang="en-US" sz="900" smtClean="0">
+              <a:rPr lang="en-US" sz="900">
                 <a:solidFill>
                   <a:schemeClr val="bg1"/>
                 </a:solidFill>
@@ -6436,13 +6281,6 @@
   <p:clrMapOvr>
     <a:masterClrMapping/>
   </p:clrMapOvr>
-  <p:timing>
-    <p:tnLst>
-      <p:par>
-        <p:cTn id="1" dur="indefinite" restart="never" nodeType="tmRoot"/>
-      </p:par>
-    </p:tnLst>
-  </p:timing>
 </p:sld>
 </file>
 
@@ -6479,41 +6317,40 @@
           <a:lstStyle/>
           <a:p>
             <a:r>
-              <a:rPr lang="en-US" dirty="0" smtClean="0"/>
+              <a:rPr lang="en-US" dirty="0"/>
               <a:t>A form in a web browser</a:t>
             </a:r>
+          </a:p>
+        </p:txBody>
+      </p:sp>
+      <p:sp>
+        <p:nvSpPr>
+          <p:cNvPr id="6" name="Date Placeholder 5"/>
+          <p:cNvSpPr>
+            <a:spLocks noGrp="1"/>
+          </p:cNvSpPr>
+          <p:nvPr>
+            <p:ph type="dt" sz="half" idx="10"/>
+          </p:nvPr>
+        </p:nvSpPr>
+        <p:spPr/>
+        <p:txBody>
+          <a:bodyPr/>
+          <a:lstStyle/>
+          <a:p>
+            <a:pPr>
+              <a:defRPr/>
+            </a:pPr>
+            <a:r>
+              <a:rPr lang="en-US"/>
+              <a:t>Murach's JavaScript and jQuery (3rd Ed.)</a:t>
+            </a:r>
             <a:endParaRPr lang="en-US" dirty="0"/>
           </a:p>
         </p:txBody>
       </p:sp>
       <p:sp>
         <p:nvSpPr>
-          <p:cNvPr id="6" name="Date Placeholder 5"/>
-          <p:cNvSpPr>
-            <a:spLocks noGrp="1"/>
-          </p:cNvSpPr>
-          <p:nvPr>
-            <p:ph type="dt" sz="half" idx="10"/>
-          </p:nvPr>
-        </p:nvSpPr>
-        <p:spPr/>
-        <p:txBody>
-          <a:bodyPr/>
-          <a:lstStyle/>
-          <a:p>
-            <a:pPr>
-              <a:defRPr/>
-            </a:pPr>
-            <a:r>
-              <a:rPr lang="en-US" smtClean="0"/>
-              <a:t>Murach's JavaScript and jQuery (3rd Ed.)</a:t>
-            </a:r>
-            <a:endParaRPr lang="en-US" dirty="0"/>
-          </a:p>
-        </p:txBody>
-      </p:sp>
-      <p:sp>
-        <p:nvSpPr>
           <p:cNvPr id="7" name="Footer Placeholder 6"/>
           <p:cNvSpPr>
             <a:spLocks noGrp="1"/>
@@ -6531,39 +6368,38 @@
               <a:defRPr/>
             </a:pPr>
             <a:r>
-              <a:rPr lang="en-US" smtClean="0"/>
+              <a:rPr lang="en-US"/>
               <a:t>© 2017, Mike Murach &amp; Associates, Inc.</a:t>
             </a:r>
+          </a:p>
+        </p:txBody>
+      </p:sp>
+      <p:sp>
+        <p:nvSpPr>
+          <p:cNvPr id="9" name="Slide Number Placeholder 8"/>
+          <p:cNvSpPr>
+            <a:spLocks noGrp="1"/>
+          </p:cNvSpPr>
+          <p:nvPr>
+            <p:ph type="sldNum" sz="quarter" idx="12"/>
+          </p:nvPr>
+        </p:nvSpPr>
+        <p:spPr/>
+        <p:txBody>
+          <a:bodyPr/>
+          <a:lstStyle/>
+          <a:p>
+            <a:pPr>
+              <a:defRPr/>
+            </a:pPr>
             <a:endParaRPr lang="en-US"/>
           </a:p>
-        </p:txBody>
-      </p:sp>
-      <p:sp>
-        <p:nvSpPr>
-          <p:cNvPr id="9" name="Slide Number Placeholder 8"/>
-          <p:cNvSpPr>
-            <a:spLocks noGrp="1"/>
-          </p:cNvSpPr>
-          <p:nvPr>
-            <p:ph type="sldNum" sz="quarter" idx="12"/>
-          </p:nvPr>
-        </p:nvSpPr>
-        <p:spPr/>
-        <p:txBody>
-          <a:bodyPr/>
-          <a:lstStyle/>
-          <a:p>
-            <a:pPr>
-              <a:defRPr/>
-            </a:pPr>
-            <a:endParaRPr lang="en-US" smtClean="0"/>
-          </a:p>
           <a:p>
             <a:pPr algn="r">
               <a:defRPr/>
             </a:pPr>
             <a:r>
-              <a:rPr lang="en-US" sz="900" smtClean="0">
+              <a:rPr lang="en-US" sz="900">
                 <a:solidFill>
                   <a:schemeClr val="bg1"/>
                 </a:solidFill>
@@ -6630,13 +6466,6 @@
   <p:clrMapOvr>
     <a:masterClrMapping/>
   </p:clrMapOvr>
-  <p:timing>
-    <p:tnLst>
-      <p:par>
-        <p:cTn id="1" dur="indefinite" restart="never" nodeType="tmRoot"/>
-      </p:par>
-    </p:tnLst>
-  </p:timing>
 </p:sld>
 </file>
 
@@ -6673,10 +6502,9 @@
           <a:lstStyle/>
           <a:p>
             <a:r>
-              <a:rPr lang="en-US" dirty="0" smtClean="0"/>
+              <a:rPr lang="en-US" dirty="0"/>
               <a:t>The HTML for the form</a:t>
             </a:r>
-            <a:endParaRPr lang="en-US" dirty="0"/>
           </a:p>
         </p:txBody>
       </p:sp>
@@ -6702,7 +6530,7 @@
           <a:graphicData uri="http://schemas.openxmlformats.org/presentationml/2006/ole">
             <mc:AlternateContent xmlns:mc="http://schemas.openxmlformats.org/markup-compatibility/2006">
               <mc:Choice xmlns:v="urn:schemas-microsoft-com:vml" Requires="v">
-                <p:oleObj spid="_x0000_s55315" name="Document" r:id="rId3" imgW="7313400" imgH="2997357" progId="Word.Document.12">
+                <p:oleObj spid="_x0000_s55319" name="Document" r:id="rId3" imgW="7313400" imgH="2997357" progId="Word.Document.12">
                   <p:embed/>
                 </p:oleObj>
               </mc:Choice>
@@ -6756,7 +6584,7 @@
               <a:defRPr/>
             </a:pPr>
             <a:r>
-              <a:rPr lang="en-US" smtClean="0"/>
+              <a:rPr lang="en-US"/>
               <a:t>Murach's JavaScript and jQuery (3rd Ed.)</a:t>
             </a:r>
             <a:endParaRPr lang="en-US" dirty="0"/>
@@ -6782,39 +6610,38 @@
               <a:defRPr/>
             </a:pPr>
             <a:r>
-              <a:rPr lang="en-US" smtClean="0"/>
+              <a:rPr lang="en-US"/>
               <a:t>© 2017, Mike Murach &amp; Associates, Inc.</a:t>
             </a:r>
+          </a:p>
+        </p:txBody>
+      </p:sp>
+      <p:sp>
+        <p:nvSpPr>
+          <p:cNvPr id="9" name="Slide Number Placeholder 8"/>
+          <p:cNvSpPr>
+            <a:spLocks noGrp="1"/>
+          </p:cNvSpPr>
+          <p:nvPr>
+            <p:ph type="sldNum" sz="quarter" idx="12"/>
+          </p:nvPr>
+        </p:nvSpPr>
+        <p:spPr/>
+        <p:txBody>
+          <a:bodyPr/>
+          <a:lstStyle/>
+          <a:p>
+            <a:pPr>
+              <a:defRPr/>
+            </a:pPr>
             <a:endParaRPr lang="en-US"/>
           </a:p>
-        </p:txBody>
-      </p:sp>
-      <p:sp>
-        <p:nvSpPr>
-          <p:cNvPr id="9" name="Slide Number Placeholder 8"/>
-          <p:cNvSpPr>
-            <a:spLocks noGrp="1"/>
-          </p:cNvSpPr>
-          <p:nvPr>
-            <p:ph type="sldNum" sz="quarter" idx="12"/>
-          </p:nvPr>
-        </p:nvSpPr>
-        <p:spPr/>
-        <p:txBody>
-          <a:bodyPr/>
-          <a:lstStyle/>
-          <a:p>
-            <a:pPr>
-              <a:defRPr/>
-            </a:pPr>
-            <a:endParaRPr lang="en-US" smtClean="0"/>
-          </a:p>
           <a:p>
             <a:pPr algn="r">
               <a:defRPr/>
             </a:pPr>
             <a:r>
-              <a:rPr lang="en-US" sz="900" smtClean="0">
+              <a:rPr lang="en-US" sz="900">
                 <a:solidFill>
                   <a:schemeClr val="bg1"/>
                 </a:solidFill>
@@ -6853,13 +6680,6 @@
   <p:clrMapOvr>
     <a:masterClrMapping/>
   </p:clrMapOvr>
-  <p:timing>
-    <p:tnLst>
-      <p:par>
-        <p:cTn id="1" dur="indefinite" restart="never" nodeType="tmRoot"/>
-      </p:par>
-    </p:tnLst>
-  </p:timing>
 </p:sld>
 </file>
 
@@ -6896,10 +6716,9 @@
           <a:lstStyle/>
           <a:p>
             <a:r>
-              <a:rPr lang="en-US" dirty="0" smtClean="0"/>
+              <a:rPr lang="en-US" dirty="0"/>
               <a:t>The URL that’s sent when the form is submitted with the get method</a:t>
             </a:r>
-            <a:endParaRPr lang="en-US" dirty="0"/>
           </a:p>
         </p:txBody>
       </p:sp>
@@ -6925,7 +6744,7 @@
           <a:graphicData uri="http://schemas.openxmlformats.org/presentationml/2006/ole">
             <mc:AlternateContent xmlns:mc="http://schemas.openxmlformats.org/markup-compatibility/2006">
               <mc:Choice xmlns:v="urn:schemas-microsoft-com:vml" Requires="v">
-                <p:oleObj spid="_x0000_s56339" name="Document" r:id="rId3" imgW="7301323" imgH="3000789" progId="Word.Document.12">
+                <p:oleObj spid="_x0000_s56343" name="Document" r:id="rId3" imgW="7301323" imgH="3000789" progId="Word.Document.12">
                   <p:embed/>
                 </p:oleObj>
               </mc:Choice>
@@ -6979,7 +6798,7 @@
               <a:defRPr/>
             </a:pPr>
             <a:r>
-              <a:rPr lang="en-US" smtClean="0"/>
+              <a:rPr lang="en-US"/>
               <a:t>Murach's JavaScript and jQuery (3rd Ed.)</a:t>
             </a:r>
             <a:endParaRPr lang="en-US" dirty="0"/>
@@ -7005,39 +6824,38 @@
               <a:defRPr/>
             </a:pPr>
             <a:r>
-              <a:rPr lang="en-US" smtClean="0"/>
+              <a:rPr lang="en-US"/>
               <a:t>© 2017, Mike Murach &amp; Associates, Inc.</a:t>
             </a:r>
+          </a:p>
+        </p:txBody>
+      </p:sp>
+      <p:sp>
+        <p:nvSpPr>
+          <p:cNvPr id="9" name="Slide Number Placeholder 8"/>
+          <p:cNvSpPr>
+            <a:spLocks noGrp="1"/>
+          </p:cNvSpPr>
+          <p:nvPr>
+            <p:ph type="sldNum" sz="quarter" idx="12"/>
+          </p:nvPr>
+        </p:nvSpPr>
+        <p:spPr/>
+        <p:txBody>
+          <a:bodyPr/>
+          <a:lstStyle/>
+          <a:p>
+            <a:pPr>
+              <a:defRPr/>
+            </a:pPr>
             <a:endParaRPr lang="en-US"/>
           </a:p>
-        </p:txBody>
-      </p:sp>
-      <p:sp>
-        <p:nvSpPr>
-          <p:cNvPr id="9" name="Slide Number Placeholder 8"/>
-          <p:cNvSpPr>
-            <a:spLocks noGrp="1"/>
-          </p:cNvSpPr>
-          <p:nvPr>
-            <p:ph type="sldNum" sz="quarter" idx="12"/>
-          </p:nvPr>
-        </p:nvSpPr>
-        <p:spPr/>
-        <p:txBody>
-          <a:bodyPr/>
-          <a:lstStyle/>
-          <a:p>
-            <a:pPr>
-              <a:defRPr/>
-            </a:pPr>
-            <a:endParaRPr lang="en-US" smtClean="0"/>
-          </a:p>
           <a:p>
             <a:pPr algn="r">
               <a:defRPr/>
             </a:pPr>
             <a:r>
-              <a:rPr lang="en-US" sz="900" smtClean="0">
+              <a:rPr lang="en-US" sz="900">
                 <a:solidFill>
                   <a:schemeClr val="bg1"/>
                 </a:solidFill>
@@ -7076,13 +6894,6 @@
   <p:clrMapOvr>
     <a:masterClrMapping/>
   </p:clrMapOvr>
-  <p:timing>
-    <p:tnLst>
-      <p:par>
-        <p:cTn id="1" dur="indefinite" restart="never" nodeType="tmRoot"/>
-      </p:par>
-    </p:tnLst>
-  </p:timing>
 </p:sld>
 </file>
 
@@ -7119,10 +6930,9 @@
           <a:lstStyle/>
           <a:p>
             <a:r>
-              <a:rPr lang="en-US" dirty="0" smtClean="0"/>
+              <a:rPr lang="en-US" dirty="0"/>
               <a:t>Attributes of the form element</a:t>
             </a:r>
-            <a:endParaRPr lang="en-US" dirty="0"/>
           </a:p>
         </p:txBody>
       </p:sp>
@@ -7148,7 +6958,7 @@
           <a:graphicData uri="http://schemas.openxmlformats.org/presentationml/2006/ole">
             <mc:AlternateContent xmlns:mc="http://schemas.openxmlformats.org/markup-compatibility/2006">
               <mc:Choice xmlns:v="urn:schemas-microsoft-com:vml" Requires="v">
-                <p:oleObj spid="_x0000_s57364" name="Document" r:id="rId3" imgW="7313400" imgH="2998436" progId="Word.Document.12">
+                <p:oleObj spid="_x0000_s57368" name="Document" r:id="rId3" imgW="7313400" imgH="2998436" progId="Word.Document.12">
                   <p:embed/>
                 </p:oleObj>
               </mc:Choice>
@@ -7202,7 +7012,7 @@
               <a:defRPr/>
             </a:pPr>
             <a:r>
-              <a:rPr lang="en-US" smtClean="0"/>
+              <a:rPr lang="en-US"/>
               <a:t>Murach's JavaScript and jQuery (3rd Ed.)</a:t>
             </a:r>
             <a:endParaRPr lang="en-US" dirty="0"/>
@@ -7228,39 +7038,38 @@
               <a:defRPr/>
             </a:pPr>
             <a:r>
-              <a:rPr lang="en-US" smtClean="0"/>
+              <a:rPr lang="en-US"/>
               <a:t>© 2017, Mike Murach &amp; Associates, Inc.</a:t>
             </a:r>
+          </a:p>
+        </p:txBody>
+      </p:sp>
+      <p:sp>
+        <p:nvSpPr>
+          <p:cNvPr id="9" name="Slide Number Placeholder 8"/>
+          <p:cNvSpPr>
+            <a:spLocks noGrp="1"/>
+          </p:cNvSpPr>
+          <p:nvPr>
+            <p:ph type="sldNum" sz="quarter" idx="12"/>
+          </p:nvPr>
+        </p:nvSpPr>
+        <p:spPr/>
+        <p:txBody>
+          <a:bodyPr/>
+          <a:lstStyle/>
+          <a:p>
+            <a:pPr>
+              <a:defRPr/>
+            </a:pPr>
             <a:endParaRPr lang="en-US"/>
           </a:p>
-        </p:txBody>
-      </p:sp>
-      <p:sp>
-        <p:nvSpPr>
-          <p:cNvPr id="9" name="Slide Number Placeholder 8"/>
-          <p:cNvSpPr>
-            <a:spLocks noGrp="1"/>
-          </p:cNvSpPr>
-          <p:nvPr>
-            <p:ph type="sldNum" sz="quarter" idx="12"/>
-          </p:nvPr>
-        </p:nvSpPr>
-        <p:spPr/>
-        <p:txBody>
-          <a:bodyPr/>
-          <a:lstStyle/>
-          <a:p>
-            <a:pPr>
-              <a:defRPr/>
-            </a:pPr>
-            <a:endParaRPr lang="en-US" smtClean="0"/>
-          </a:p>
           <a:p>
             <a:pPr algn="r">
               <a:defRPr/>
             </a:pPr>
             <a:r>
-              <a:rPr lang="en-US" sz="900" smtClean="0">
+              <a:rPr lang="en-US" sz="900">
                 <a:solidFill>
                   <a:schemeClr val="bg1"/>
                 </a:solidFill>
@@ -7299,13 +7108,6 @@
   <p:clrMapOvr>
     <a:masterClrMapping/>
   </p:clrMapOvr>
-  <p:timing>
-    <p:tnLst>
-      <p:par>
-        <p:cTn id="1" dur="indefinite" restart="never" nodeType="tmRoot"/>
-      </p:par>
-    </p:tnLst>
-  </p:timing>
 </p:sld>
 </file>
 
@@ -7342,10 +7144,9 @@
           <a:lstStyle/>
           <a:p>
             <a:r>
-              <a:rPr lang="en-US" dirty="0" smtClean="0"/>
+              <a:rPr lang="en-US" dirty="0"/>
               <a:t>Terms</a:t>
             </a:r>
-            <a:endParaRPr lang="en-US" dirty="0"/>
           </a:p>
         </p:txBody>
       </p:sp>
@@ -7371,7 +7172,7 @@
           <a:graphicData uri="http://schemas.openxmlformats.org/presentationml/2006/ole">
             <mc:AlternateContent xmlns:mc="http://schemas.openxmlformats.org/markup-compatibility/2006">
               <mc:Choice xmlns:v="urn:schemas-microsoft-com:vml" Requires="v">
-                <p:oleObj spid="_x0000_s58387" name="Document" r:id="rId3" imgW="7301323" imgH="3000789" progId="Word.Document.12">
+                <p:oleObj spid="_x0000_s58391" name="Document" r:id="rId3" imgW="7301323" imgH="3000789" progId="Word.Document.12">
                   <p:embed/>
                 </p:oleObj>
               </mc:Choice>
@@ -7425,7 +7226,7 @@
               <a:defRPr/>
             </a:pPr>
             <a:r>
-              <a:rPr lang="en-US" smtClean="0"/>
+              <a:rPr lang="en-US"/>
               <a:t>Murach's JavaScript and jQuery (3rd Ed.)</a:t>
             </a:r>
             <a:endParaRPr lang="en-US" dirty="0"/>
@@ -7451,39 +7252,38 @@
               <a:defRPr/>
             </a:pPr>
             <a:r>
-              <a:rPr lang="en-US" smtClean="0"/>
+              <a:rPr lang="en-US"/>
               <a:t>© 2017, Mike Murach &amp; Associates, Inc.</a:t>
             </a:r>
+          </a:p>
+        </p:txBody>
+      </p:sp>
+      <p:sp>
+        <p:nvSpPr>
+          <p:cNvPr id="9" name="Slide Number Placeholder 8"/>
+          <p:cNvSpPr>
+            <a:spLocks noGrp="1"/>
+          </p:cNvSpPr>
+          <p:nvPr>
+            <p:ph type="sldNum" sz="quarter" idx="12"/>
+          </p:nvPr>
+        </p:nvSpPr>
+        <p:spPr/>
+        <p:txBody>
+          <a:bodyPr/>
+          <a:lstStyle/>
+          <a:p>
+            <a:pPr>
+              <a:defRPr/>
+            </a:pPr>
             <a:endParaRPr lang="en-US"/>
           </a:p>
-        </p:txBody>
-      </p:sp>
-      <p:sp>
-        <p:nvSpPr>
-          <p:cNvPr id="9" name="Slide Number Placeholder 8"/>
-          <p:cNvSpPr>
-            <a:spLocks noGrp="1"/>
-          </p:cNvSpPr>
-          <p:nvPr>
-            <p:ph type="sldNum" sz="quarter" idx="12"/>
-          </p:nvPr>
-        </p:nvSpPr>
-        <p:spPr/>
-        <p:txBody>
-          <a:bodyPr/>
-          <a:lstStyle/>
-          <a:p>
-            <a:pPr>
-              <a:defRPr/>
-            </a:pPr>
-            <a:endParaRPr lang="en-US" smtClean="0"/>
-          </a:p>
           <a:p>
             <a:pPr algn="r">
               <a:defRPr/>
             </a:pPr>
             <a:r>
-              <a:rPr lang="en-US" sz="900" smtClean="0">
+              <a:rPr lang="en-US" sz="900">
                 <a:solidFill>
                   <a:schemeClr val="bg1"/>
                 </a:solidFill>
@@ -7522,13 +7322,6 @@
   <p:clrMapOvr>
     <a:masterClrMapping/>
   </p:clrMapOvr>
-  <p:timing>
-    <p:tnLst>
-      <p:par>
-        <p:cTn id="1" dur="indefinite" restart="never" nodeType="tmRoot"/>
-      </p:par>
-    </p:tnLst>
-  </p:timing>
 </p:sld>
 </file>
 
@@ -7565,10 +7358,9 @@
           <a:lstStyle/>
           <a:p>
             <a:r>
-              <a:rPr lang="en-US" dirty="0" smtClean="0"/>
+              <a:rPr lang="en-US" dirty="0"/>
               <a:t>Objectives (continued)</a:t>
             </a:r>
-            <a:endParaRPr lang="en-US" dirty="0"/>
           </a:p>
         </p:txBody>
       </p:sp>
@@ -7594,7 +7386,7 @@
           <a:graphicData uri="http://schemas.openxmlformats.org/presentationml/2006/ole">
             <mc:AlternateContent xmlns:mc="http://schemas.openxmlformats.org/markup-compatibility/2006">
               <mc:Choice xmlns:v="urn:schemas-microsoft-com:vml" Requires="v">
-                <p:oleObj spid="_x0000_s3104" name="Document" r:id="rId3" imgW="7313400" imgH="4564574" progId="Word.Document.12">
+                <p:oleObj spid="_x0000_s3108" name="Document" r:id="rId3" imgW="7313400" imgH="4564574" progId="Word.Document.12">
                   <p:embed/>
                 </p:oleObj>
               </mc:Choice>
@@ -7648,7 +7440,7 @@
               <a:defRPr/>
             </a:pPr>
             <a:r>
-              <a:rPr lang="en-US" smtClean="0"/>
+              <a:rPr lang="en-US"/>
               <a:t>Murach's JavaScript and jQuery (3rd Ed.)</a:t>
             </a:r>
             <a:endParaRPr lang="en-US" dirty="0"/>
@@ -7674,39 +7466,38 @@
               <a:defRPr/>
             </a:pPr>
             <a:r>
-              <a:rPr lang="en-US" smtClean="0"/>
+              <a:rPr lang="en-US"/>
               <a:t>© 2017, Mike Murach &amp; Associates, Inc.</a:t>
             </a:r>
+          </a:p>
+        </p:txBody>
+      </p:sp>
+      <p:sp>
+        <p:nvSpPr>
+          <p:cNvPr id="9" name="Slide Number Placeholder 8"/>
+          <p:cNvSpPr>
+            <a:spLocks noGrp="1"/>
+          </p:cNvSpPr>
+          <p:nvPr>
+            <p:ph type="sldNum" sz="quarter" idx="12"/>
+          </p:nvPr>
+        </p:nvSpPr>
+        <p:spPr/>
+        <p:txBody>
+          <a:bodyPr/>
+          <a:lstStyle/>
+          <a:p>
+            <a:pPr>
+              <a:defRPr/>
+            </a:pPr>
             <a:endParaRPr lang="en-US"/>
           </a:p>
-        </p:txBody>
-      </p:sp>
-      <p:sp>
-        <p:nvSpPr>
-          <p:cNvPr id="9" name="Slide Number Placeholder 8"/>
-          <p:cNvSpPr>
-            <a:spLocks noGrp="1"/>
-          </p:cNvSpPr>
-          <p:nvPr>
-            <p:ph type="sldNum" sz="quarter" idx="12"/>
-          </p:nvPr>
-        </p:nvSpPr>
-        <p:spPr/>
-        <p:txBody>
-          <a:bodyPr/>
-          <a:lstStyle/>
-          <a:p>
-            <a:pPr>
-              <a:defRPr/>
-            </a:pPr>
-            <a:endParaRPr lang="en-US" smtClean="0"/>
-          </a:p>
           <a:p>
             <a:pPr algn="r">
               <a:defRPr/>
             </a:pPr>
             <a:r>
-              <a:rPr lang="en-US" sz="900" smtClean="0">
+              <a:rPr lang="en-US" sz="900">
                 <a:solidFill>
                   <a:schemeClr val="bg1"/>
                 </a:solidFill>
@@ -7745,13 +7536,6 @@
   <p:clrMapOvr>
     <a:masterClrMapping/>
   </p:clrMapOvr>
-  <p:timing>
-    <p:tnLst>
-      <p:par>
-        <p:cTn id="1" dur="indefinite" restart="never" nodeType="tmRoot"/>
-      </p:par>
-    </p:tnLst>
-  </p:timing>
 </p:sld>
 </file>
 
@@ -7788,18 +7572,17 @@
           <a:lstStyle/>
           <a:p>
             <a:r>
-              <a:rPr lang="en-US" dirty="0" smtClean="0"/>
+              <a:rPr lang="en-US" dirty="0"/>
               <a:t>Property of a Textbox, </a:t>
             </a:r>
             <a:r>
-              <a:rPr lang="en-US" dirty="0" err="1" smtClean="0"/>
+              <a:rPr lang="en-US" dirty="0" err="1"/>
               <a:t>Textarea</a:t>
             </a:r>
             <a:r>
-              <a:rPr lang="en-US" dirty="0" smtClean="0"/>
+              <a:rPr lang="en-US" dirty="0"/>
               <a:t>, or Select object</a:t>
             </a:r>
-            <a:endParaRPr lang="en-US" dirty="0"/>
           </a:p>
         </p:txBody>
       </p:sp>
@@ -7825,7 +7608,7 @@
           <a:graphicData uri="http://schemas.openxmlformats.org/presentationml/2006/ole">
             <mc:AlternateContent xmlns:mc="http://schemas.openxmlformats.org/markup-compatibility/2006">
               <mc:Choice xmlns:v="urn:schemas-microsoft-com:vml" Requires="v">
-                <p:oleObj spid="_x0000_s59411" name="Document" r:id="rId3" imgW="7301323" imgH="3000789" progId="Word.Document.12">
+                <p:oleObj spid="_x0000_s59415" name="Document" r:id="rId3" imgW="7301323" imgH="3000789" progId="Word.Document.12">
                   <p:embed/>
                 </p:oleObj>
               </mc:Choice>
@@ -7879,7 +7662,7 @@
               <a:defRPr/>
             </a:pPr>
             <a:r>
-              <a:rPr lang="en-US" smtClean="0"/>
+              <a:rPr lang="en-US"/>
               <a:t>Murach's JavaScript and jQuery (3rd Ed.)</a:t>
             </a:r>
             <a:endParaRPr lang="en-US" dirty="0"/>
@@ -7905,39 +7688,38 @@
               <a:defRPr/>
             </a:pPr>
             <a:r>
-              <a:rPr lang="en-US" smtClean="0"/>
+              <a:rPr lang="en-US"/>
               <a:t>© 2017, Mike Murach &amp; Associates, Inc.</a:t>
             </a:r>
+          </a:p>
+        </p:txBody>
+      </p:sp>
+      <p:sp>
+        <p:nvSpPr>
+          <p:cNvPr id="9" name="Slide Number Placeholder 8"/>
+          <p:cNvSpPr>
+            <a:spLocks noGrp="1"/>
+          </p:cNvSpPr>
+          <p:nvPr>
+            <p:ph type="sldNum" sz="quarter" idx="12"/>
+          </p:nvPr>
+        </p:nvSpPr>
+        <p:spPr/>
+        <p:txBody>
+          <a:bodyPr/>
+          <a:lstStyle/>
+          <a:p>
+            <a:pPr>
+              <a:defRPr/>
+            </a:pPr>
             <a:endParaRPr lang="en-US"/>
           </a:p>
-        </p:txBody>
-      </p:sp>
-      <p:sp>
-        <p:nvSpPr>
-          <p:cNvPr id="9" name="Slide Number Placeholder 8"/>
-          <p:cNvSpPr>
-            <a:spLocks noGrp="1"/>
-          </p:cNvSpPr>
-          <p:nvPr>
-            <p:ph type="sldNum" sz="quarter" idx="12"/>
-          </p:nvPr>
-        </p:nvSpPr>
-        <p:spPr/>
-        <p:txBody>
-          <a:bodyPr/>
-          <a:lstStyle/>
-          <a:p>
-            <a:pPr>
-              <a:defRPr/>
-            </a:pPr>
-            <a:endParaRPr lang="en-US" smtClean="0"/>
-          </a:p>
           <a:p>
             <a:pPr algn="r">
               <a:defRPr/>
             </a:pPr>
             <a:r>
-              <a:rPr lang="en-US" sz="900" smtClean="0">
+              <a:rPr lang="en-US" sz="900">
                 <a:solidFill>
                   <a:schemeClr val="bg1"/>
                 </a:solidFill>
@@ -7976,13 +7758,6 @@
   <p:clrMapOvr>
     <a:masterClrMapping/>
   </p:clrMapOvr>
-  <p:timing>
-    <p:tnLst>
-      <p:par>
-        <p:cTn id="1" dur="indefinite" restart="never" nodeType="tmRoot"/>
-      </p:par>
-    </p:tnLst>
-  </p:timing>
 </p:sld>
 </file>
 
@@ -8019,10 +7794,9 @@
           <a:lstStyle/>
           <a:p>
             <a:r>
-              <a:rPr lang="en-US" dirty="0" smtClean="0"/>
+              <a:rPr lang="en-US" dirty="0"/>
               <a:t>HTML code for a text box, text area, and select list</a:t>
             </a:r>
-            <a:endParaRPr lang="en-US" dirty="0"/>
           </a:p>
         </p:txBody>
       </p:sp>
@@ -8048,7 +7822,7 @@
           <a:graphicData uri="http://schemas.openxmlformats.org/presentationml/2006/ole">
             <mc:AlternateContent xmlns:mc="http://schemas.openxmlformats.org/markup-compatibility/2006">
               <mc:Choice xmlns:v="urn:schemas-microsoft-com:vml" Requires="v">
-                <p:oleObj spid="_x0000_s60435" name="Document" r:id="rId3" imgW="7313400" imgH="2997357" progId="Word.Document.12">
+                <p:oleObj spid="_x0000_s60439" name="Document" r:id="rId3" imgW="7313400" imgH="2997357" progId="Word.Document.12">
                   <p:embed/>
                 </p:oleObj>
               </mc:Choice>
@@ -8102,7 +7876,7 @@
               <a:defRPr/>
             </a:pPr>
             <a:r>
-              <a:rPr lang="en-US" smtClean="0"/>
+              <a:rPr lang="en-US"/>
               <a:t>Murach's JavaScript and jQuery (3rd Ed.)</a:t>
             </a:r>
             <a:endParaRPr lang="en-US" dirty="0"/>
@@ -8128,39 +7902,38 @@
               <a:defRPr/>
             </a:pPr>
             <a:r>
-              <a:rPr lang="en-US" smtClean="0"/>
+              <a:rPr lang="en-US"/>
               <a:t>© 2017, Mike Murach &amp; Associates, Inc.</a:t>
             </a:r>
+          </a:p>
+        </p:txBody>
+      </p:sp>
+      <p:sp>
+        <p:nvSpPr>
+          <p:cNvPr id="9" name="Slide Number Placeholder 8"/>
+          <p:cNvSpPr>
+            <a:spLocks noGrp="1"/>
+          </p:cNvSpPr>
+          <p:nvPr>
+            <p:ph type="sldNum" sz="quarter" idx="12"/>
+          </p:nvPr>
+        </p:nvSpPr>
+        <p:spPr/>
+        <p:txBody>
+          <a:bodyPr/>
+          <a:lstStyle/>
+          <a:p>
+            <a:pPr>
+              <a:defRPr/>
+            </a:pPr>
             <a:endParaRPr lang="en-US"/>
           </a:p>
-        </p:txBody>
-      </p:sp>
-      <p:sp>
-        <p:nvSpPr>
-          <p:cNvPr id="9" name="Slide Number Placeholder 8"/>
-          <p:cNvSpPr>
-            <a:spLocks noGrp="1"/>
-          </p:cNvSpPr>
-          <p:nvPr>
-            <p:ph type="sldNum" sz="quarter" idx="12"/>
-          </p:nvPr>
-        </p:nvSpPr>
-        <p:spPr/>
-        <p:txBody>
-          <a:bodyPr/>
-          <a:lstStyle/>
-          <a:p>
-            <a:pPr>
-              <a:defRPr/>
-            </a:pPr>
-            <a:endParaRPr lang="en-US" smtClean="0"/>
-          </a:p>
           <a:p>
             <a:pPr algn="r">
               <a:defRPr/>
             </a:pPr>
             <a:r>
-              <a:rPr lang="en-US" sz="900" smtClean="0">
+              <a:rPr lang="en-US" sz="900">
                 <a:solidFill>
                   <a:schemeClr val="bg1"/>
                 </a:solidFill>
@@ -8199,13 +7972,6 @@
   <p:clrMapOvr>
     <a:masterClrMapping/>
   </p:clrMapOvr>
-  <p:timing>
-    <p:tnLst>
-      <p:par>
-        <p:cTn id="1" dur="indefinite" restart="never" nodeType="tmRoot"/>
-      </p:par>
-    </p:tnLst>
-  </p:timing>
 </p:sld>
 </file>
 
@@ -8247,17 +8013,16 @@
           <a:lstStyle/>
           <a:p>
             <a:r>
-              <a:rPr lang="en-US" dirty="0" smtClean="0"/>
+              <a:rPr lang="en-US" dirty="0"/>
               <a:t>JavaScript code to get the text box, text area, </a:t>
             </a:r>
             <a:br>
-              <a:rPr lang="en-US" dirty="0" smtClean="0"/>
+              <a:rPr lang="en-US" dirty="0"/>
             </a:br>
             <a:r>
-              <a:rPr lang="en-US" dirty="0" smtClean="0"/>
+              <a:rPr lang="en-US" dirty="0"/>
               <a:t>and select list values</a:t>
             </a:r>
-            <a:endParaRPr lang="en-US" dirty="0"/>
           </a:p>
         </p:txBody>
       </p:sp>
@@ -8283,7 +8048,7 @@
           <a:graphicData uri="http://schemas.openxmlformats.org/presentationml/2006/ole">
             <mc:AlternateContent xmlns:mc="http://schemas.openxmlformats.org/markup-compatibility/2006">
               <mc:Choice xmlns:v="urn:schemas-microsoft-com:vml" Requires="v">
-                <p:oleObj spid="_x0000_s61459" name="Document" r:id="rId3" imgW="7313400" imgH="3687421" progId="Word.Document.12">
+                <p:oleObj spid="_x0000_s61463" name="Document" r:id="rId3" imgW="7313400" imgH="3687421" progId="Word.Document.12">
                   <p:embed/>
                 </p:oleObj>
               </mc:Choice>
@@ -8337,7 +8102,7 @@
               <a:defRPr/>
             </a:pPr>
             <a:r>
-              <a:rPr lang="en-US" smtClean="0"/>
+              <a:rPr lang="en-US"/>
               <a:t>Murach's JavaScript and jQuery (3rd Ed.)</a:t>
             </a:r>
             <a:endParaRPr lang="en-US" dirty="0"/>
@@ -8363,39 +8128,38 @@
               <a:defRPr/>
             </a:pPr>
             <a:r>
-              <a:rPr lang="en-US" smtClean="0"/>
+              <a:rPr lang="en-US"/>
               <a:t>© 2017, Mike Murach &amp; Associates, Inc.</a:t>
             </a:r>
+          </a:p>
+        </p:txBody>
+      </p:sp>
+      <p:sp>
+        <p:nvSpPr>
+          <p:cNvPr id="9" name="Slide Number Placeholder 8"/>
+          <p:cNvSpPr>
+            <a:spLocks noGrp="1"/>
+          </p:cNvSpPr>
+          <p:nvPr>
+            <p:ph type="sldNum" sz="quarter" idx="12"/>
+          </p:nvPr>
+        </p:nvSpPr>
+        <p:spPr/>
+        <p:txBody>
+          <a:bodyPr/>
+          <a:lstStyle/>
+          <a:p>
+            <a:pPr>
+              <a:defRPr/>
+            </a:pPr>
             <a:endParaRPr lang="en-US"/>
           </a:p>
-        </p:txBody>
-      </p:sp>
-      <p:sp>
-        <p:nvSpPr>
-          <p:cNvPr id="9" name="Slide Number Placeholder 8"/>
-          <p:cNvSpPr>
-            <a:spLocks noGrp="1"/>
-          </p:cNvSpPr>
-          <p:nvPr>
-            <p:ph type="sldNum" sz="quarter" idx="12"/>
-          </p:nvPr>
-        </p:nvSpPr>
-        <p:spPr/>
-        <p:txBody>
-          <a:bodyPr/>
-          <a:lstStyle/>
-          <a:p>
-            <a:pPr>
-              <a:defRPr/>
-            </a:pPr>
-            <a:endParaRPr lang="en-US" smtClean="0"/>
-          </a:p>
           <a:p>
             <a:pPr algn="r">
               <a:defRPr/>
             </a:pPr>
             <a:r>
-              <a:rPr lang="en-US" sz="900" smtClean="0">
+              <a:rPr lang="en-US" sz="900">
                 <a:solidFill>
                   <a:schemeClr val="bg1"/>
                 </a:solidFill>
@@ -8434,13 +8198,6 @@
   <p:clrMapOvr>
     <a:masterClrMapping/>
   </p:clrMapOvr>
-  <p:timing>
-    <p:tnLst>
-      <p:par>
-        <p:cTn id="1" dur="indefinite" restart="never" nodeType="tmRoot"/>
-      </p:par>
-    </p:tnLst>
-  </p:timing>
 </p:sld>
 </file>
 
@@ -8482,17 +8239,16 @@
           <a:lstStyle/>
           <a:p>
             <a:r>
-              <a:rPr lang="en-US" dirty="0" smtClean="0"/>
+              <a:rPr lang="en-US" dirty="0"/>
               <a:t>JavaScript code to set the text box, text area, </a:t>
             </a:r>
             <a:br>
-              <a:rPr lang="en-US" dirty="0" smtClean="0"/>
+              <a:rPr lang="en-US" dirty="0"/>
             </a:br>
             <a:r>
-              <a:rPr lang="en-US" dirty="0" smtClean="0"/>
+              <a:rPr lang="en-US" dirty="0"/>
               <a:t>and select list values</a:t>
             </a:r>
-            <a:endParaRPr lang="en-US" dirty="0"/>
           </a:p>
         </p:txBody>
       </p:sp>
@@ -8518,7 +8274,7 @@
           <a:graphicData uri="http://schemas.openxmlformats.org/presentationml/2006/ole">
             <mc:AlternateContent xmlns:mc="http://schemas.openxmlformats.org/markup-compatibility/2006">
               <mc:Choice xmlns:v="urn:schemas-microsoft-com:vml" Requires="v">
-                <p:oleObj spid="_x0000_s62483" name="Document" r:id="rId3" imgW="7301323" imgH="3000789" progId="Word.Document.12">
+                <p:oleObj spid="_x0000_s62487" name="Document" r:id="rId3" imgW="7301323" imgH="3000789" progId="Word.Document.12">
                   <p:embed/>
                 </p:oleObj>
               </mc:Choice>
@@ -8572,7 +8328,7 @@
               <a:defRPr/>
             </a:pPr>
             <a:r>
-              <a:rPr lang="en-US" smtClean="0"/>
+              <a:rPr lang="en-US"/>
               <a:t>Murach's JavaScript and jQuery (3rd Ed.)</a:t>
             </a:r>
             <a:endParaRPr lang="en-US" dirty="0"/>
@@ -8598,39 +8354,38 @@
               <a:defRPr/>
             </a:pPr>
             <a:r>
-              <a:rPr lang="en-US" smtClean="0"/>
+              <a:rPr lang="en-US"/>
               <a:t>© 2017, Mike Murach &amp; Associates, Inc.</a:t>
             </a:r>
+          </a:p>
+        </p:txBody>
+      </p:sp>
+      <p:sp>
+        <p:nvSpPr>
+          <p:cNvPr id="9" name="Slide Number Placeholder 8"/>
+          <p:cNvSpPr>
+            <a:spLocks noGrp="1"/>
+          </p:cNvSpPr>
+          <p:nvPr>
+            <p:ph type="sldNum" sz="quarter" idx="12"/>
+          </p:nvPr>
+        </p:nvSpPr>
+        <p:spPr/>
+        <p:txBody>
+          <a:bodyPr/>
+          <a:lstStyle/>
+          <a:p>
+            <a:pPr>
+              <a:defRPr/>
+            </a:pPr>
             <a:endParaRPr lang="en-US"/>
           </a:p>
-        </p:txBody>
-      </p:sp>
-      <p:sp>
-        <p:nvSpPr>
-          <p:cNvPr id="9" name="Slide Number Placeholder 8"/>
-          <p:cNvSpPr>
-            <a:spLocks noGrp="1"/>
-          </p:cNvSpPr>
-          <p:nvPr>
-            <p:ph type="sldNum" sz="quarter" idx="12"/>
-          </p:nvPr>
-        </p:nvSpPr>
-        <p:spPr/>
-        <p:txBody>
-          <a:bodyPr/>
-          <a:lstStyle/>
-          <a:p>
-            <a:pPr>
-              <a:defRPr/>
-            </a:pPr>
-            <a:endParaRPr lang="en-US" smtClean="0"/>
-          </a:p>
           <a:p>
             <a:pPr algn="r">
               <a:defRPr/>
             </a:pPr>
             <a:r>
-              <a:rPr lang="en-US" sz="900" smtClean="0">
+              <a:rPr lang="en-US" sz="900">
                 <a:solidFill>
                   <a:schemeClr val="bg1"/>
                 </a:solidFill>
@@ -8669,13 +8424,6 @@
   <p:clrMapOvr>
     <a:masterClrMapping/>
   </p:clrMapOvr>
-  <p:timing>
-    <p:tnLst>
-      <p:par>
-        <p:cTn id="1" dur="indefinite" restart="never" nodeType="tmRoot"/>
-      </p:par>
-    </p:tnLst>
-  </p:timing>
 </p:sld>
 </file>
 
@@ -8712,10 +8460,9 @@
           <a:lstStyle/>
           <a:p>
             <a:r>
-              <a:rPr lang="en-US" dirty="0" smtClean="0"/>
+              <a:rPr lang="en-US" dirty="0"/>
               <a:t>Two properties of a Radio or Checkbox object</a:t>
             </a:r>
-            <a:endParaRPr lang="en-US" dirty="0"/>
           </a:p>
         </p:txBody>
       </p:sp>
@@ -8741,7 +8488,7 @@
           <a:graphicData uri="http://schemas.openxmlformats.org/presentationml/2006/ole">
             <mc:AlternateContent xmlns:mc="http://schemas.openxmlformats.org/markup-compatibility/2006">
               <mc:Choice xmlns:v="urn:schemas-microsoft-com:vml" Requires="v">
-                <p:oleObj spid="_x0000_s63507" name="Document" r:id="rId3" imgW="7301323" imgH="3000789" progId="Word.Document.12">
+                <p:oleObj spid="_x0000_s63511" name="Document" r:id="rId3" imgW="7301323" imgH="3000789" progId="Word.Document.12">
                   <p:embed/>
                 </p:oleObj>
               </mc:Choice>
@@ -8795,7 +8542,7 @@
               <a:defRPr/>
             </a:pPr>
             <a:r>
-              <a:rPr lang="en-US" smtClean="0"/>
+              <a:rPr lang="en-US"/>
               <a:t>Murach's JavaScript and jQuery (3rd Ed.)</a:t>
             </a:r>
             <a:endParaRPr lang="en-US" dirty="0"/>
@@ -8821,39 +8568,38 @@
               <a:defRPr/>
             </a:pPr>
             <a:r>
-              <a:rPr lang="en-US" smtClean="0"/>
+              <a:rPr lang="en-US"/>
               <a:t>© 2017, Mike Murach &amp; Associates, Inc.</a:t>
             </a:r>
+          </a:p>
+        </p:txBody>
+      </p:sp>
+      <p:sp>
+        <p:nvSpPr>
+          <p:cNvPr id="9" name="Slide Number Placeholder 8"/>
+          <p:cNvSpPr>
+            <a:spLocks noGrp="1"/>
+          </p:cNvSpPr>
+          <p:nvPr>
+            <p:ph type="sldNum" sz="quarter" idx="12"/>
+          </p:nvPr>
+        </p:nvSpPr>
+        <p:spPr/>
+        <p:txBody>
+          <a:bodyPr/>
+          <a:lstStyle/>
+          <a:p>
+            <a:pPr>
+              <a:defRPr/>
+            </a:pPr>
             <a:endParaRPr lang="en-US"/>
           </a:p>
-        </p:txBody>
-      </p:sp>
-      <p:sp>
-        <p:nvSpPr>
-          <p:cNvPr id="9" name="Slide Number Placeholder 8"/>
-          <p:cNvSpPr>
-            <a:spLocks noGrp="1"/>
-          </p:cNvSpPr>
-          <p:nvPr>
-            <p:ph type="sldNum" sz="quarter" idx="12"/>
-          </p:nvPr>
-        </p:nvSpPr>
-        <p:spPr/>
-        <p:txBody>
-          <a:bodyPr/>
-          <a:lstStyle/>
-          <a:p>
-            <a:pPr>
-              <a:defRPr/>
-            </a:pPr>
-            <a:endParaRPr lang="en-US" smtClean="0"/>
-          </a:p>
           <a:p>
             <a:pPr algn="r">
               <a:defRPr/>
             </a:pPr>
             <a:r>
-              <a:rPr lang="en-US" sz="900" smtClean="0">
+              <a:rPr lang="en-US" sz="900">
                 <a:solidFill>
                   <a:schemeClr val="bg1"/>
                 </a:solidFill>
@@ -8892,13 +8638,6 @@
   <p:clrMapOvr>
     <a:masterClrMapping/>
   </p:clrMapOvr>
-  <p:timing>
-    <p:tnLst>
-      <p:par>
-        <p:cTn id="1" dur="indefinite" restart="never" nodeType="tmRoot"/>
-      </p:par>
-    </p:tnLst>
-  </p:timing>
 </p:sld>
 </file>
 
@@ -8935,10 +8674,9 @@
           <a:lstStyle/>
           <a:p>
             <a:r>
-              <a:rPr lang="en-US" dirty="0" smtClean="0"/>
+              <a:rPr lang="en-US" dirty="0"/>
               <a:t>HTML code for two radio buttons and a check box</a:t>
             </a:r>
-            <a:endParaRPr lang="en-US" dirty="0"/>
           </a:p>
         </p:txBody>
       </p:sp>
@@ -8964,7 +8702,7 @@
           <a:graphicData uri="http://schemas.openxmlformats.org/presentationml/2006/ole">
             <mc:AlternateContent xmlns:mc="http://schemas.openxmlformats.org/markup-compatibility/2006">
               <mc:Choice xmlns:v="urn:schemas-microsoft-com:vml" Requires="v">
-                <p:oleObj spid="_x0000_s64532" name="Document" r:id="rId3" imgW="7313400" imgH="2996997" progId="Word.Document.12">
+                <p:oleObj spid="_x0000_s64536" name="Document" r:id="rId3" imgW="7313400" imgH="2996997" progId="Word.Document.12">
                   <p:embed/>
                 </p:oleObj>
               </mc:Choice>
@@ -9018,7 +8756,7 @@
               <a:defRPr/>
             </a:pPr>
             <a:r>
-              <a:rPr lang="en-US" smtClean="0"/>
+              <a:rPr lang="en-US"/>
               <a:t>Murach's JavaScript and jQuery (3rd Ed.)</a:t>
             </a:r>
             <a:endParaRPr lang="en-US" dirty="0"/>
@@ -9044,39 +8782,38 @@
               <a:defRPr/>
             </a:pPr>
             <a:r>
-              <a:rPr lang="en-US" smtClean="0"/>
+              <a:rPr lang="en-US"/>
               <a:t>© 2017, Mike Murach &amp; Associates, Inc.</a:t>
             </a:r>
+          </a:p>
+        </p:txBody>
+      </p:sp>
+      <p:sp>
+        <p:nvSpPr>
+          <p:cNvPr id="9" name="Slide Number Placeholder 8"/>
+          <p:cNvSpPr>
+            <a:spLocks noGrp="1"/>
+          </p:cNvSpPr>
+          <p:nvPr>
+            <p:ph type="sldNum" sz="quarter" idx="12"/>
+          </p:nvPr>
+        </p:nvSpPr>
+        <p:spPr/>
+        <p:txBody>
+          <a:bodyPr/>
+          <a:lstStyle/>
+          <a:p>
+            <a:pPr>
+              <a:defRPr/>
+            </a:pPr>
             <a:endParaRPr lang="en-US"/>
           </a:p>
-        </p:txBody>
-      </p:sp>
-      <p:sp>
-        <p:nvSpPr>
-          <p:cNvPr id="9" name="Slide Number Placeholder 8"/>
-          <p:cNvSpPr>
-            <a:spLocks noGrp="1"/>
-          </p:cNvSpPr>
-          <p:nvPr>
-            <p:ph type="sldNum" sz="quarter" idx="12"/>
-          </p:nvPr>
-        </p:nvSpPr>
-        <p:spPr/>
-        <p:txBody>
-          <a:bodyPr/>
-          <a:lstStyle/>
-          <a:p>
-            <a:pPr>
-              <a:defRPr/>
-            </a:pPr>
-            <a:endParaRPr lang="en-US" smtClean="0"/>
-          </a:p>
           <a:p>
             <a:pPr algn="r">
               <a:defRPr/>
             </a:pPr>
             <a:r>
-              <a:rPr lang="en-US" sz="900" smtClean="0">
+              <a:rPr lang="en-US" sz="900">
                 <a:solidFill>
                   <a:schemeClr val="bg1"/>
                 </a:solidFill>
@@ -9115,13 +8852,6 @@
   <p:clrMapOvr>
     <a:masterClrMapping/>
   </p:clrMapOvr>
-  <p:timing>
-    <p:tnLst>
-      <p:par>
-        <p:cTn id="1" dur="indefinite" restart="never" nodeType="tmRoot"/>
-      </p:par>
-    </p:tnLst>
-  </p:timing>
 </p:sld>
 </file>
 
@@ -9158,17 +8888,16 @@
           <a:lstStyle/>
           <a:p>
             <a:r>
-              <a:rPr lang="en-US" dirty="0" smtClean="0"/>
+              <a:rPr lang="en-US" dirty="0"/>
               <a:t>JavaScript code to get the radio button </a:t>
             </a:r>
             <a:br>
-              <a:rPr lang="en-US" dirty="0" smtClean="0"/>
+              <a:rPr lang="en-US" dirty="0"/>
             </a:br>
             <a:r>
-              <a:rPr lang="en-US" dirty="0" smtClean="0"/>
+              <a:rPr lang="en-US" dirty="0"/>
               <a:t>and check box values</a:t>
             </a:r>
-            <a:endParaRPr lang="en-US" dirty="0"/>
           </a:p>
         </p:txBody>
       </p:sp>
@@ -9194,7 +8923,7 @@
           <a:graphicData uri="http://schemas.openxmlformats.org/presentationml/2006/ole">
             <mc:AlternateContent xmlns:mc="http://schemas.openxmlformats.org/markup-compatibility/2006">
               <mc:Choice xmlns:v="urn:schemas-microsoft-com:vml" Requires="v">
-                <p:oleObj spid="_x0000_s65556" name="Document" r:id="rId3" imgW="7476440" imgH="3227258" progId="Word.Document.12">
+                <p:oleObj spid="_x0000_s65560" name="Document" r:id="rId3" imgW="7476440" imgH="3227258" progId="Word.Document.12">
                   <p:embed/>
                 </p:oleObj>
               </mc:Choice>
@@ -9248,7 +8977,7 @@
               <a:defRPr/>
             </a:pPr>
             <a:r>
-              <a:rPr lang="en-US" smtClean="0"/>
+              <a:rPr lang="en-US"/>
               <a:t>Murach's JavaScript and jQuery (3rd Ed.)</a:t>
             </a:r>
             <a:endParaRPr lang="en-US" dirty="0"/>
@@ -9274,39 +9003,38 @@
               <a:defRPr/>
             </a:pPr>
             <a:r>
-              <a:rPr lang="en-US" smtClean="0"/>
+              <a:rPr lang="en-US"/>
               <a:t>© 2017, Mike Murach &amp; Associates, Inc.</a:t>
             </a:r>
+          </a:p>
+        </p:txBody>
+      </p:sp>
+      <p:sp>
+        <p:nvSpPr>
+          <p:cNvPr id="9" name="Slide Number Placeholder 8"/>
+          <p:cNvSpPr>
+            <a:spLocks noGrp="1"/>
+          </p:cNvSpPr>
+          <p:nvPr>
+            <p:ph type="sldNum" sz="quarter" idx="12"/>
+          </p:nvPr>
+        </p:nvSpPr>
+        <p:spPr/>
+        <p:txBody>
+          <a:bodyPr/>
+          <a:lstStyle/>
+          <a:p>
+            <a:pPr>
+              <a:defRPr/>
+            </a:pPr>
             <a:endParaRPr lang="en-US"/>
           </a:p>
-        </p:txBody>
-      </p:sp>
-      <p:sp>
-        <p:nvSpPr>
-          <p:cNvPr id="9" name="Slide Number Placeholder 8"/>
-          <p:cNvSpPr>
-            <a:spLocks noGrp="1"/>
-          </p:cNvSpPr>
-          <p:nvPr>
-            <p:ph type="sldNum" sz="quarter" idx="12"/>
-          </p:nvPr>
-        </p:nvSpPr>
-        <p:spPr/>
-        <p:txBody>
-          <a:bodyPr/>
-          <a:lstStyle/>
-          <a:p>
-            <a:pPr>
-              <a:defRPr/>
-            </a:pPr>
-            <a:endParaRPr lang="en-US" smtClean="0"/>
-          </a:p>
           <a:p>
             <a:pPr algn="r">
               <a:defRPr/>
             </a:pPr>
             <a:r>
-              <a:rPr lang="en-US" sz="900" smtClean="0">
+              <a:rPr lang="en-US" sz="900">
                 <a:solidFill>
                   <a:schemeClr val="bg1"/>
                 </a:solidFill>
@@ -9345,13 +9073,6 @@
   <p:clrMapOvr>
     <a:masterClrMapping/>
   </p:clrMapOvr>
-  <p:timing>
-    <p:tnLst>
-      <p:par>
-        <p:cTn id="1" dur="indefinite" restart="never" nodeType="tmRoot"/>
-      </p:par>
-    </p:tnLst>
-  </p:timing>
 </p:sld>
 </file>
 
@@ -9388,17 +9109,16 @@
           <a:lstStyle/>
           <a:p>
             <a:r>
-              <a:rPr lang="en-US" dirty="0" smtClean="0"/>
+              <a:rPr lang="en-US" dirty="0"/>
               <a:t>JavaScript code to set the radio button </a:t>
             </a:r>
             <a:br>
-              <a:rPr lang="en-US" dirty="0" smtClean="0"/>
+              <a:rPr lang="en-US" dirty="0"/>
             </a:br>
             <a:r>
-              <a:rPr lang="en-US" dirty="0" smtClean="0"/>
+              <a:rPr lang="en-US" dirty="0"/>
               <a:t>and check box values</a:t>
             </a:r>
-            <a:endParaRPr lang="en-US" dirty="0"/>
           </a:p>
         </p:txBody>
       </p:sp>
@@ -9424,7 +9144,7 @@
           <a:graphicData uri="http://schemas.openxmlformats.org/presentationml/2006/ole">
             <mc:AlternateContent xmlns:mc="http://schemas.openxmlformats.org/markup-compatibility/2006">
               <mc:Choice xmlns:v="urn:schemas-microsoft-com:vml" Requires="v">
-                <p:oleObj spid="_x0000_s66579" name="Document" r:id="rId3" imgW="7301323" imgH="3000789" progId="Word.Document.12">
+                <p:oleObj spid="_x0000_s66583" name="Document" r:id="rId3" imgW="7301323" imgH="3000789" progId="Word.Document.12">
                   <p:embed/>
                 </p:oleObj>
               </mc:Choice>
@@ -9478,7 +9198,7 @@
               <a:defRPr/>
             </a:pPr>
             <a:r>
-              <a:rPr lang="en-US" smtClean="0"/>
+              <a:rPr lang="en-US"/>
               <a:t>Murach's JavaScript and jQuery (3rd Ed.)</a:t>
             </a:r>
             <a:endParaRPr lang="en-US" dirty="0"/>
@@ -9504,39 +9224,38 @@
               <a:defRPr/>
             </a:pPr>
             <a:r>
-              <a:rPr lang="en-US" smtClean="0"/>
+              <a:rPr lang="en-US"/>
               <a:t>© 2017, Mike Murach &amp; Associates, Inc.</a:t>
             </a:r>
+          </a:p>
+        </p:txBody>
+      </p:sp>
+      <p:sp>
+        <p:nvSpPr>
+          <p:cNvPr id="9" name="Slide Number Placeholder 8"/>
+          <p:cNvSpPr>
+            <a:spLocks noGrp="1"/>
+          </p:cNvSpPr>
+          <p:nvPr>
+            <p:ph type="sldNum" sz="quarter" idx="12"/>
+          </p:nvPr>
+        </p:nvSpPr>
+        <p:spPr/>
+        <p:txBody>
+          <a:bodyPr/>
+          <a:lstStyle/>
+          <a:p>
+            <a:pPr>
+              <a:defRPr/>
+            </a:pPr>
             <a:endParaRPr lang="en-US"/>
           </a:p>
-        </p:txBody>
-      </p:sp>
-      <p:sp>
-        <p:nvSpPr>
-          <p:cNvPr id="9" name="Slide Number Placeholder 8"/>
-          <p:cNvSpPr>
-            <a:spLocks noGrp="1"/>
-          </p:cNvSpPr>
-          <p:nvPr>
-            <p:ph type="sldNum" sz="quarter" idx="12"/>
-          </p:nvPr>
-        </p:nvSpPr>
-        <p:spPr/>
-        <p:txBody>
-          <a:bodyPr/>
-          <a:lstStyle/>
-          <a:p>
-            <a:pPr>
-              <a:defRPr/>
-            </a:pPr>
-            <a:endParaRPr lang="en-US" smtClean="0"/>
-          </a:p>
           <a:p>
             <a:pPr algn="r">
               <a:defRPr/>
             </a:pPr>
             <a:r>
-              <a:rPr lang="en-US" sz="900" smtClean="0">
+              <a:rPr lang="en-US" sz="900">
                 <a:solidFill>
                   <a:schemeClr val="bg1"/>
                 </a:solidFill>
@@ -9575,13 +9294,6 @@
   <p:clrMapOvr>
     <a:masterClrMapping/>
   </p:clrMapOvr>
-  <p:timing>
-    <p:tnLst>
-      <p:par>
-        <p:cTn id="1" dur="indefinite" restart="never" nodeType="tmRoot"/>
-      </p:par>
-    </p:tnLst>
-  </p:timing>
 </p:sld>
 </file>
 
@@ -9618,17 +9330,16 @@
           <a:lstStyle/>
           <a:p>
             <a:r>
-              <a:rPr lang="en-US" dirty="0" smtClean="0"/>
+              <a:rPr lang="en-US" dirty="0"/>
               <a:t>Two methods that are commonly used </a:t>
             </a:r>
             <a:br>
-              <a:rPr lang="en-US" dirty="0" smtClean="0"/>
+              <a:rPr lang="en-US" dirty="0"/>
             </a:br>
             <a:r>
-              <a:rPr lang="en-US" dirty="0" smtClean="0"/>
+              <a:rPr lang="en-US" dirty="0"/>
               <a:t>with forms</a:t>
             </a:r>
-            <a:endParaRPr lang="en-US" dirty="0"/>
           </a:p>
         </p:txBody>
       </p:sp>
@@ -9654,7 +9365,7 @@
           <a:graphicData uri="http://schemas.openxmlformats.org/presentationml/2006/ole">
             <mc:AlternateContent xmlns:mc="http://schemas.openxmlformats.org/markup-compatibility/2006">
               <mc:Choice xmlns:v="urn:schemas-microsoft-com:vml" Requires="v">
-                <p:oleObj spid="_x0000_s67604" name="Document" r:id="rId3" imgW="7301323" imgH="3000789" progId="Word.Document.12">
+                <p:oleObj spid="_x0000_s67608" name="Document" r:id="rId3" imgW="7301323" imgH="3000789" progId="Word.Document.12">
                   <p:embed/>
                 </p:oleObj>
               </mc:Choice>
@@ -9708,7 +9419,7 @@
               <a:defRPr/>
             </a:pPr>
             <a:r>
-              <a:rPr lang="en-US" smtClean="0"/>
+              <a:rPr lang="en-US"/>
               <a:t>Murach's JavaScript and jQuery (3rd Ed.)</a:t>
             </a:r>
             <a:endParaRPr lang="en-US" dirty="0"/>
@@ -9734,39 +9445,38 @@
               <a:defRPr/>
             </a:pPr>
             <a:r>
-              <a:rPr lang="en-US" smtClean="0"/>
+              <a:rPr lang="en-US"/>
               <a:t>© 2017, Mike Murach &amp; Associates, Inc.</a:t>
             </a:r>
+          </a:p>
+        </p:txBody>
+      </p:sp>
+      <p:sp>
+        <p:nvSpPr>
+          <p:cNvPr id="9" name="Slide Number Placeholder 8"/>
+          <p:cNvSpPr>
+            <a:spLocks noGrp="1"/>
+          </p:cNvSpPr>
+          <p:nvPr>
+            <p:ph type="sldNum" sz="quarter" idx="12"/>
+          </p:nvPr>
+        </p:nvSpPr>
+        <p:spPr/>
+        <p:txBody>
+          <a:bodyPr/>
+          <a:lstStyle/>
+          <a:p>
+            <a:pPr>
+              <a:defRPr/>
+            </a:pPr>
             <a:endParaRPr lang="en-US"/>
           </a:p>
-        </p:txBody>
-      </p:sp>
-      <p:sp>
-        <p:nvSpPr>
-          <p:cNvPr id="9" name="Slide Number Placeholder 8"/>
-          <p:cNvSpPr>
-            <a:spLocks noGrp="1"/>
-          </p:cNvSpPr>
-          <p:nvPr>
-            <p:ph type="sldNum" sz="quarter" idx="12"/>
-          </p:nvPr>
-        </p:nvSpPr>
-        <p:spPr/>
-        <p:txBody>
-          <a:bodyPr/>
-          <a:lstStyle/>
-          <a:p>
-            <a:pPr>
-              <a:defRPr/>
-            </a:pPr>
-            <a:endParaRPr lang="en-US" smtClean="0"/>
-          </a:p>
           <a:p>
             <a:pPr algn="r">
               <a:defRPr/>
             </a:pPr>
             <a:r>
-              <a:rPr lang="en-US" sz="900" smtClean="0">
+              <a:rPr lang="en-US" sz="900">
                 <a:solidFill>
                   <a:schemeClr val="bg1"/>
                 </a:solidFill>
@@ -9805,13 +9515,6 @@
   <p:clrMapOvr>
     <a:masterClrMapping/>
   </p:clrMapOvr>
-  <p:timing>
-    <p:tnLst>
-      <p:par>
-        <p:cTn id="1" dur="indefinite" restart="never" nodeType="tmRoot"/>
-      </p:par>
-    </p:tnLst>
-  </p:timing>
 </p:sld>
 </file>
 
@@ -9853,17 +9556,16 @@
           <a:lstStyle/>
           <a:p>
             <a:r>
-              <a:rPr lang="en-US" dirty="0" smtClean="0"/>
+              <a:rPr lang="en-US" dirty="0"/>
               <a:t>Two methods that are commonly used </a:t>
             </a:r>
             <a:br>
-              <a:rPr lang="en-US" dirty="0" smtClean="0"/>
+              <a:rPr lang="en-US" dirty="0"/>
             </a:br>
             <a:r>
-              <a:rPr lang="en-US" dirty="0" smtClean="0"/>
+              <a:rPr lang="en-US" dirty="0"/>
               <a:t>with controls</a:t>
             </a:r>
-            <a:endParaRPr lang="en-US" dirty="0"/>
           </a:p>
         </p:txBody>
       </p:sp>
@@ -9889,7 +9591,7 @@
           <a:graphicData uri="http://schemas.openxmlformats.org/presentationml/2006/ole">
             <mc:AlternateContent xmlns:mc="http://schemas.openxmlformats.org/markup-compatibility/2006">
               <mc:Choice xmlns:v="urn:schemas-microsoft-com:vml" Requires="v">
-                <p:oleObj spid="_x0000_s68627" name="Document" r:id="rId3" imgW="7301323" imgH="3000789" progId="Word.Document.12">
+                <p:oleObj spid="_x0000_s68631" name="Document" r:id="rId3" imgW="7301323" imgH="3000789" progId="Word.Document.12">
                   <p:embed/>
                 </p:oleObj>
               </mc:Choice>
@@ -9943,7 +9645,7 @@
               <a:defRPr/>
             </a:pPr>
             <a:r>
-              <a:rPr lang="en-US" smtClean="0"/>
+              <a:rPr lang="en-US"/>
               <a:t>Murach's JavaScript and jQuery (3rd Ed.)</a:t>
             </a:r>
             <a:endParaRPr lang="en-US" dirty="0"/>
@@ -9969,39 +9671,38 @@
               <a:defRPr/>
             </a:pPr>
             <a:r>
-              <a:rPr lang="en-US" smtClean="0"/>
+              <a:rPr lang="en-US"/>
               <a:t>© 2017, Mike Murach &amp; Associates, Inc.</a:t>
             </a:r>
+          </a:p>
+        </p:txBody>
+      </p:sp>
+      <p:sp>
+        <p:nvSpPr>
+          <p:cNvPr id="9" name="Slide Number Placeholder 8"/>
+          <p:cNvSpPr>
+            <a:spLocks noGrp="1"/>
+          </p:cNvSpPr>
+          <p:nvPr>
+            <p:ph type="sldNum" sz="quarter" idx="12"/>
+          </p:nvPr>
+        </p:nvSpPr>
+        <p:spPr/>
+        <p:txBody>
+          <a:bodyPr/>
+          <a:lstStyle/>
+          <a:p>
+            <a:pPr>
+              <a:defRPr/>
+            </a:pPr>
             <a:endParaRPr lang="en-US"/>
           </a:p>
-        </p:txBody>
-      </p:sp>
-      <p:sp>
-        <p:nvSpPr>
-          <p:cNvPr id="9" name="Slide Number Placeholder 8"/>
-          <p:cNvSpPr>
-            <a:spLocks noGrp="1"/>
-          </p:cNvSpPr>
-          <p:nvPr>
-            <p:ph type="sldNum" sz="quarter" idx="12"/>
-          </p:nvPr>
-        </p:nvSpPr>
-        <p:spPr/>
-        <p:txBody>
-          <a:bodyPr/>
-          <a:lstStyle/>
-          <a:p>
-            <a:pPr>
-              <a:defRPr/>
-            </a:pPr>
-            <a:endParaRPr lang="en-US" smtClean="0"/>
-          </a:p>
           <a:p>
             <a:pPr algn="r">
               <a:defRPr/>
             </a:pPr>
             <a:r>
-              <a:rPr lang="en-US" sz="900" smtClean="0">
+              <a:rPr lang="en-US" sz="900">
                 <a:solidFill>
                   <a:schemeClr val="bg1"/>
                 </a:solidFill>
@@ -10040,13 +9741,6 @@
   <p:clrMapOvr>
     <a:masterClrMapping/>
   </p:clrMapOvr>
-  <p:timing>
-    <p:tnLst>
-      <p:par>
-        <p:cTn id="1" dur="indefinite" restart="never" nodeType="tmRoot"/>
-      </p:par>
-    </p:tnLst>
-  </p:timing>
 </p:sld>
 </file>
 
@@ -10083,10 +9777,9 @@
           <a:lstStyle/>
           <a:p>
             <a:r>
-              <a:rPr lang="en-US" dirty="0" smtClean="0"/>
+              <a:rPr lang="en-US" dirty="0"/>
               <a:t>The code for a web page</a:t>
             </a:r>
-            <a:endParaRPr lang="en-US" dirty="0"/>
           </a:p>
         </p:txBody>
       </p:sp>
@@ -10112,7 +9805,7 @@
           <a:graphicData uri="http://schemas.openxmlformats.org/presentationml/2006/ole">
             <mc:AlternateContent xmlns:mc="http://schemas.openxmlformats.org/markup-compatibility/2006">
               <mc:Choice xmlns:v="urn:schemas-microsoft-com:vml" Requires="v">
-                <p:oleObj spid="_x0000_s5152" name="Document" r:id="rId3" imgW="7313400" imgH="3917323" progId="Word.Document.12">
+                <p:oleObj spid="_x0000_s5156" name="Document" r:id="rId3" imgW="7313400" imgH="3917323" progId="Word.Document.12">
                   <p:embed/>
                 </p:oleObj>
               </mc:Choice>
@@ -10166,7 +9859,7 @@
               <a:defRPr/>
             </a:pPr>
             <a:r>
-              <a:rPr lang="en-US" smtClean="0"/>
+              <a:rPr lang="en-US"/>
               <a:t>Murach's JavaScript and jQuery (3rd Ed.)</a:t>
             </a:r>
             <a:endParaRPr lang="en-US" dirty="0"/>
@@ -10192,39 +9885,38 @@
               <a:defRPr/>
             </a:pPr>
             <a:r>
-              <a:rPr lang="en-US" smtClean="0"/>
+              <a:rPr lang="en-US"/>
               <a:t>© 2017, Mike Murach &amp; Associates, Inc.</a:t>
             </a:r>
+          </a:p>
+        </p:txBody>
+      </p:sp>
+      <p:sp>
+        <p:nvSpPr>
+          <p:cNvPr id="9" name="Slide Number Placeholder 8"/>
+          <p:cNvSpPr>
+            <a:spLocks noGrp="1"/>
+          </p:cNvSpPr>
+          <p:nvPr>
+            <p:ph type="sldNum" sz="quarter" idx="12"/>
+          </p:nvPr>
+        </p:nvSpPr>
+        <p:spPr/>
+        <p:txBody>
+          <a:bodyPr/>
+          <a:lstStyle/>
+          <a:p>
+            <a:pPr>
+              <a:defRPr/>
+            </a:pPr>
             <a:endParaRPr lang="en-US"/>
           </a:p>
-        </p:txBody>
-      </p:sp>
-      <p:sp>
-        <p:nvSpPr>
-          <p:cNvPr id="9" name="Slide Number Placeholder 8"/>
-          <p:cNvSpPr>
-            <a:spLocks noGrp="1"/>
-          </p:cNvSpPr>
-          <p:nvPr>
-            <p:ph type="sldNum" sz="quarter" idx="12"/>
-          </p:nvPr>
-        </p:nvSpPr>
-        <p:spPr/>
-        <p:txBody>
-          <a:bodyPr/>
-          <a:lstStyle/>
-          <a:p>
-            <a:pPr>
-              <a:defRPr/>
-            </a:pPr>
-            <a:endParaRPr lang="en-US" smtClean="0"/>
-          </a:p>
           <a:p>
             <a:pPr algn="r">
               <a:defRPr/>
             </a:pPr>
             <a:r>
-              <a:rPr lang="en-US" sz="900" smtClean="0">
+              <a:rPr lang="en-US" sz="900">
                 <a:solidFill>
                   <a:schemeClr val="bg1"/>
                 </a:solidFill>
@@ -10263,13 +9955,6 @@
   <p:clrMapOvr>
     <a:masterClrMapping/>
   </p:clrMapOvr>
-  <p:timing>
-    <p:tnLst>
-      <p:par>
-        <p:cTn id="1" dur="indefinite" restart="never" nodeType="tmRoot"/>
-      </p:par>
-    </p:tnLst>
-  </p:timing>
 </p:sld>
 </file>
 
@@ -10306,10 +9991,9 @@
           <a:lstStyle/>
           <a:p>
             <a:r>
-              <a:rPr lang="en-US" dirty="0" smtClean="0"/>
+              <a:rPr lang="en-US" dirty="0"/>
               <a:t>Common control events</a:t>
             </a:r>
-            <a:endParaRPr lang="en-US" dirty="0"/>
           </a:p>
         </p:txBody>
       </p:sp>
@@ -10335,7 +10019,7 @@
           <a:graphicData uri="http://schemas.openxmlformats.org/presentationml/2006/ole">
             <mc:AlternateContent xmlns:mc="http://schemas.openxmlformats.org/markup-compatibility/2006">
               <mc:Choice xmlns:v="urn:schemas-microsoft-com:vml" Requires="v">
-                <p:oleObj spid="_x0000_s69651" name="Document" r:id="rId3" imgW="7301323" imgH="3000789" progId="Word.Document.12">
+                <p:oleObj spid="_x0000_s69655" name="Document" r:id="rId3" imgW="7301323" imgH="3000789" progId="Word.Document.12">
                   <p:embed/>
                 </p:oleObj>
               </mc:Choice>
@@ -10389,7 +10073,7 @@
               <a:defRPr/>
             </a:pPr>
             <a:r>
-              <a:rPr lang="en-US" smtClean="0"/>
+              <a:rPr lang="en-US"/>
               <a:t>Murach's JavaScript and jQuery (3rd Ed.)</a:t>
             </a:r>
             <a:endParaRPr lang="en-US" dirty="0"/>
@@ -10415,39 +10099,38 @@
               <a:defRPr/>
             </a:pPr>
             <a:r>
-              <a:rPr lang="en-US" smtClean="0"/>
+              <a:rPr lang="en-US"/>
               <a:t>© 2017, Mike Murach &amp; Associates, Inc.</a:t>
             </a:r>
+          </a:p>
+        </p:txBody>
+      </p:sp>
+      <p:sp>
+        <p:nvSpPr>
+          <p:cNvPr id="9" name="Slide Number Placeholder 8"/>
+          <p:cNvSpPr>
+            <a:spLocks noGrp="1"/>
+          </p:cNvSpPr>
+          <p:nvPr>
+            <p:ph type="sldNum" sz="quarter" idx="12"/>
+          </p:nvPr>
+        </p:nvSpPr>
+        <p:spPr/>
+        <p:txBody>
+          <a:bodyPr/>
+          <a:lstStyle/>
+          <a:p>
+            <a:pPr>
+              <a:defRPr/>
+            </a:pPr>
             <a:endParaRPr lang="en-US"/>
           </a:p>
-        </p:txBody>
-      </p:sp>
-      <p:sp>
-        <p:nvSpPr>
-          <p:cNvPr id="9" name="Slide Number Placeholder 8"/>
-          <p:cNvSpPr>
-            <a:spLocks noGrp="1"/>
-          </p:cNvSpPr>
-          <p:nvPr>
-            <p:ph type="sldNum" sz="quarter" idx="12"/>
-          </p:nvPr>
-        </p:nvSpPr>
-        <p:spPr/>
-        <p:txBody>
-          <a:bodyPr/>
-          <a:lstStyle/>
-          <a:p>
-            <a:pPr>
-              <a:defRPr/>
-            </a:pPr>
-            <a:endParaRPr lang="en-US" smtClean="0"/>
-          </a:p>
           <a:p>
             <a:pPr algn="r">
               <a:defRPr/>
             </a:pPr>
             <a:r>
-              <a:rPr lang="en-US" sz="900" smtClean="0">
+              <a:rPr lang="en-US" sz="900">
                 <a:solidFill>
                   <a:schemeClr val="bg1"/>
                 </a:solidFill>
@@ -10486,13 +10169,6 @@
   <p:clrMapOvr>
     <a:masterClrMapping/>
   </p:clrMapOvr>
-  <p:timing>
-    <p:tnLst>
-      <p:par>
-        <p:cTn id="1" dur="indefinite" restart="never" nodeType="tmRoot"/>
-      </p:par>
-    </p:tnLst>
-  </p:timing>
 </p:sld>
 </file>
 
@@ -10529,10 +10205,9 @@
           <a:lstStyle/>
           <a:p>
             <a:r>
-              <a:rPr lang="en-US" dirty="0" smtClean="0"/>
+              <a:rPr lang="en-US" dirty="0"/>
               <a:t>Statements that use the reset and submit methods</a:t>
             </a:r>
-            <a:endParaRPr lang="en-US" dirty="0"/>
           </a:p>
         </p:txBody>
       </p:sp>
@@ -10558,7 +10233,7 @@
           <a:graphicData uri="http://schemas.openxmlformats.org/presentationml/2006/ole">
             <mc:AlternateContent xmlns:mc="http://schemas.openxmlformats.org/markup-compatibility/2006">
               <mc:Choice xmlns:v="urn:schemas-microsoft-com:vml" Requires="v">
-                <p:oleObj spid="_x0000_s70675" name="Document" r:id="rId3" imgW="7301323" imgH="3000789" progId="Word.Document.12">
+                <p:oleObj spid="_x0000_s70679" name="Document" r:id="rId3" imgW="7301323" imgH="3000789" progId="Word.Document.12">
                   <p:embed/>
                 </p:oleObj>
               </mc:Choice>
@@ -10612,7 +10287,7 @@
               <a:defRPr/>
             </a:pPr>
             <a:r>
-              <a:rPr lang="en-US" smtClean="0"/>
+              <a:rPr lang="en-US"/>
               <a:t>Murach's JavaScript and jQuery (3rd Ed.)</a:t>
             </a:r>
             <a:endParaRPr lang="en-US" dirty="0"/>
@@ -10638,39 +10313,38 @@
               <a:defRPr/>
             </a:pPr>
             <a:r>
-              <a:rPr lang="en-US" smtClean="0"/>
+              <a:rPr lang="en-US"/>
               <a:t>© 2017, Mike Murach &amp; Associates, Inc.</a:t>
             </a:r>
+          </a:p>
+        </p:txBody>
+      </p:sp>
+      <p:sp>
+        <p:nvSpPr>
+          <p:cNvPr id="9" name="Slide Number Placeholder 8"/>
+          <p:cNvSpPr>
+            <a:spLocks noGrp="1"/>
+          </p:cNvSpPr>
+          <p:nvPr>
+            <p:ph type="sldNum" sz="quarter" idx="12"/>
+          </p:nvPr>
+        </p:nvSpPr>
+        <p:spPr/>
+        <p:txBody>
+          <a:bodyPr/>
+          <a:lstStyle/>
+          <a:p>
+            <a:pPr>
+              <a:defRPr/>
+            </a:pPr>
             <a:endParaRPr lang="en-US"/>
           </a:p>
-        </p:txBody>
-      </p:sp>
-      <p:sp>
-        <p:nvSpPr>
-          <p:cNvPr id="9" name="Slide Number Placeholder 8"/>
-          <p:cNvSpPr>
-            <a:spLocks noGrp="1"/>
-          </p:cNvSpPr>
-          <p:nvPr>
-            <p:ph type="sldNum" sz="quarter" idx="12"/>
-          </p:nvPr>
-        </p:nvSpPr>
-        <p:spPr/>
-        <p:txBody>
-          <a:bodyPr/>
-          <a:lstStyle/>
-          <a:p>
-            <a:pPr>
-              <a:defRPr/>
-            </a:pPr>
-            <a:endParaRPr lang="en-US" smtClean="0"/>
-          </a:p>
           <a:p>
             <a:pPr algn="r">
               <a:defRPr/>
             </a:pPr>
             <a:r>
-              <a:rPr lang="en-US" sz="900" smtClean="0">
+              <a:rPr lang="en-US" sz="900">
                 <a:solidFill>
                   <a:schemeClr val="bg1"/>
                 </a:solidFill>
@@ -10709,13 +10383,6 @@
   <p:clrMapOvr>
     <a:masterClrMapping/>
   </p:clrMapOvr>
-  <p:timing>
-    <p:tnLst>
-      <p:par>
-        <p:cTn id="1" dur="indefinite" restart="never" nodeType="tmRoot"/>
-      </p:par>
-    </p:tnLst>
-  </p:timing>
 </p:sld>
 </file>
 
@@ -10752,25 +10419,24 @@
           <a:lstStyle/>
           <a:p>
             <a:r>
-              <a:rPr lang="en-US" dirty="0" smtClean="0"/>
+              <a:rPr lang="en-US" dirty="0"/>
               <a:t>An event handler for the </a:t>
             </a:r>
             <a:r>
-              <a:rPr lang="en-US" dirty="0" err="1" smtClean="0"/>
+              <a:rPr lang="en-US" dirty="0" err="1"/>
               <a:t>onchange</a:t>
             </a:r>
             <a:r>
-              <a:rPr lang="en-US" dirty="0" smtClean="0"/>
+              <a:rPr lang="en-US" dirty="0"/>
               <a:t> event </a:t>
             </a:r>
             <a:br>
-              <a:rPr lang="en-US" dirty="0" smtClean="0"/>
+              <a:rPr lang="en-US" dirty="0"/>
             </a:br>
             <a:r>
-              <a:rPr lang="en-US" dirty="0" smtClean="0"/>
+              <a:rPr lang="en-US" dirty="0"/>
               <a:t>of a select list</a:t>
             </a:r>
-            <a:endParaRPr lang="en-US" dirty="0"/>
           </a:p>
         </p:txBody>
       </p:sp>
@@ -10796,7 +10462,7 @@
           <a:graphicData uri="http://schemas.openxmlformats.org/presentationml/2006/ole">
             <mc:AlternateContent xmlns:mc="http://schemas.openxmlformats.org/markup-compatibility/2006">
               <mc:Choice xmlns:v="urn:schemas-microsoft-com:vml" Requires="v">
-                <p:oleObj spid="_x0000_s71700" name="Document" r:id="rId3" imgW="7313400" imgH="2995558" progId="Word.Document.12">
+                <p:oleObj spid="_x0000_s71704" name="Document" r:id="rId3" imgW="7313400" imgH="2995558" progId="Word.Document.12">
                   <p:embed/>
                 </p:oleObj>
               </mc:Choice>
@@ -10850,7 +10516,7 @@
               <a:defRPr/>
             </a:pPr>
             <a:r>
-              <a:rPr lang="en-US" smtClean="0"/>
+              <a:rPr lang="en-US"/>
               <a:t>Murach's JavaScript and jQuery (3rd Ed.)</a:t>
             </a:r>
             <a:endParaRPr lang="en-US" dirty="0"/>
@@ -10876,39 +10542,38 @@
               <a:defRPr/>
             </a:pPr>
             <a:r>
-              <a:rPr lang="en-US" smtClean="0"/>
+              <a:rPr lang="en-US"/>
               <a:t>© 2017, Mike Murach &amp; Associates, Inc.</a:t>
             </a:r>
+          </a:p>
+        </p:txBody>
+      </p:sp>
+      <p:sp>
+        <p:nvSpPr>
+          <p:cNvPr id="9" name="Slide Number Placeholder 8"/>
+          <p:cNvSpPr>
+            <a:spLocks noGrp="1"/>
+          </p:cNvSpPr>
+          <p:nvPr>
+            <p:ph type="sldNum" sz="quarter" idx="12"/>
+          </p:nvPr>
+        </p:nvSpPr>
+        <p:spPr/>
+        <p:txBody>
+          <a:bodyPr/>
+          <a:lstStyle/>
+          <a:p>
+            <a:pPr>
+              <a:defRPr/>
+            </a:pPr>
             <a:endParaRPr lang="en-US"/>
           </a:p>
-        </p:txBody>
-      </p:sp>
-      <p:sp>
-        <p:nvSpPr>
-          <p:cNvPr id="9" name="Slide Number Placeholder 8"/>
-          <p:cNvSpPr>
-            <a:spLocks noGrp="1"/>
-          </p:cNvSpPr>
-          <p:nvPr>
-            <p:ph type="sldNum" sz="quarter" idx="12"/>
-          </p:nvPr>
-        </p:nvSpPr>
-        <p:spPr/>
-        <p:txBody>
-          <a:bodyPr/>
-          <a:lstStyle/>
-          <a:p>
-            <a:pPr>
-              <a:defRPr/>
-            </a:pPr>
-            <a:endParaRPr lang="en-US" smtClean="0"/>
-          </a:p>
           <a:p>
             <a:pPr algn="r">
               <a:defRPr/>
             </a:pPr>
             <a:r>
-              <a:rPr lang="en-US" sz="900" smtClean="0">
+              <a:rPr lang="en-US" sz="900">
                 <a:solidFill>
                   <a:schemeClr val="bg1"/>
                 </a:solidFill>
@@ -10947,13 +10612,6 @@
   <p:clrMapOvr>
     <a:masterClrMapping/>
   </p:clrMapOvr>
-  <p:timing>
-    <p:tnLst>
-      <p:par>
-        <p:cTn id="1" dur="indefinite" restart="never" nodeType="tmRoot"/>
-      </p:par>
-    </p:tnLst>
-  </p:timing>
 </p:sld>
 </file>
 
@@ -10995,25 +10653,24 @@
           <a:lstStyle/>
           <a:p>
             <a:r>
-              <a:rPr lang="en-US" dirty="0" smtClean="0"/>
+              <a:rPr lang="en-US" dirty="0"/>
               <a:t>An event handler for the </a:t>
             </a:r>
             <a:r>
-              <a:rPr lang="en-US" dirty="0" err="1" smtClean="0"/>
+              <a:rPr lang="en-US" dirty="0" err="1"/>
               <a:t>dblclick</a:t>
             </a:r>
             <a:r>
-              <a:rPr lang="en-US" dirty="0" smtClean="0"/>
+              <a:rPr lang="en-US" dirty="0"/>
               <a:t> event </a:t>
             </a:r>
             <a:br>
-              <a:rPr lang="en-US" dirty="0" smtClean="0"/>
+              <a:rPr lang="en-US" dirty="0"/>
             </a:br>
             <a:r>
-              <a:rPr lang="en-US" dirty="0" smtClean="0"/>
+              <a:rPr lang="en-US" dirty="0"/>
               <a:t>of a text box</a:t>
             </a:r>
-            <a:endParaRPr lang="en-US" dirty="0"/>
           </a:p>
         </p:txBody>
       </p:sp>
@@ -11039,7 +10696,7 @@
           <a:graphicData uri="http://schemas.openxmlformats.org/presentationml/2006/ole">
             <mc:AlternateContent xmlns:mc="http://schemas.openxmlformats.org/markup-compatibility/2006">
               <mc:Choice xmlns:v="urn:schemas-microsoft-com:vml" Requires="v">
-                <p:oleObj spid="_x0000_s72724" name="Document" r:id="rId3" imgW="7313400" imgH="2996997" progId="Word.Document.12">
+                <p:oleObj spid="_x0000_s72728" name="Document" r:id="rId3" imgW="7313400" imgH="2996997" progId="Word.Document.12">
                   <p:embed/>
                 </p:oleObj>
               </mc:Choice>
@@ -11093,7 +10750,7 @@
               <a:defRPr/>
             </a:pPr>
             <a:r>
-              <a:rPr lang="en-US" smtClean="0"/>
+              <a:rPr lang="en-US"/>
               <a:t>Murach's JavaScript and jQuery (3rd Ed.)</a:t>
             </a:r>
             <a:endParaRPr lang="en-US" dirty="0"/>
@@ -11119,39 +10776,38 @@
               <a:defRPr/>
             </a:pPr>
             <a:r>
-              <a:rPr lang="en-US" smtClean="0"/>
+              <a:rPr lang="en-US"/>
               <a:t>© 2017, Mike Murach &amp; Associates, Inc.</a:t>
             </a:r>
+          </a:p>
+        </p:txBody>
+      </p:sp>
+      <p:sp>
+        <p:nvSpPr>
+          <p:cNvPr id="9" name="Slide Number Placeholder 8"/>
+          <p:cNvSpPr>
+            <a:spLocks noGrp="1"/>
+          </p:cNvSpPr>
+          <p:nvPr>
+            <p:ph type="sldNum" sz="quarter" idx="12"/>
+          </p:nvPr>
+        </p:nvSpPr>
+        <p:spPr/>
+        <p:txBody>
+          <a:bodyPr/>
+          <a:lstStyle/>
+          <a:p>
+            <a:pPr>
+              <a:defRPr/>
+            </a:pPr>
             <a:endParaRPr lang="en-US"/>
           </a:p>
-        </p:txBody>
-      </p:sp>
-      <p:sp>
-        <p:nvSpPr>
-          <p:cNvPr id="9" name="Slide Number Placeholder 8"/>
-          <p:cNvSpPr>
-            <a:spLocks noGrp="1"/>
-          </p:cNvSpPr>
-          <p:nvPr>
-            <p:ph type="sldNum" sz="quarter" idx="12"/>
-          </p:nvPr>
-        </p:nvSpPr>
-        <p:spPr/>
-        <p:txBody>
-          <a:bodyPr/>
-          <a:lstStyle/>
-          <a:p>
-            <a:pPr>
-              <a:defRPr/>
-            </a:pPr>
-            <a:endParaRPr lang="en-US" smtClean="0"/>
-          </a:p>
           <a:p>
             <a:pPr algn="r">
               <a:defRPr/>
             </a:pPr>
             <a:r>
-              <a:rPr lang="en-US" sz="900" smtClean="0">
+              <a:rPr lang="en-US" sz="900">
                 <a:solidFill>
                   <a:schemeClr val="bg1"/>
                 </a:solidFill>
@@ -11190,13 +10846,6 @@
   <p:clrMapOvr>
     <a:masterClrMapping/>
   </p:clrMapOvr>
-  <p:timing>
-    <p:tnLst>
-      <p:par>
-        <p:cTn id="1" dur="indefinite" restart="never" nodeType="tmRoot"/>
-      </p:par>
-    </p:tnLst>
-  </p:timing>
 </p:sld>
 </file>
 
@@ -11238,18 +10887,17 @@
           <a:lstStyle/>
           <a:p>
             <a:r>
-              <a:rPr lang="en-US" dirty="0" smtClean="0"/>
+              <a:rPr lang="en-US" dirty="0"/>
               <a:t>An </a:t>
             </a:r>
             <a:r>
-              <a:rPr lang="en-US" dirty="0" err="1" smtClean="0"/>
+              <a:rPr lang="en-US" dirty="0" err="1"/>
               <a:t>onload</a:t>
             </a:r>
             <a:r>
-              <a:rPr lang="en-US" dirty="0" smtClean="0"/>
+              <a:rPr lang="en-US" dirty="0"/>
               <a:t> event handler that assigns event handlers to events</a:t>
             </a:r>
-            <a:endParaRPr lang="en-US" dirty="0"/>
           </a:p>
         </p:txBody>
       </p:sp>
@@ -11275,7 +10923,7 @@
           <a:graphicData uri="http://schemas.openxmlformats.org/presentationml/2006/ole">
             <mc:AlternateContent xmlns:mc="http://schemas.openxmlformats.org/markup-compatibility/2006">
               <mc:Choice xmlns:v="urn:schemas-microsoft-com:vml" Requires="v">
-                <p:oleObj spid="_x0000_s73747" name="Document" r:id="rId3" imgW="7313400" imgH="2998436" progId="Word.Document.12">
+                <p:oleObj spid="_x0000_s73751" name="Document" r:id="rId3" imgW="7313400" imgH="2998436" progId="Word.Document.12">
                   <p:embed/>
                 </p:oleObj>
               </mc:Choice>
@@ -11329,7 +10977,7 @@
               <a:defRPr/>
             </a:pPr>
             <a:r>
-              <a:rPr lang="en-US" smtClean="0"/>
+              <a:rPr lang="en-US"/>
               <a:t>Murach's JavaScript and jQuery (3rd Ed.)</a:t>
             </a:r>
             <a:endParaRPr lang="en-US" dirty="0"/>
@@ -11355,39 +11003,38 @@
               <a:defRPr/>
             </a:pPr>
             <a:r>
-              <a:rPr lang="en-US" smtClean="0"/>
+              <a:rPr lang="en-US"/>
               <a:t>© 2017, Mike Murach &amp; Associates, Inc.</a:t>
             </a:r>
+          </a:p>
+        </p:txBody>
+      </p:sp>
+      <p:sp>
+        <p:nvSpPr>
+          <p:cNvPr id="9" name="Slide Number Placeholder 8"/>
+          <p:cNvSpPr>
+            <a:spLocks noGrp="1"/>
+          </p:cNvSpPr>
+          <p:nvPr>
+            <p:ph type="sldNum" sz="quarter" idx="12"/>
+          </p:nvPr>
+        </p:nvSpPr>
+        <p:spPr/>
+        <p:txBody>
+          <a:bodyPr/>
+          <a:lstStyle/>
+          <a:p>
+            <a:pPr>
+              <a:defRPr/>
+            </a:pPr>
             <a:endParaRPr lang="en-US"/>
           </a:p>
-        </p:txBody>
-      </p:sp>
-      <p:sp>
-        <p:nvSpPr>
-          <p:cNvPr id="9" name="Slide Number Placeholder 8"/>
-          <p:cNvSpPr>
-            <a:spLocks noGrp="1"/>
-          </p:cNvSpPr>
-          <p:nvPr>
-            <p:ph type="sldNum" sz="quarter" idx="12"/>
-          </p:nvPr>
-        </p:nvSpPr>
-        <p:spPr/>
-        <p:txBody>
-          <a:bodyPr/>
-          <a:lstStyle/>
-          <a:p>
-            <a:pPr>
-              <a:defRPr/>
-            </a:pPr>
-            <a:endParaRPr lang="en-US" smtClean="0"/>
-          </a:p>
           <a:p>
             <a:pPr algn="r">
               <a:defRPr/>
             </a:pPr>
             <a:r>
-              <a:rPr lang="en-US" sz="900" smtClean="0">
+              <a:rPr lang="en-US" sz="900">
                 <a:solidFill>
                   <a:schemeClr val="bg1"/>
                 </a:solidFill>
@@ -11426,13 +11073,6 @@
   <p:clrMapOvr>
     <a:masterClrMapping/>
   </p:clrMapOvr>
-  <p:timing>
-    <p:tnLst>
-      <p:par>
-        <p:cTn id="1" dur="indefinite" restart="never" nodeType="tmRoot"/>
-      </p:par>
-    </p:tnLst>
-  </p:timing>
 </p:sld>
 </file>
 
@@ -11469,41 +11109,40 @@
           <a:lstStyle/>
           <a:p>
             <a:r>
-              <a:rPr lang="en-US" dirty="0" smtClean="0"/>
+              <a:rPr lang="en-US" dirty="0"/>
               <a:t>The Register application in a browser</a:t>
             </a:r>
+          </a:p>
+        </p:txBody>
+      </p:sp>
+      <p:sp>
+        <p:nvSpPr>
+          <p:cNvPr id="6" name="Date Placeholder 5"/>
+          <p:cNvSpPr>
+            <a:spLocks noGrp="1"/>
+          </p:cNvSpPr>
+          <p:nvPr>
+            <p:ph type="dt" sz="half" idx="10"/>
+          </p:nvPr>
+        </p:nvSpPr>
+        <p:spPr/>
+        <p:txBody>
+          <a:bodyPr/>
+          <a:lstStyle/>
+          <a:p>
+            <a:pPr>
+              <a:defRPr/>
+            </a:pPr>
+            <a:r>
+              <a:rPr lang="en-US"/>
+              <a:t>Murach's JavaScript and jQuery (3rd Ed.)</a:t>
+            </a:r>
             <a:endParaRPr lang="en-US" dirty="0"/>
           </a:p>
         </p:txBody>
       </p:sp>
       <p:sp>
         <p:nvSpPr>
-          <p:cNvPr id="6" name="Date Placeholder 5"/>
-          <p:cNvSpPr>
-            <a:spLocks noGrp="1"/>
-          </p:cNvSpPr>
-          <p:nvPr>
-            <p:ph type="dt" sz="half" idx="10"/>
-          </p:nvPr>
-        </p:nvSpPr>
-        <p:spPr/>
-        <p:txBody>
-          <a:bodyPr/>
-          <a:lstStyle/>
-          <a:p>
-            <a:pPr>
-              <a:defRPr/>
-            </a:pPr>
-            <a:r>
-              <a:rPr lang="en-US" smtClean="0"/>
-              <a:t>Murach's JavaScript and jQuery (3rd Ed.)</a:t>
-            </a:r>
-            <a:endParaRPr lang="en-US" dirty="0"/>
-          </a:p>
-        </p:txBody>
-      </p:sp>
-      <p:sp>
-        <p:nvSpPr>
           <p:cNvPr id="7" name="Footer Placeholder 6"/>
           <p:cNvSpPr>
             <a:spLocks noGrp="1"/>
@@ -11521,39 +11160,38 @@
               <a:defRPr/>
             </a:pPr>
             <a:r>
-              <a:rPr lang="en-US" smtClean="0"/>
+              <a:rPr lang="en-US"/>
               <a:t>© 2017, Mike Murach &amp; Associates, Inc.</a:t>
             </a:r>
+          </a:p>
+        </p:txBody>
+      </p:sp>
+      <p:sp>
+        <p:nvSpPr>
+          <p:cNvPr id="9" name="Slide Number Placeholder 8"/>
+          <p:cNvSpPr>
+            <a:spLocks noGrp="1"/>
+          </p:cNvSpPr>
+          <p:nvPr>
+            <p:ph type="sldNum" sz="quarter" idx="12"/>
+          </p:nvPr>
+        </p:nvSpPr>
+        <p:spPr/>
+        <p:txBody>
+          <a:bodyPr/>
+          <a:lstStyle/>
+          <a:p>
+            <a:pPr>
+              <a:defRPr/>
+            </a:pPr>
             <a:endParaRPr lang="en-US"/>
           </a:p>
-        </p:txBody>
-      </p:sp>
-      <p:sp>
-        <p:nvSpPr>
-          <p:cNvPr id="9" name="Slide Number Placeholder 8"/>
-          <p:cNvSpPr>
-            <a:spLocks noGrp="1"/>
-          </p:cNvSpPr>
-          <p:nvPr>
-            <p:ph type="sldNum" sz="quarter" idx="12"/>
-          </p:nvPr>
-        </p:nvSpPr>
-        <p:spPr/>
-        <p:txBody>
-          <a:bodyPr/>
-          <a:lstStyle/>
-          <a:p>
-            <a:pPr>
-              <a:defRPr/>
-            </a:pPr>
-            <a:endParaRPr lang="en-US" smtClean="0"/>
-          </a:p>
           <a:p>
             <a:pPr algn="r">
               <a:defRPr/>
             </a:pPr>
             <a:r>
-              <a:rPr lang="en-US" sz="900" smtClean="0">
+              <a:rPr lang="en-US" sz="900">
                 <a:solidFill>
                   <a:schemeClr val="bg1"/>
                 </a:solidFill>
@@ -11627,13 +11265,6 @@
   <p:clrMapOvr>
     <a:masterClrMapping/>
   </p:clrMapOvr>
-  <p:timing>
-    <p:tnLst>
-      <p:par>
-        <p:cTn id="1" dur="indefinite" restart="never" nodeType="tmRoot"/>
-      </p:par>
-    </p:tnLst>
-  </p:timing>
 </p:sld>
 </file>
 
@@ -11670,10 +11301,9 @@
           <a:lstStyle/>
           <a:p>
             <a:r>
-              <a:rPr lang="en-US" dirty="0" smtClean="0"/>
+              <a:rPr lang="en-US" dirty="0"/>
               <a:t>The HTML of the Register application</a:t>
             </a:r>
-            <a:endParaRPr lang="en-US" dirty="0"/>
           </a:p>
         </p:txBody>
       </p:sp>
@@ -11699,7 +11329,7 @@
           <a:graphicData uri="http://schemas.openxmlformats.org/presentationml/2006/ole">
             <mc:AlternateContent xmlns:mc="http://schemas.openxmlformats.org/markup-compatibility/2006">
               <mc:Choice xmlns:v="urn:schemas-microsoft-com:vml" Requires="v">
-                <p:oleObj spid="_x0000_s74772" name="Document" r:id="rId3" imgW="7313400" imgH="4597674" progId="Word.Document.12">
+                <p:oleObj spid="_x0000_s74776" name="Document" r:id="rId3" imgW="7313400" imgH="4597674" progId="Word.Document.12">
                   <p:embed/>
                 </p:oleObj>
               </mc:Choice>
@@ -11753,7 +11383,7 @@
               <a:defRPr/>
             </a:pPr>
             <a:r>
-              <a:rPr lang="en-US" smtClean="0"/>
+              <a:rPr lang="en-US"/>
               <a:t>Murach's JavaScript and jQuery (3rd Ed.)</a:t>
             </a:r>
             <a:endParaRPr lang="en-US" dirty="0"/>
@@ -11779,39 +11409,38 @@
               <a:defRPr/>
             </a:pPr>
             <a:r>
-              <a:rPr lang="en-US" smtClean="0"/>
+              <a:rPr lang="en-US"/>
               <a:t>© 2017, Mike Murach &amp; Associates, Inc.</a:t>
             </a:r>
+          </a:p>
+        </p:txBody>
+      </p:sp>
+      <p:sp>
+        <p:nvSpPr>
+          <p:cNvPr id="9" name="Slide Number Placeholder 8"/>
+          <p:cNvSpPr>
+            <a:spLocks noGrp="1"/>
+          </p:cNvSpPr>
+          <p:nvPr>
+            <p:ph type="sldNum" sz="quarter" idx="12"/>
+          </p:nvPr>
+        </p:nvSpPr>
+        <p:spPr/>
+        <p:txBody>
+          <a:bodyPr/>
+          <a:lstStyle/>
+          <a:p>
+            <a:pPr>
+              <a:defRPr/>
+            </a:pPr>
             <a:endParaRPr lang="en-US"/>
           </a:p>
-        </p:txBody>
-      </p:sp>
-      <p:sp>
-        <p:nvSpPr>
-          <p:cNvPr id="9" name="Slide Number Placeholder 8"/>
-          <p:cNvSpPr>
-            <a:spLocks noGrp="1"/>
-          </p:cNvSpPr>
-          <p:nvPr>
-            <p:ph type="sldNum" sz="quarter" idx="12"/>
-          </p:nvPr>
-        </p:nvSpPr>
-        <p:spPr/>
-        <p:txBody>
-          <a:bodyPr/>
-          <a:lstStyle/>
-          <a:p>
-            <a:pPr>
-              <a:defRPr/>
-            </a:pPr>
-            <a:endParaRPr lang="en-US" smtClean="0"/>
-          </a:p>
           <a:p>
             <a:pPr algn="r">
               <a:defRPr/>
             </a:pPr>
             <a:r>
-              <a:rPr lang="en-US" sz="900" smtClean="0">
+              <a:rPr lang="en-US" sz="900">
                 <a:solidFill>
                   <a:schemeClr val="bg1"/>
                 </a:solidFill>
@@ -11850,13 +11479,6 @@
   <p:clrMapOvr>
     <a:masterClrMapping/>
   </p:clrMapOvr>
-  <p:timing>
-    <p:tnLst>
-      <p:par>
-        <p:cTn id="1" dur="indefinite" restart="never" nodeType="tmRoot"/>
-      </p:par>
-    </p:tnLst>
-  </p:timing>
 </p:sld>
 </file>
 
@@ -11893,10 +11515,9 @@
           <a:lstStyle/>
           <a:p>
             <a:r>
-              <a:rPr lang="en-US" dirty="0" smtClean="0"/>
+              <a:rPr lang="en-US" dirty="0"/>
               <a:t>The HTML (continued)</a:t>
             </a:r>
-            <a:endParaRPr lang="en-US" dirty="0"/>
           </a:p>
         </p:txBody>
       </p:sp>
@@ -11922,7 +11543,7 @@
           <a:graphicData uri="http://schemas.openxmlformats.org/presentationml/2006/ole">
             <mc:AlternateContent xmlns:mc="http://schemas.openxmlformats.org/markup-compatibility/2006">
               <mc:Choice xmlns:v="urn:schemas-microsoft-com:vml" Requires="v">
-                <p:oleObj spid="_x0000_s75796" name="Document" r:id="rId3" imgW="7313400" imgH="4597674" progId="Word.Document.12">
+                <p:oleObj spid="_x0000_s75800" name="Document" r:id="rId3" imgW="7313400" imgH="4597674" progId="Word.Document.12">
                   <p:embed/>
                 </p:oleObj>
               </mc:Choice>
@@ -11976,7 +11597,7 @@
               <a:defRPr/>
             </a:pPr>
             <a:r>
-              <a:rPr lang="en-US" smtClean="0"/>
+              <a:rPr lang="en-US"/>
               <a:t>Murach's JavaScript and jQuery (3rd Ed.)</a:t>
             </a:r>
             <a:endParaRPr lang="en-US" dirty="0"/>
@@ -12002,39 +11623,38 @@
               <a:defRPr/>
             </a:pPr>
             <a:r>
-              <a:rPr lang="en-US" smtClean="0"/>
+              <a:rPr lang="en-US"/>
               <a:t>© 2017, Mike Murach &amp; Associates, Inc.</a:t>
             </a:r>
+          </a:p>
+        </p:txBody>
+      </p:sp>
+      <p:sp>
+        <p:nvSpPr>
+          <p:cNvPr id="9" name="Slide Number Placeholder 8"/>
+          <p:cNvSpPr>
+            <a:spLocks noGrp="1"/>
+          </p:cNvSpPr>
+          <p:nvPr>
+            <p:ph type="sldNum" sz="quarter" idx="12"/>
+          </p:nvPr>
+        </p:nvSpPr>
+        <p:spPr/>
+        <p:txBody>
+          <a:bodyPr/>
+          <a:lstStyle/>
+          <a:p>
+            <a:pPr>
+              <a:defRPr/>
+            </a:pPr>
             <a:endParaRPr lang="en-US"/>
           </a:p>
-        </p:txBody>
-      </p:sp>
-      <p:sp>
-        <p:nvSpPr>
-          <p:cNvPr id="9" name="Slide Number Placeholder 8"/>
-          <p:cNvSpPr>
-            <a:spLocks noGrp="1"/>
-          </p:cNvSpPr>
-          <p:nvPr>
-            <p:ph type="sldNum" sz="quarter" idx="12"/>
-          </p:nvPr>
-        </p:nvSpPr>
-        <p:spPr/>
-        <p:txBody>
-          <a:bodyPr/>
-          <a:lstStyle/>
-          <a:p>
-            <a:pPr>
-              <a:defRPr/>
-            </a:pPr>
-            <a:endParaRPr lang="en-US" smtClean="0"/>
-          </a:p>
           <a:p>
             <a:pPr algn="r">
               <a:defRPr/>
             </a:pPr>
             <a:r>
-              <a:rPr lang="en-US" sz="900" smtClean="0">
+              <a:rPr lang="en-US" sz="900">
                 <a:solidFill>
                   <a:schemeClr val="bg1"/>
                 </a:solidFill>
@@ -12073,13 +11693,6 @@
   <p:clrMapOvr>
     <a:masterClrMapping/>
   </p:clrMapOvr>
-  <p:timing>
-    <p:tnLst>
-      <p:par>
-        <p:cTn id="1" dur="indefinite" restart="never" nodeType="tmRoot"/>
-      </p:par>
-    </p:tnLst>
-  </p:timing>
 </p:sld>
 </file>
 
@@ -12121,17 +11734,16 @@
           <a:lstStyle/>
           <a:p>
             <a:r>
-              <a:rPr lang="en-US" dirty="0" smtClean="0"/>
+              <a:rPr lang="en-US" dirty="0"/>
               <a:t>The CSS for the span elements </a:t>
             </a:r>
             <a:br>
-              <a:rPr lang="en-US" dirty="0" smtClean="0"/>
+              <a:rPr lang="en-US" dirty="0"/>
             </a:br>
             <a:r>
-              <a:rPr lang="en-US" dirty="0" smtClean="0"/>
+              <a:rPr lang="en-US" dirty="0"/>
               <a:t>in the registration form</a:t>
             </a:r>
-            <a:endParaRPr lang="en-US" dirty="0"/>
           </a:p>
         </p:txBody>
       </p:sp>
@@ -12157,7 +11769,7 @@
           <a:graphicData uri="http://schemas.openxmlformats.org/presentationml/2006/ole">
             <mc:AlternateContent xmlns:mc="http://schemas.openxmlformats.org/markup-compatibility/2006">
               <mc:Choice xmlns:v="urn:schemas-microsoft-com:vml" Requires="v">
-                <p:oleObj spid="_x0000_s76819" name="Document" r:id="rId3" imgW="7301323" imgH="4604523" progId="Word.Document.12">
+                <p:oleObj spid="_x0000_s76823" name="Document" r:id="rId3" imgW="7301323" imgH="4604523" progId="Word.Document.12">
                   <p:embed/>
                 </p:oleObj>
               </mc:Choice>
@@ -12211,7 +11823,7 @@
               <a:defRPr/>
             </a:pPr>
             <a:r>
-              <a:rPr lang="en-US" smtClean="0"/>
+              <a:rPr lang="en-US"/>
               <a:t>Murach's JavaScript and jQuery (3rd Ed.)</a:t>
             </a:r>
             <a:endParaRPr lang="en-US" dirty="0"/>
@@ -12237,39 +11849,38 @@
               <a:defRPr/>
             </a:pPr>
             <a:r>
-              <a:rPr lang="en-US" smtClean="0"/>
+              <a:rPr lang="en-US"/>
               <a:t>© 2017, Mike Murach &amp; Associates, Inc.</a:t>
             </a:r>
+          </a:p>
+        </p:txBody>
+      </p:sp>
+      <p:sp>
+        <p:nvSpPr>
+          <p:cNvPr id="9" name="Slide Number Placeholder 8"/>
+          <p:cNvSpPr>
+            <a:spLocks noGrp="1"/>
+          </p:cNvSpPr>
+          <p:nvPr>
+            <p:ph type="sldNum" sz="quarter" idx="12"/>
+          </p:nvPr>
+        </p:nvSpPr>
+        <p:spPr/>
+        <p:txBody>
+          <a:bodyPr/>
+          <a:lstStyle/>
+          <a:p>
+            <a:pPr>
+              <a:defRPr/>
+            </a:pPr>
             <a:endParaRPr lang="en-US"/>
           </a:p>
-        </p:txBody>
-      </p:sp>
-      <p:sp>
-        <p:nvSpPr>
-          <p:cNvPr id="9" name="Slide Number Placeholder 8"/>
-          <p:cNvSpPr>
-            <a:spLocks noGrp="1"/>
-          </p:cNvSpPr>
-          <p:nvPr>
-            <p:ph type="sldNum" sz="quarter" idx="12"/>
-          </p:nvPr>
-        </p:nvSpPr>
-        <p:spPr/>
-        <p:txBody>
-          <a:bodyPr/>
-          <a:lstStyle/>
-          <a:p>
-            <a:pPr>
-              <a:defRPr/>
-            </a:pPr>
-            <a:endParaRPr lang="en-US" smtClean="0"/>
-          </a:p>
           <a:p>
             <a:pPr algn="r">
               <a:defRPr/>
             </a:pPr>
             <a:r>
-              <a:rPr lang="en-US" sz="900" smtClean="0">
+              <a:rPr lang="en-US" sz="900">
                 <a:solidFill>
                   <a:schemeClr val="bg1"/>
                 </a:solidFill>
@@ -12308,13 +11919,6 @@
   <p:clrMapOvr>
     <a:masterClrMapping/>
   </p:clrMapOvr>
-  <p:timing>
-    <p:tnLst>
-      <p:par>
-        <p:cTn id="1" dur="indefinite" restart="never" nodeType="tmRoot"/>
-      </p:par>
-    </p:tnLst>
-  </p:timing>
 </p:sld>
 </file>
 
@@ -12351,10 +11955,9 @@
           <a:lstStyle/>
           <a:p>
             <a:r>
-              <a:rPr lang="en-US" dirty="0" smtClean="0"/>
+              <a:rPr lang="en-US" dirty="0"/>
               <a:t>The JavaScript for the Register application</a:t>
             </a:r>
-            <a:endParaRPr lang="en-US" dirty="0"/>
           </a:p>
         </p:txBody>
       </p:sp>
@@ -12380,7 +11983,7 @@
           <a:graphicData uri="http://schemas.openxmlformats.org/presentationml/2006/ole">
             <mc:AlternateContent xmlns:mc="http://schemas.openxmlformats.org/markup-compatibility/2006">
               <mc:Choice xmlns:v="urn:schemas-microsoft-com:vml" Requires="v">
-                <p:oleObj spid="_x0000_s77844" name="Document" r:id="rId3" imgW="7643439" imgH="5284860" progId="Word.Document.12">
+                <p:oleObj spid="_x0000_s77848" name="Document" r:id="rId3" imgW="7643439" imgH="5284860" progId="Word.Document.12">
                   <p:embed/>
                 </p:oleObj>
               </mc:Choice>
@@ -12434,7 +12037,7 @@
               <a:defRPr/>
             </a:pPr>
             <a:r>
-              <a:rPr lang="en-US" smtClean="0"/>
+              <a:rPr lang="en-US"/>
               <a:t>Murach's JavaScript and jQuery (3rd Ed.)</a:t>
             </a:r>
             <a:endParaRPr lang="en-US" dirty="0"/>
@@ -12460,39 +12063,38 @@
               <a:defRPr/>
             </a:pPr>
             <a:r>
-              <a:rPr lang="en-US" smtClean="0"/>
+              <a:rPr lang="en-US"/>
               <a:t>© 2017, Mike Murach &amp; Associates, Inc.</a:t>
             </a:r>
+          </a:p>
+        </p:txBody>
+      </p:sp>
+      <p:sp>
+        <p:nvSpPr>
+          <p:cNvPr id="9" name="Slide Number Placeholder 8"/>
+          <p:cNvSpPr>
+            <a:spLocks noGrp="1"/>
+          </p:cNvSpPr>
+          <p:nvPr>
+            <p:ph type="sldNum" sz="quarter" idx="12"/>
+          </p:nvPr>
+        </p:nvSpPr>
+        <p:spPr/>
+        <p:txBody>
+          <a:bodyPr/>
+          <a:lstStyle/>
+          <a:p>
+            <a:pPr>
+              <a:defRPr/>
+            </a:pPr>
             <a:endParaRPr lang="en-US"/>
           </a:p>
-        </p:txBody>
-      </p:sp>
-      <p:sp>
-        <p:nvSpPr>
-          <p:cNvPr id="9" name="Slide Number Placeholder 8"/>
-          <p:cNvSpPr>
-            <a:spLocks noGrp="1"/>
-          </p:cNvSpPr>
-          <p:nvPr>
-            <p:ph type="sldNum" sz="quarter" idx="12"/>
-          </p:nvPr>
-        </p:nvSpPr>
-        <p:spPr/>
-        <p:txBody>
-          <a:bodyPr/>
-          <a:lstStyle/>
-          <a:p>
-            <a:pPr>
-              <a:defRPr/>
-            </a:pPr>
-            <a:endParaRPr lang="en-US" smtClean="0"/>
-          </a:p>
           <a:p>
             <a:pPr algn="r">
               <a:defRPr/>
             </a:pPr>
             <a:r>
-              <a:rPr lang="en-US" sz="900" smtClean="0">
+              <a:rPr lang="en-US" sz="900">
                 <a:solidFill>
                   <a:schemeClr val="bg1"/>
                 </a:solidFill>
@@ -12531,13 +12133,6 @@
   <p:clrMapOvr>
     <a:masterClrMapping/>
   </p:clrMapOvr>
-  <p:timing>
-    <p:tnLst>
-      <p:par>
-        <p:cTn id="1" dur="indefinite" restart="never" nodeType="tmRoot"/>
-      </p:par>
-    </p:tnLst>
-  </p:timing>
 </p:sld>
 </file>
 
@@ -12574,41 +12169,40 @@
           <a:lstStyle/>
           <a:p>
             <a:r>
-              <a:rPr lang="en-US" dirty="0" smtClean="0"/>
+              <a:rPr lang="en-US" dirty="0"/>
               <a:t>The DOM for the web page</a:t>
             </a:r>
+          </a:p>
+        </p:txBody>
+      </p:sp>
+      <p:sp>
+        <p:nvSpPr>
+          <p:cNvPr id="6" name="Date Placeholder 5"/>
+          <p:cNvSpPr>
+            <a:spLocks noGrp="1"/>
+          </p:cNvSpPr>
+          <p:nvPr>
+            <p:ph type="dt" sz="half" idx="10"/>
+          </p:nvPr>
+        </p:nvSpPr>
+        <p:spPr/>
+        <p:txBody>
+          <a:bodyPr/>
+          <a:lstStyle/>
+          <a:p>
+            <a:pPr>
+              <a:defRPr/>
+            </a:pPr>
+            <a:r>
+              <a:rPr lang="en-US"/>
+              <a:t>Murach's JavaScript and jQuery (3rd Ed.)</a:t>
+            </a:r>
             <a:endParaRPr lang="en-US" dirty="0"/>
           </a:p>
         </p:txBody>
       </p:sp>
       <p:sp>
         <p:nvSpPr>
-          <p:cNvPr id="6" name="Date Placeholder 5"/>
-          <p:cNvSpPr>
-            <a:spLocks noGrp="1"/>
-          </p:cNvSpPr>
-          <p:nvPr>
-            <p:ph type="dt" sz="half" idx="10"/>
-          </p:nvPr>
-        </p:nvSpPr>
-        <p:spPr/>
-        <p:txBody>
-          <a:bodyPr/>
-          <a:lstStyle/>
-          <a:p>
-            <a:pPr>
-              <a:defRPr/>
-            </a:pPr>
-            <a:r>
-              <a:rPr lang="en-US" smtClean="0"/>
-              <a:t>Murach's JavaScript and jQuery (3rd Ed.)</a:t>
-            </a:r>
-            <a:endParaRPr lang="en-US" dirty="0"/>
-          </a:p>
-        </p:txBody>
-      </p:sp>
-      <p:sp>
-        <p:nvSpPr>
           <p:cNvPr id="7" name="Footer Placeholder 6"/>
           <p:cNvSpPr>
             <a:spLocks noGrp="1"/>
@@ -12626,39 +12220,38 @@
               <a:defRPr/>
             </a:pPr>
             <a:r>
-              <a:rPr lang="en-US" smtClean="0"/>
+              <a:rPr lang="en-US"/>
               <a:t>© 2017, Mike Murach &amp; Associates, Inc.</a:t>
             </a:r>
+          </a:p>
+        </p:txBody>
+      </p:sp>
+      <p:sp>
+        <p:nvSpPr>
+          <p:cNvPr id="8" name="Slide Number Placeholder 7"/>
+          <p:cNvSpPr>
+            <a:spLocks noGrp="1"/>
+          </p:cNvSpPr>
+          <p:nvPr>
+            <p:ph type="sldNum" sz="quarter" idx="12"/>
+          </p:nvPr>
+        </p:nvSpPr>
+        <p:spPr/>
+        <p:txBody>
+          <a:bodyPr/>
+          <a:lstStyle/>
+          <a:p>
+            <a:pPr>
+              <a:defRPr/>
+            </a:pPr>
             <a:endParaRPr lang="en-US"/>
           </a:p>
-        </p:txBody>
-      </p:sp>
-      <p:sp>
-        <p:nvSpPr>
-          <p:cNvPr id="8" name="Slide Number Placeholder 7"/>
-          <p:cNvSpPr>
-            <a:spLocks noGrp="1"/>
-          </p:cNvSpPr>
-          <p:nvPr>
-            <p:ph type="sldNum" sz="quarter" idx="12"/>
-          </p:nvPr>
-        </p:nvSpPr>
-        <p:spPr/>
-        <p:txBody>
-          <a:bodyPr/>
-          <a:lstStyle/>
-          <a:p>
-            <a:pPr>
-              <a:defRPr/>
-            </a:pPr>
-            <a:endParaRPr lang="en-US" smtClean="0"/>
-          </a:p>
           <a:p>
             <a:pPr algn="r">
               <a:defRPr/>
             </a:pPr>
             <a:r>
-              <a:rPr lang="en-US" sz="900" smtClean="0">
+              <a:rPr lang="en-US" sz="900">
                 <a:solidFill>
                   <a:schemeClr val="bg1"/>
                 </a:solidFill>
@@ -12725,13 +12318,6 @@
   <p:clrMapOvr>
     <a:masterClrMapping/>
   </p:clrMapOvr>
-  <p:timing>
-    <p:tnLst>
-      <p:par>
-        <p:cTn id="1" dur="indefinite" restart="never" nodeType="tmRoot"/>
-      </p:par>
-    </p:tnLst>
-  </p:timing>
 </p:sld>
 </file>
 
@@ -12768,10 +12354,9 @@
           <a:lstStyle/>
           <a:p>
             <a:r>
-              <a:rPr lang="en-US" dirty="0" smtClean="0"/>
+              <a:rPr lang="en-US" dirty="0"/>
               <a:t>The JavaScript (continued)</a:t>
             </a:r>
-            <a:endParaRPr lang="en-US" dirty="0"/>
           </a:p>
         </p:txBody>
       </p:sp>
@@ -12797,7 +12382,7 @@
           <a:graphicData uri="http://schemas.openxmlformats.org/presentationml/2006/ole">
             <mc:AlternateContent xmlns:mc="http://schemas.openxmlformats.org/markup-compatibility/2006">
               <mc:Choice xmlns:v="urn:schemas-microsoft-com:vml" Requires="v">
-                <p:oleObj spid="_x0000_s78868" name="Document" r:id="rId3" imgW="7313400" imgH="5030853" progId="Word.Document.12">
+                <p:oleObj spid="_x0000_s78872" name="Document" r:id="rId3" imgW="7313400" imgH="5030853" progId="Word.Document.12">
                   <p:embed/>
                 </p:oleObj>
               </mc:Choice>
@@ -12851,7 +12436,7 @@
               <a:defRPr/>
             </a:pPr>
             <a:r>
-              <a:rPr lang="en-US" smtClean="0"/>
+              <a:rPr lang="en-US"/>
               <a:t>Murach's JavaScript and jQuery (3rd Ed.)</a:t>
             </a:r>
             <a:endParaRPr lang="en-US" dirty="0"/>
@@ -12877,39 +12462,38 @@
               <a:defRPr/>
             </a:pPr>
             <a:r>
-              <a:rPr lang="en-US" smtClean="0"/>
+              <a:rPr lang="en-US"/>
               <a:t>© 2017, Mike Murach &amp; Associates, Inc.</a:t>
             </a:r>
+          </a:p>
+        </p:txBody>
+      </p:sp>
+      <p:sp>
+        <p:nvSpPr>
+          <p:cNvPr id="9" name="Slide Number Placeholder 8"/>
+          <p:cNvSpPr>
+            <a:spLocks noGrp="1"/>
+          </p:cNvSpPr>
+          <p:nvPr>
+            <p:ph type="sldNum" sz="quarter" idx="12"/>
+          </p:nvPr>
+        </p:nvSpPr>
+        <p:spPr/>
+        <p:txBody>
+          <a:bodyPr/>
+          <a:lstStyle/>
+          <a:p>
+            <a:pPr>
+              <a:defRPr/>
+            </a:pPr>
             <a:endParaRPr lang="en-US"/>
           </a:p>
-        </p:txBody>
-      </p:sp>
-      <p:sp>
-        <p:nvSpPr>
-          <p:cNvPr id="9" name="Slide Number Placeholder 8"/>
-          <p:cNvSpPr>
-            <a:spLocks noGrp="1"/>
-          </p:cNvSpPr>
-          <p:nvPr>
-            <p:ph type="sldNum" sz="quarter" idx="12"/>
-          </p:nvPr>
-        </p:nvSpPr>
-        <p:spPr/>
-        <p:txBody>
-          <a:bodyPr/>
-          <a:lstStyle/>
-          <a:p>
-            <a:pPr>
-              <a:defRPr/>
-            </a:pPr>
-            <a:endParaRPr lang="en-US" smtClean="0"/>
-          </a:p>
           <a:p>
             <a:pPr algn="r">
               <a:defRPr/>
             </a:pPr>
             <a:r>
-              <a:rPr lang="en-US" sz="900" smtClean="0">
+              <a:rPr lang="en-US" sz="900">
                 <a:solidFill>
                   <a:schemeClr val="bg1"/>
                 </a:solidFill>
@@ -12948,13 +12532,6 @@
   <p:clrMapOvr>
     <a:masterClrMapping/>
   </p:clrMapOvr>
-  <p:timing>
-    <p:tnLst>
-      <p:par>
-        <p:cTn id="1" dur="indefinite" restart="never" nodeType="tmRoot"/>
-      </p:par>
-    </p:tnLst>
-  </p:timing>
 </p:sld>
 </file>
 
@@ -12991,10 +12568,9 @@
           <a:lstStyle/>
           <a:p>
             <a:r>
-              <a:rPr lang="en-US" dirty="0" smtClean="0"/>
+              <a:rPr lang="en-US" dirty="0"/>
               <a:t>The JavaScript (continued)</a:t>
             </a:r>
-            <a:endParaRPr lang="en-US" dirty="0"/>
           </a:p>
         </p:txBody>
       </p:sp>
@@ -13020,7 +12596,7 @@
           <a:graphicData uri="http://schemas.openxmlformats.org/presentationml/2006/ole">
             <mc:AlternateContent xmlns:mc="http://schemas.openxmlformats.org/markup-compatibility/2006">
               <mc:Choice xmlns:v="urn:schemas-microsoft-com:vml" Requires="v">
-                <p:oleObj spid="_x0000_s79892" name="Document" r:id="rId3" imgW="7313400" imgH="5032652" progId="Word.Document.12">
+                <p:oleObj spid="_x0000_s79896" name="Document" r:id="rId3" imgW="7313400" imgH="5032652" progId="Word.Document.12">
                   <p:embed/>
                 </p:oleObj>
               </mc:Choice>
@@ -13074,7 +12650,7 @@
               <a:defRPr/>
             </a:pPr>
             <a:r>
-              <a:rPr lang="en-US" smtClean="0"/>
+              <a:rPr lang="en-US"/>
               <a:t>Murach's JavaScript and jQuery (3rd Ed.)</a:t>
             </a:r>
             <a:endParaRPr lang="en-US" dirty="0"/>
@@ -13100,39 +12676,38 @@
               <a:defRPr/>
             </a:pPr>
             <a:r>
-              <a:rPr lang="en-US" smtClean="0"/>
+              <a:rPr lang="en-US"/>
               <a:t>© 2017, Mike Murach &amp; Associates, Inc.</a:t>
             </a:r>
+          </a:p>
+        </p:txBody>
+      </p:sp>
+      <p:sp>
+        <p:nvSpPr>
+          <p:cNvPr id="9" name="Slide Number Placeholder 8"/>
+          <p:cNvSpPr>
+            <a:spLocks noGrp="1"/>
+          </p:cNvSpPr>
+          <p:nvPr>
+            <p:ph type="sldNum" sz="quarter" idx="12"/>
+          </p:nvPr>
+        </p:nvSpPr>
+        <p:spPr/>
+        <p:txBody>
+          <a:bodyPr/>
+          <a:lstStyle/>
+          <a:p>
+            <a:pPr>
+              <a:defRPr/>
+            </a:pPr>
             <a:endParaRPr lang="en-US"/>
           </a:p>
-        </p:txBody>
-      </p:sp>
-      <p:sp>
-        <p:nvSpPr>
-          <p:cNvPr id="9" name="Slide Number Placeholder 8"/>
-          <p:cNvSpPr>
-            <a:spLocks noGrp="1"/>
-          </p:cNvSpPr>
-          <p:nvPr>
-            <p:ph type="sldNum" sz="quarter" idx="12"/>
-          </p:nvPr>
-        </p:nvSpPr>
-        <p:spPr/>
-        <p:txBody>
-          <a:bodyPr/>
-          <a:lstStyle/>
-          <a:p>
-            <a:pPr>
-              <a:defRPr/>
-            </a:pPr>
-            <a:endParaRPr lang="en-US" smtClean="0"/>
-          </a:p>
           <a:p>
             <a:pPr algn="r">
               <a:defRPr/>
             </a:pPr>
             <a:r>
-              <a:rPr lang="en-US" sz="900" smtClean="0">
+              <a:rPr lang="en-US" sz="900">
                 <a:solidFill>
                   <a:schemeClr val="bg1"/>
                 </a:solidFill>
@@ -13171,13 +12746,6 @@
   <p:clrMapOvr>
     <a:masterClrMapping/>
   </p:clrMapOvr>
-  <p:timing>
-    <p:tnLst>
-      <p:par>
-        <p:cTn id="1" dur="indefinite" restart="never" nodeType="tmRoot"/>
-      </p:par>
-    </p:tnLst>
-  </p:timing>
 </p:sld>
 </file>
 
@@ -13220,20 +12788,15 @@
           <a:p>
             <a:r>
               <a:rPr lang="en-US" dirty="0"/>
-              <a:t>One property of the </a:t>
-            </a:r>
-            <a:r>
-              <a:rPr lang="en-US" dirty="0" smtClean="0"/>
-              <a:t>Element interface </a:t>
+              <a:t>One property of the Element interface </a:t>
             </a:r>
             <a:br>
-              <a:rPr lang="en-US" dirty="0" smtClean="0"/>
+              <a:rPr lang="en-US" dirty="0"/>
             </a:br>
             <a:r>
-              <a:rPr lang="en-US" dirty="0" smtClean="0"/>
+              <a:rPr lang="en-US" dirty="0"/>
               <a:t>for setting or returning HTML content</a:t>
             </a:r>
-            <a:endParaRPr lang="en-US" dirty="0"/>
           </a:p>
         </p:txBody>
       </p:sp>
@@ -13259,7 +12822,7 @@
           <a:graphicData uri="http://schemas.openxmlformats.org/presentationml/2006/ole">
             <mc:AlternateContent xmlns:mc="http://schemas.openxmlformats.org/markup-compatibility/2006">
               <mc:Choice xmlns:v="urn:schemas-microsoft-com:vml" Requires="v">
-                <p:oleObj spid="_x0000_s90131" name="Document" r:id="rId3" imgW="7301323" imgH="5039483" progId="Word.Document.12">
+                <p:oleObj spid="_x0000_s90135" name="Document" r:id="rId3" imgW="7301323" imgH="5039483" progId="Word.Document.12">
                   <p:embed/>
                 </p:oleObj>
               </mc:Choice>
@@ -13313,7 +12876,7 @@
               <a:defRPr/>
             </a:pPr>
             <a:r>
-              <a:rPr lang="en-US" smtClean="0"/>
+              <a:rPr lang="en-US"/>
               <a:t>Murach's JavaScript and jQuery (3rd Ed.)</a:t>
             </a:r>
             <a:endParaRPr lang="en-US" dirty="0"/>
@@ -13339,39 +12902,38 @@
               <a:defRPr/>
             </a:pPr>
             <a:r>
-              <a:rPr lang="en-US" smtClean="0"/>
+              <a:rPr lang="en-US"/>
               <a:t>© 2017, Mike Murach &amp; Associates, Inc.</a:t>
             </a:r>
+          </a:p>
+        </p:txBody>
+      </p:sp>
+      <p:sp>
+        <p:nvSpPr>
+          <p:cNvPr id="9" name="Slide Number Placeholder 8"/>
+          <p:cNvSpPr>
+            <a:spLocks noGrp="1"/>
+          </p:cNvSpPr>
+          <p:nvPr>
+            <p:ph type="sldNum" sz="quarter" idx="12"/>
+          </p:nvPr>
+        </p:nvSpPr>
+        <p:spPr/>
+        <p:txBody>
+          <a:bodyPr/>
+          <a:lstStyle/>
+          <a:p>
+            <a:pPr>
+              <a:defRPr/>
+            </a:pPr>
             <a:endParaRPr lang="en-US"/>
           </a:p>
-        </p:txBody>
-      </p:sp>
-      <p:sp>
-        <p:nvSpPr>
-          <p:cNvPr id="9" name="Slide Number Placeholder 8"/>
-          <p:cNvSpPr>
-            <a:spLocks noGrp="1"/>
-          </p:cNvSpPr>
-          <p:nvPr>
-            <p:ph type="sldNum" sz="quarter" idx="12"/>
-          </p:nvPr>
-        </p:nvSpPr>
-        <p:spPr/>
-        <p:txBody>
-          <a:bodyPr/>
-          <a:lstStyle/>
-          <a:p>
-            <a:pPr>
-              <a:defRPr/>
-            </a:pPr>
-            <a:endParaRPr lang="en-US" smtClean="0"/>
-          </a:p>
           <a:p>
             <a:pPr algn="r">
               <a:defRPr/>
             </a:pPr>
             <a:r>
-              <a:rPr lang="en-US" sz="900" smtClean="0">
+              <a:rPr lang="en-US" sz="900">
                 <a:solidFill>
                   <a:schemeClr val="bg1"/>
                 </a:solidFill>
@@ -13410,13 +12972,6 @@
   <p:clrMapOvr>
     <a:masterClrMapping/>
   </p:clrMapOvr>
-  <p:timing>
-    <p:tnLst>
-      <p:par>
-        <p:cTn id="1" dur="indefinite" restart="never" nodeType="tmRoot"/>
-      </p:par>
-    </p:tnLst>
-  </p:timing>
 </p:sld>
 </file>
 
@@ -13483,7 +13038,7 @@
               <a:defRPr/>
             </a:pPr>
             <a:r>
-              <a:rPr lang="en-US" smtClean="0"/>
+              <a:rPr lang="en-US"/>
               <a:t>Murach's JavaScript and jQuery (3rd Ed.)</a:t>
             </a:r>
             <a:endParaRPr lang="en-US" dirty="0"/>
@@ -13509,39 +13064,38 @@
               <a:defRPr/>
             </a:pPr>
             <a:r>
-              <a:rPr lang="en-US" smtClean="0"/>
+              <a:rPr lang="en-US"/>
               <a:t>© 2017, Mike Murach &amp; Associates, Inc.</a:t>
             </a:r>
+          </a:p>
+        </p:txBody>
+      </p:sp>
+      <p:sp>
+        <p:nvSpPr>
+          <p:cNvPr id="5" name="Slide Number Placeholder 4"/>
+          <p:cNvSpPr>
+            <a:spLocks noGrp="1"/>
+          </p:cNvSpPr>
+          <p:nvPr>
+            <p:ph type="sldNum" sz="quarter" idx="12"/>
+          </p:nvPr>
+        </p:nvSpPr>
+        <p:spPr/>
+        <p:txBody>
+          <a:bodyPr/>
+          <a:lstStyle/>
+          <a:p>
+            <a:pPr>
+              <a:defRPr/>
+            </a:pPr>
             <a:endParaRPr lang="en-US"/>
           </a:p>
-        </p:txBody>
-      </p:sp>
-      <p:sp>
-        <p:nvSpPr>
-          <p:cNvPr id="5" name="Slide Number Placeholder 4"/>
-          <p:cNvSpPr>
-            <a:spLocks noGrp="1"/>
-          </p:cNvSpPr>
-          <p:nvPr>
-            <p:ph type="sldNum" sz="quarter" idx="12"/>
-          </p:nvPr>
-        </p:nvSpPr>
-        <p:spPr/>
-        <p:txBody>
-          <a:bodyPr/>
-          <a:lstStyle/>
-          <a:p>
-            <a:pPr>
-              <a:defRPr/>
-            </a:pPr>
-            <a:endParaRPr lang="en-US" smtClean="0"/>
-          </a:p>
           <a:p>
             <a:pPr algn="r">
               <a:defRPr/>
             </a:pPr>
             <a:r>
-              <a:rPr lang="en-US" sz="900" smtClean="0">
+              <a:rPr lang="en-US" sz="900">
                 <a:solidFill>
                   <a:schemeClr val="bg1"/>
                 </a:solidFill>
@@ -13615,13 +13169,6 @@
   <p:clrMapOvr>
     <a:masterClrMapping/>
   </p:clrMapOvr>
-  <p:timing>
-    <p:tnLst>
-      <p:par>
-        <p:cTn id="1" dur="indefinite" restart="never" nodeType="tmRoot"/>
-      </p:par>
-    </p:tnLst>
-  </p:timing>
 </p:sld>
 </file>
 
@@ -13688,7 +13235,7 @@
               <a:defRPr/>
             </a:pPr>
             <a:r>
-              <a:rPr lang="en-US" smtClean="0"/>
+              <a:rPr lang="en-US"/>
               <a:t>Murach's JavaScript and jQuery (3rd Ed.)</a:t>
             </a:r>
             <a:endParaRPr lang="en-US" dirty="0"/>
@@ -13714,39 +13261,38 @@
               <a:defRPr/>
             </a:pPr>
             <a:r>
-              <a:rPr lang="en-US" smtClean="0"/>
+              <a:rPr lang="en-US"/>
               <a:t>© 2017, Mike Murach &amp; Associates, Inc.</a:t>
             </a:r>
+          </a:p>
+        </p:txBody>
+      </p:sp>
+      <p:sp>
+        <p:nvSpPr>
+          <p:cNvPr id="5" name="Slide Number Placeholder 4"/>
+          <p:cNvSpPr>
+            <a:spLocks noGrp="1"/>
+          </p:cNvSpPr>
+          <p:nvPr>
+            <p:ph type="sldNum" sz="quarter" idx="12"/>
+          </p:nvPr>
+        </p:nvSpPr>
+        <p:spPr/>
+        <p:txBody>
+          <a:bodyPr/>
+          <a:lstStyle/>
+          <a:p>
+            <a:pPr>
+              <a:defRPr/>
+            </a:pPr>
             <a:endParaRPr lang="en-US"/>
           </a:p>
-        </p:txBody>
-      </p:sp>
-      <p:sp>
-        <p:nvSpPr>
-          <p:cNvPr id="5" name="Slide Number Placeholder 4"/>
-          <p:cNvSpPr>
-            <a:spLocks noGrp="1"/>
-          </p:cNvSpPr>
-          <p:nvPr>
-            <p:ph type="sldNum" sz="quarter" idx="12"/>
-          </p:nvPr>
-        </p:nvSpPr>
-        <p:spPr/>
-        <p:txBody>
-          <a:bodyPr/>
-          <a:lstStyle/>
-          <a:p>
-            <a:pPr>
-              <a:defRPr/>
-            </a:pPr>
-            <a:endParaRPr lang="en-US" smtClean="0"/>
-          </a:p>
           <a:p>
             <a:pPr algn="r">
               <a:defRPr/>
             </a:pPr>
             <a:r>
-              <a:rPr lang="en-US" sz="900" smtClean="0">
+              <a:rPr lang="en-US" sz="900">
                 <a:solidFill>
                   <a:schemeClr val="bg1"/>
                 </a:solidFill>
@@ -13797,7 +13343,7 @@
           <a:graphicData uri="http://schemas.openxmlformats.org/presentationml/2006/ole">
             <mc:AlternateContent xmlns:mc="http://schemas.openxmlformats.org/markup-compatibility/2006">
               <mc:Choice xmlns:v="urn:schemas-microsoft-com:vml" Requires="v">
-                <p:oleObj spid="_x0000_s101382" name="Document" r:id="rId3" imgW="7313400" imgH="1380130" progId="Word.Document.12">
+                <p:oleObj spid="_x0000_s101386" name="Document" r:id="rId3" imgW="7313400" imgH="1380130" progId="Word.Document.12">
                   <p:embed/>
                 </p:oleObj>
               </mc:Choice>
@@ -13842,13 +13388,6 @@
   <p:clrMapOvr>
     <a:masterClrMapping/>
   </p:clrMapOvr>
-  <p:timing>
-    <p:tnLst>
-      <p:par>
-        <p:cTn id="1" dur="indefinite" restart="never" nodeType="tmRoot"/>
-      </p:par>
-    </p:tnLst>
-  </p:timing>
 </p:sld>
 </file>
 
@@ -13915,7 +13454,7 @@
               <a:defRPr/>
             </a:pPr>
             <a:r>
-              <a:rPr lang="en-US" smtClean="0"/>
+              <a:rPr lang="en-US"/>
               <a:t>Murach's JavaScript and jQuery (3rd Ed.)</a:t>
             </a:r>
             <a:endParaRPr lang="en-US" dirty="0"/>
@@ -13941,39 +13480,38 @@
               <a:defRPr/>
             </a:pPr>
             <a:r>
-              <a:rPr lang="en-US" smtClean="0"/>
+              <a:rPr lang="en-US"/>
               <a:t>© 2017, Mike Murach &amp; Associates, Inc.</a:t>
             </a:r>
+          </a:p>
+        </p:txBody>
+      </p:sp>
+      <p:sp>
+        <p:nvSpPr>
+          <p:cNvPr id="5" name="Slide Number Placeholder 4"/>
+          <p:cNvSpPr>
+            <a:spLocks noGrp="1"/>
+          </p:cNvSpPr>
+          <p:nvPr>
+            <p:ph type="sldNum" sz="quarter" idx="12"/>
+          </p:nvPr>
+        </p:nvSpPr>
+        <p:spPr/>
+        <p:txBody>
+          <a:bodyPr/>
+          <a:lstStyle/>
+          <a:p>
+            <a:pPr>
+              <a:defRPr/>
+            </a:pPr>
             <a:endParaRPr lang="en-US"/>
           </a:p>
-        </p:txBody>
-      </p:sp>
-      <p:sp>
-        <p:nvSpPr>
-          <p:cNvPr id="5" name="Slide Number Placeholder 4"/>
-          <p:cNvSpPr>
-            <a:spLocks noGrp="1"/>
-          </p:cNvSpPr>
-          <p:nvPr>
-            <p:ph type="sldNum" sz="quarter" idx="12"/>
-          </p:nvPr>
-        </p:nvSpPr>
-        <p:spPr/>
-        <p:txBody>
-          <a:bodyPr/>
-          <a:lstStyle/>
-          <a:p>
-            <a:pPr>
-              <a:defRPr/>
-            </a:pPr>
-            <a:endParaRPr lang="en-US" smtClean="0"/>
-          </a:p>
           <a:p>
             <a:pPr algn="r">
               <a:defRPr/>
             </a:pPr>
             <a:r>
-              <a:rPr lang="en-US" sz="900" smtClean="0">
+              <a:rPr lang="en-US" sz="900">
                 <a:solidFill>
                   <a:schemeClr val="bg1"/>
                 </a:solidFill>
@@ -14024,7 +13562,7 @@
           <a:graphicData uri="http://schemas.openxmlformats.org/presentationml/2006/ole">
             <mc:AlternateContent xmlns:mc="http://schemas.openxmlformats.org/markup-compatibility/2006">
               <mc:Choice xmlns:v="urn:schemas-microsoft-com:vml" Requires="v">
-                <p:oleObj spid="_x0000_s102406" name="Document" r:id="rId3" imgW="7313400" imgH="3680945" progId="Word.Document.12">
+                <p:oleObj spid="_x0000_s102410" name="Document" r:id="rId3" imgW="7313400" imgH="3680945" progId="Word.Document.12">
                   <p:embed/>
                 </p:oleObj>
               </mc:Choice>
@@ -14069,13 +13607,6 @@
   <p:clrMapOvr>
     <a:masterClrMapping/>
   </p:clrMapOvr>
-  <p:timing>
-    <p:tnLst>
-      <p:par>
-        <p:cTn id="1" dur="indefinite" restart="never" nodeType="tmRoot"/>
-      </p:par>
-    </p:tnLst>
-  </p:timing>
 </p:sld>
 </file>
 
@@ -14142,7 +13673,7 @@
               <a:defRPr/>
             </a:pPr>
             <a:r>
-              <a:rPr lang="en-US" smtClean="0"/>
+              <a:rPr lang="en-US"/>
               <a:t>Murach's JavaScript and jQuery (3rd Ed.)</a:t>
             </a:r>
             <a:endParaRPr lang="en-US" dirty="0"/>
@@ -14168,39 +13699,38 @@
               <a:defRPr/>
             </a:pPr>
             <a:r>
-              <a:rPr lang="en-US" smtClean="0"/>
+              <a:rPr lang="en-US"/>
               <a:t>© 2017, Mike Murach &amp; Associates, Inc.</a:t>
             </a:r>
+          </a:p>
+        </p:txBody>
+      </p:sp>
+      <p:sp>
+        <p:nvSpPr>
+          <p:cNvPr id="5" name="Slide Number Placeholder 4"/>
+          <p:cNvSpPr>
+            <a:spLocks noGrp="1"/>
+          </p:cNvSpPr>
+          <p:nvPr>
+            <p:ph type="sldNum" sz="quarter" idx="12"/>
+          </p:nvPr>
+        </p:nvSpPr>
+        <p:spPr/>
+        <p:txBody>
+          <a:bodyPr/>
+          <a:lstStyle/>
+          <a:p>
+            <a:pPr>
+              <a:defRPr/>
+            </a:pPr>
             <a:endParaRPr lang="en-US"/>
           </a:p>
-        </p:txBody>
-      </p:sp>
-      <p:sp>
-        <p:nvSpPr>
-          <p:cNvPr id="5" name="Slide Number Placeholder 4"/>
-          <p:cNvSpPr>
-            <a:spLocks noGrp="1"/>
-          </p:cNvSpPr>
-          <p:nvPr>
-            <p:ph type="sldNum" sz="quarter" idx="12"/>
-          </p:nvPr>
-        </p:nvSpPr>
-        <p:spPr/>
-        <p:txBody>
-          <a:bodyPr/>
-          <a:lstStyle/>
-          <a:p>
-            <a:pPr>
-              <a:defRPr/>
-            </a:pPr>
-            <a:endParaRPr lang="en-US" smtClean="0"/>
-          </a:p>
           <a:p>
             <a:pPr algn="r">
               <a:defRPr/>
             </a:pPr>
             <a:r>
-              <a:rPr lang="en-US" sz="900" smtClean="0">
+              <a:rPr lang="en-US" sz="900">
                 <a:solidFill>
                   <a:schemeClr val="bg1"/>
                 </a:solidFill>
@@ -14251,7 +13781,7 @@
           <a:graphicData uri="http://schemas.openxmlformats.org/presentationml/2006/ole">
             <mc:AlternateContent xmlns:mc="http://schemas.openxmlformats.org/markup-compatibility/2006">
               <mc:Choice xmlns:v="urn:schemas-microsoft-com:vml" Requires="v">
-                <p:oleObj spid="_x0000_s103430" name="Document" r:id="rId3" imgW="7313400" imgH="1076832" progId="Word.Document.12">
+                <p:oleObj spid="_x0000_s103434" name="Document" r:id="rId3" imgW="7313400" imgH="1076832" progId="Word.Document.12">
                   <p:embed/>
                 </p:oleObj>
               </mc:Choice>
@@ -14296,13 +13826,6 @@
   <p:clrMapOvr>
     <a:masterClrMapping/>
   </p:clrMapOvr>
-  <p:timing>
-    <p:tnLst>
-      <p:par>
-        <p:cTn id="1" dur="indefinite" restart="never" nodeType="tmRoot"/>
-      </p:par>
-    </p:tnLst>
-  </p:timing>
 </p:sld>
 </file>
 
@@ -14376,7 +13899,7 @@
               <a:defRPr/>
             </a:pPr>
             <a:r>
-              <a:rPr lang="en-US" smtClean="0"/>
+              <a:rPr lang="en-US"/>
               <a:t>Murach's JavaScript and jQuery (3rd Ed.)</a:t>
             </a:r>
             <a:endParaRPr lang="en-US" dirty="0"/>
@@ -14402,39 +13925,38 @@
               <a:defRPr/>
             </a:pPr>
             <a:r>
-              <a:rPr lang="en-US" smtClean="0"/>
+              <a:rPr lang="en-US"/>
               <a:t>© 2017, Mike Murach &amp; Associates, Inc.</a:t>
             </a:r>
+          </a:p>
+        </p:txBody>
+      </p:sp>
+      <p:sp>
+        <p:nvSpPr>
+          <p:cNvPr id="5" name="Slide Number Placeholder 4"/>
+          <p:cNvSpPr>
+            <a:spLocks noGrp="1"/>
+          </p:cNvSpPr>
+          <p:nvPr>
+            <p:ph type="sldNum" sz="quarter" idx="12"/>
+          </p:nvPr>
+        </p:nvSpPr>
+        <p:spPr/>
+        <p:txBody>
+          <a:bodyPr/>
+          <a:lstStyle/>
+          <a:p>
+            <a:pPr>
+              <a:defRPr/>
+            </a:pPr>
             <a:endParaRPr lang="en-US"/>
           </a:p>
-        </p:txBody>
-      </p:sp>
-      <p:sp>
-        <p:nvSpPr>
-          <p:cNvPr id="5" name="Slide Number Placeholder 4"/>
-          <p:cNvSpPr>
-            <a:spLocks noGrp="1"/>
-          </p:cNvSpPr>
-          <p:nvPr>
-            <p:ph type="sldNum" sz="quarter" idx="12"/>
-          </p:nvPr>
-        </p:nvSpPr>
-        <p:spPr/>
-        <p:txBody>
-          <a:bodyPr/>
-          <a:lstStyle/>
-          <a:p>
-            <a:pPr>
-              <a:defRPr/>
-            </a:pPr>
-            <a:endParaRPr lang="en-US" smtClean="0"/>
-          </a:p>
           <a:p>
             <a:pPr algn="r">
               <a:defRPr/>
             </a:pPr>
             <a:r>
-              <a:rPr lang="en-US" sz="900" smtClean="0">
+              <a:rPr lang="en-US" sz="900">
                 <a:solidFill>
                   <a:schemeClr val="bg1"/>
                 </a:solidFill>
@@ -14508,13 +14030,6 @@
   <p:clrMapOvr>
     <a:masterClrMapping/>
   </p:clrMapOvr>
-  <p:timing>
-    <p:tnLst>
-      <p:par>
-        <p:cTn id="1" dur="indefinite" restart="never" nodeType="tmRoot"/>
-      </p:par>
-    </p:tnLst>
-  </p:timing>
 </p:sld>
 </file>
 
@@ -14554,20 +14069,12 @@
               <a:rPr lang="en-US" dirty="0"/>
               <a:t>The Register application with a table </a:t>
             </a:r>
-            <a:r>
-              <a:rPr lang="en-US" dirty="0" smtClean="0"/>
-              <a:t/>
-            </a:r>
             <a:br>
-              <a:rPr lang="en-US" dirty="0" smtClean="0"/>
+              <a:rPr lang="en-US" dirty="0"/>
             </a:br>
             <a:r>
-              <a:rPr lang="en-US" dirty="0" smtClean="0"/>
-              <a:t>that’s </a:t>
-            </a:r>
-            <a:r>
               <a:rPr lang="en-US" dirty="0"/>
-              <a:t>created for the user’s entries</a:t>
+              <a:t>that’s created for the user’s entries</a:t>
             </a:r>
           </a:p>
         </p:txBody>
@@ -14591,7 +14098,7 @@
               <a:defRPr/>
             </a:pPr>
             <a:r>
-              <a:rPr lang="en-US" smtClean="0"/>
+              <a:rPr lang="en-US"/>
               <a:t>Murach's JavaScript and jQuery (3rd Ed.)</a:t>
             </a:r>
             <a:endParaRPr lang="en-US" dirty="0"/>
@@ -14617,39 +14124,38 @@
               <a:defRPr/>
             </a:pPr>
             <a:r>
-              <a:rPr lang="en-US" smtClean="0"/>
+              <a:rPr lang="en-US"/>
               <a:t>© 2017, Mike Murach &amp; Associates, Inc.</a:t>
             </a:r>
+          </a:p>
+        </p:txBody>
+      </p:sp>
+      <p:sp>
+        <p:nvSpPr>
+          <p:cNvPr id="9" name="Slide Number Placeholder 8"/>
+          <p:cNvSpPr>
+            <a:spLocks noGrp="1"/>
+          </p:cNvSpPr>
+          <p:nvPr>
+            <p:ph type="sldNum" sz="quarter" idx="12"/>
+          </p:nvPr>
+        </p:nvSpPr>
+        <p:spPr/>
+        <p:txBody>
+          <a:bodyPr/>
+          <a:lstStyle/>
+          <a:p>
+            <a:pPr>
+              <a:defRPr/>
+            </a:pPr>
             <a:endParaRPr lang="en-US"/>
           </a:p>
-        </p:txBody>
-      </p:sp>
-      <p:sp>
-        <p:nvSpPr>
-          <p:cNvPr id="9" name="Slide Number Placeholder 8"/>
-          <p:cNvSpPr>
-            <a:spLocks noGrp="1"/>
-          </p:cNvSpPr>
-          <p:nvPr>
-            <p:ph type="sldNum" sz="quarter" idx="12"/>
-          </p:nvPr>
-        </p:nvSpPr>
-        <p:spPr/>
-        <p:txBody>
-          <a:bodyPr/>
-          <a:lstStyle/>
-          <a:p>
-            <a:pPr>
-              <a:defRPr/>
-            </a:pPr>
-            <a:endParaRPr lang="en-US" smtClean="0"/>
-          </a:p>
           <a:p>
             <a:pPr algn="r">
               <a:defRPr/>
             </a:pPr>
             <a:r>
-              <a:rPr lang="en-US" sz="900" smtClean="0">
+              <a:rPr lang="en-US" sz="900">
                 <a:solidFill>
                   <a:schemeClr val="bg1"/>
                 </a:solidFill>
@@ -14723,13 +14229,6 @@
   <p:clrMapOvr>
     <a:masterClrMapping/>
   </p:clrMapOvr>
-  <p:timing>
-    <p:tnLst>
-      <p:par>
-        <p:cTn id="1" dur="indefinite" restart="never" nodeType="tmRoot"/>
-      </p:par>
-    </p:tnLst>
-  </p:timing>
 </p:sld>
 </file>
 
@@ -14766,10 +14265,9 @@
           <a:lstStyle/>
           <a:p>
             <a:r>
-              <a:rPr lang="en-US" dirty="0" smtClean="0"/>
+              <a:rPr lang="en-US" dirty="0"/>
               <a:t>The HTML for the elements below the form</a:t>
             </a:r>
-            <a:endParaRPr lang="en-US" dirty="0"/>
           </a:p>
         </p:txBody>
       </p:sp>
@@ -14795,7 +14293,7 @@
           <a:graphicData uri="http://schemas.openxmlformats.org/presentationml/2006/ole">
             <mc:AlternateContent xmlns:mc="http://schemas.openxmlformats.org/markup-compatibility/2006">
               <mc:Choice xmlns:v="urn:schemas-microsoft-com:vml" Requires="v">
-                <p:oleObj spid="_x0000_s92180" name="Document" r:id="rId3" imgW="7313400" imgH="5035530" progId="Word.Document.12">
+                <p:oleObj spid="_x0000_s92184" name="Document" r:id="rId3" imgW="7313400" imgH="5035530" progId="Word.Document.12">
                   <p:embed/>
                 </p:oleObj>
               </mc:Choice>
@@ -14849,7 +14347,7 @@
               <a:defRPr/>
             </a:pPr>
             <a:r>
-              <a:rPr lang="en-US" smtClean="0"/>
+              <a:rPr lang="en-US"/>
               <a:t>Murach's JavaScript and jQuery (3rd Ed.)</a:t>
             </a:r>
             <a:endParaRPr lang="en-US" dirty="0"/>
@@ -14875,39 +14373,38 @@
               <a:defRPr/>
             </a:pPr>
             <a:r>
-              <a:rPr lang="en-US" smtClean="0"/>
+              <a:rPr lang="en-US"/>
               <a:t>© 2017, Mike Murach &amp; Associates, Inc.</a:t>
             </a:r>
+          </a:p>
+        </p:txBody>
+      </p:sp>
+      <p:sp>
+        <p:nvSpPr>
+          <p:cNvPr id="9" name="Slide Number Placeholder 8"/>
+          <p:cNvSpPr>
+            <a:spLocks noGrp="1"/>
+          </p:cNvSpPr>
+          <p:nvPr>
+            <p:ph type="sldNum" sz="quarter" idx="12"/>
+          </p:nvPr>
+        </p:nvSpPr>
+        <p:spPr/>
+        <p:txBody>
+          <a:bodyPr/>
+          <a:lstStyle/>
+          <a:p>
+            <a:pPr>
+              <a:defRPr/>
+            </a:pPr>
             <a:endParaRPr lang="en-US"/>
           </a:p>
-        </p:txBody>
-      </p:sp>
-      <p:sp>
-        <p:nvSpPr>
-          <p:cNvPr id="9" name="Slide Number Placeholder 8"/>
-          <p:cNvSpPr>
-            <a:spLocks noGrp="1"/>
-          </p:cNvSpPr>
-          <p:nvPr>
-            <p:ph type="sldNum" sz="quarter" idx="12"/>
-          </p:nvPr>
-        </p:nvSpPr>
-        <p:spPr/>
-        <p:txBody>
-          <a:bodyPr/>
-          <a:lstStyle/>
-          <a:p>
-            <a:pPr>
-              <a:defRPr/>
-            </a:pPr>
-            <a:endParaRPr lang="en-US" smtClean="0"/>
-          </a:p>
           <a:p>
             <a:pPr algn="r">
               <a:defRPr/>
             </a:pPr>
             <a:r>
-              <a:rPr lang="en-US" sz="900" smtClean="0">
+              <a:rPr lang="en-US" sz="900">
                 <a:solidFill>
                   <a:schemeClr val="bg1"/>
                 </a:solidFill>
@@ -14946,13 +14443,6 @@
   <p:clrMapOvr>
     <a:masterClrMapping/>
   </p:clrMapOvr>
-  <p:timing>
-    <p:tnLst>
-      <p:par>
-        <p:cTn id="1" dur="indefinite" restart="never" nodeType="tmRoot"/>
-      </p:par>
-    </p:tnLst>
-  </p:timing>
 </p:sld>
 </file>
 
@@ -14989,10 +14479,9 @@
           <a:lstStyle/>
           <a:p>
             <a:r>
-              <a:rPr lang="en-US" dirty="0" smtClean="0"/>
+              <a:rPr lang="en-US" dirty="0"/>
               <a:t>The DOM nodes that you commonly use</a:t>
             </a:r>
-            <a:endParaRPr lang="en-US" dirty="0"/>
           </a:p>
         </p:txBody>
       </p:sp>
@@ -15018,7 +14507,7 @@
           <a:graphicData uri="http://schemas.openxmlformats.org/presentationml/2006/ole">
             <mc:AlternateContent xmlns:mc="http://schemas.openxmlformats.org/markup-compatibility/2006">
               <mc:Choice xmlns:v="urn:schemas-microsoft-com:vml" Requires="v">
-                <p:oleObj spid="_x0000_s7198" name="Document" r:id="rId3" imgW="7301323" imgH="1225664" progId="Word.Document.12">
+                <p:oleObj spid="_x0000_s7202" name="Document" r:id="rId3" imgW="7301323" imgH="1225664" progId="Word.Document.12">
                   <p:embed/>
                 </p:oleObj>
               </mc:Choice>
@@ -15072,7 +14561,7 @@
               <a:defRPr/>
             </a:pPr>
             <a:r>
-              <a:rPr lang="en-US" smtClean="0"/>
+              <a:rPr lang="en-US"/>
               <a:t>Murach's JavaScript and jQuery (3rd Ed.)</a:t>
             </a:r>
             <a:endParaRPr lang="en-US" dirty="0"/>
@@ -15098,39 +14587,38 @@
               <a:defRPr/>
             </a:pPr>
             <a:r>
-              <a:rPr lang="en-US" smtClean="0"/>
+              <a:rPr lang="en-US"/>
               <a:t>© 2017, Mike Murach &amp; Associates, Inc.</a:t>
             </a:r>
+          </a:p>
+        </p:txBody>
+      </p:sp>
+      <p:sp>
+        <p:nvSpPr>
+          <p:cNvPr id="9" name="Slide Number Placeholder 8"/>
+          <p:cNvSpPr>
+            <a:spLocks noGrp="1"/>
+          </p:cNvSpPr>
+          <p:nvPr>
+            <p:ph type="sldNum" sz="quarter" idx="12"/>
+          </p:nvPr>
+        </p:nvSpPr>
+        <p:spPr/>
+        <p:txBody>
+          <a:bodyPr/>
+          <a:lstStyle/>
+          <a:p>
+            <a:pPr>
+              <a:defRPr/>
+            </a:pPr>
             <a:endParaRPr lang="en-US"/>
           </a:p>
-        </p:txBody>
-      </p:sp>
-      <p:sp>
-        <p:nvSpPr>
-          <p:cNvPr id="9" name="Slide Number Placeholder 8"/>
-          <p:cNvSpPr>
-            <a:spLocks noGrp="1"/>
-          </p:cNvSpPr>
-          <p:nvPr>
-            <p:ph type="sldNum" sz="quarter" idx="12"/>
-          </p:nvPr>
-        </p:nvSpPr>
-        <p:spPr/>
-        <p:txBody>
-          <a:bodyPr/>
-          <a:lstStyle/>
-          <a:p>
-            <a:pPr>
-              <a:defRPr/>
-            </a:pPr>
-            <a:endParaRPr lang="en-US" smtClean="0"/>
-          </a:p>
           <a:p>
             <a:pPr algn="r">
               <a:defRPr/>
             </a:pPr>
             <a:r>
-              <a:rPr lang="en-US" sz="900" smtClean="0">
+              <a:rPr lang="en-US" sz="900">
                 <a:solidFill>
                   <a:schemeClr val="bg1"/>
                 </a:solidFill>
@@ -15169,13 +14657,6 @@
   <p:clrMapOvr>
     <a:masterClrMapping/>
   </p:clrMapOvr>
-  <p:timing>
-    <p:tnLst>
-      <p:par>
-        <p:cTn id="1" dur="indefinite" restart="never" nodeType="tmRoot"/>
-      </p:par>
-    </p:tnLst>
-  </p:timing>
 </p:sld>
 </file>
 
@@ -15212,10 +14693,9 @@
           <a:lstStyle/>
           <a:p>
             <a:r>
-              <a:rPr lang="en-US" dirty="0" smtClean="0"/>
+              <a:rPr lang="en-US" dirty="0"/>
               <a:t>The CSS for the span elements in the table</a:t>
             </a:r>
-            <a:endParaRPr lang="en-US" dirty="0"/>
           </a:p>
         </p:txBody>
       </p:sp>
@@ -15241,7 +14721,7 @@
           <a:graphicData uri="http://schemas.openxmlformats.org/presentationml/2006/ole">
             <mc:AlternateContent xmlns:mc="http://schemas.openxmlformats.org/markup-compatibility/2006">
               <mc:Choice xmlns:v="urn:schemas-microsoft-com:vml" Requires="v">
-                <p:oleObj spid="_x0000_s93203" name="Document" r:id="rId3" imgW="7313400" imgH="5035530" progId="Word.Document.12">
+                <p:oleObj spid="_x0000_s93207" name="Document" r:id="rId3" imgW="7313400" imgH="5035530" progId="Word.Document.12">
                   <p:embed/>
                 </p:oleObj>
               </mc:Choice>
@@ -15295,7 +14775,7 @@
               <a:defRPr/>
             </a:pPr>
             <a:r>
-              <a:rPr lang="en-US" smtClean="0"/>
+              <a:rPr lang="en-US"/>
               <a:t>Murach's JavaScript and jQuery (3rd Ed.)</a:t>
             </a:r>
             <a:endParaRPr lang="en-US" dirty="0"/>
@@ -15321,39 +14801,38 @@
               <a:defRPr/>
             </a:pPr>
             <a:r>
-              <a:rPr lang="en-US" smtClean="0"/>
+              <a:rPr lang="en-US"/>
               <a:t>© 2017, Mike Murach &amp; Associates, Inc.</a:t>
             </a:r>
+          </a:p>
+        </p:txBody>
+      </p:sp>
+      <p:sp>
+        <p:nvSpPr>
+          <p:cNvPr id="9" name="Slide Number Placeholder 8"/>
+          <p:cNvSpPr>
+            <a:spLocks noGrp="1"/>
+          </p:cNvSpPr>
+          <p:nvPr>
+            <p:ph type="sldNum" sz="quarter" idx="12"/>
+          </p:nvPr>
+        </p:nvSpPr>
+        <p:spPr/>
+        <p:txBody>
+          <a:bodyPr/>
+          <a:lstStyle/>
+          <a:p>
+            <a:pPr>
+              <a:defRPr/>
+            </a:pPr>
             <a:endParaRPr lang="en-US"/>
           </a:p>
-        </p:txBody>
-      </p:sp>
-      <p:sp>
-        <p:nvSpPr>
-          <p:cNvPr id="9" name="Slide Number Placeholder 8"/>
-          <p:cNvSpPr>
-            <a:spLocks noGrp="1"/>
-          </p:cNvSpPr>
-          <p:nvPr>
-            <p:ph type="sldNum" sz="quarter" idx="12"/>
-          </p:nvPr>
-        </p:nvSpPr>
-        <p:spPr/>
-        <p:txBody>
-          <a:bodyPr/>
-          <a:lstStyle/>
-          <a:p>
-            <a:pPr>
-              <a:defRPr/>
-            </a:pPr>
-            <a:endParaRPr lang="en-US" smtClean="0"/>
-          </a:p>
           <a:p>
             <a:pPr algn="r">
               <a:defRPr/>
             </a:pPr>
             <a:r>
-              <a:rPr lang="en-US" sz="900" smtClean="0">
+              <a:rPr lang="en-US" sz="900">
                 <a:solidFill>
                   <a:schemeClr val="bg1"/>
                 </a:solidFill>
@@ -15392,13 +14871,6 @@
   <p:clrMapOvr>
     <a:masterClrMapping/>
   </p:clrMapOvr>
-  <p:timing>
-    <p:tnLst>
-      <p:par>
-        <p:cTn id="1" dur="indefinite" restart="never" nodeType="tmRoot"/>
-      </p:par>
-    </p:tnLst>
-  </p:timing>
 </p:sld>
 </file>
 
@@ -15435,10 +14907,9 @@
           <a:lstStyle/>
           <a:p>
             <a:r>
-              <a:rPr lang="en-US" dirty="0" smtClean="0"/>
+              <a:rPr lang="en-US" dirty="0"/>
               <a:t>The JavaScript for the Register application</a:t>
             </a:r>
-            <a:endParaRPr lang="en-US" dirty="0"/>
           </a:p>
         </p:txBody>
       </p:sp>
@@ -15464,7 +14935,7 @@
           <a:graphicData uri="http://schemas.openxmlformats.org/presentationml/2006/ole">
             <mc:AlternateContent xmlns:mc="http://schemas.openxmlformats.org/markup-compatibility/2006">
               <mc:Choice xmlns:v="urn:schemas-microsoft-com:vml" Requires="v">
-                <p:oleObj spid="_x0000_s94228" name="Document" r:id="rId3" imgW="7313400" imgH="5032652" progId="Word.Document.12">
+                <p:oleObj spid="_x0000_s94232" name="Document" r:id="rId3" imgW="7313400" imgH="5032652" progId="Word.Document.12">
                   <p:embed/>
                 </p:oleObj>
               </mc:Choice>
@@ -15518,7 +14989,7 @@
               <a:defRPr/>
             </a:pPr>
             <a:r>
-              <a:rPr lang="en-US" smtClean="0"/>
+              <a:rPr lang="en-US"/>
               <a:t>Murach's JavaScript and jQuery (3rd Ed.)</a:t>
             </a:r>
             <a:endParaRPr lang="en-US" dirty="0"/>
@@ -15544,39 +15015,38 @@
               <a:defRPr/>
             </a:pPr>
             <a:r>
-              <a:rPr lang="en-US" smtClean="0"/>
+              <a:rPr lang="en-US"/>
               <a:t>© 2017, Mike Murach &amp; Associates, Inc.</a:t>
             </a:r>
+          </a:p>
+        </p:txBody>
+      </p:sp>
+      <p:sp>
+        <p:nvSpPr>
+          <p:cNvPr id="9" name="Slide Number Placeholder 8"/>
+          <p:cNvSpPr>
+            <a:spLocks noGrp="1"/>
+          </p:cNvSpPr>
+          <p:nvPr>
+            <p:ph type="sldNum" sz="quarter" idx="12"/>
+          </p:nvPr>
+        </p:nvSpPr>
+        <p:spPr/>
+        <p:txBody>
+          <a:bodyPr/>
+          <a:lstStyle/>
+          <a:p>
+            <a:pPr>
+              <a:defRPr/>
+            </a:pPr>
             <a:endParaRPr lang="en-US"/>
           </a:p>
-        </p:txBody>
-      </p:sp>
-      <p:sp>
-        <p:nvSpPr>
-          <p:cNvPr id="9" name="Slide Number Placeholder 8"/>
-          <p:cNvSpPr>
-            <a:spLocks noGrp="1"/>
-          </p:cNvSpPr>
-          <p:nvPr>
-            <p:ph type="sldNum" sz="quarter" idx="12"/>
-          </p:nvPr>
-        </p:nvSpPr>
-        <p:spPr/>
-        <p:txBody>
-          <a:bodyPr/>
-          <a:lstStyle/>
-          <a:p>
-            <a:pPr>
-              <a:defRPr/>
-            </a:pPr>
-            <a:endParaRPr lang="en-US" smtClean="0"/>
-          </a:p>
           <a:p>
             <a:pPr algn="r">
               <a:defRPr/>
             </a:pPr>
             <a:r>
-              <a:rPr lang="en-US" sz="900" smtClean="0">
+              <a:rPr lang="en-US" sz="900">
                 <a:solidFill>
                   <a:schemeClr val="bg1"/>
                 </a:solidFill>
@@ -15615,13 +15085,6 @@
   <p:clrMapOvr>
     <a:masterClrMapping/>
   </p:clrMapOvr>
-  <p:timing>
-    <p:tnLst>
-      <p:par>
-        <p:cTn id="1" dur="indefinite" restart="never" nodeType="tmRoot"/>
-      </p:par>
-    </p:tnLst>
-  </p:timing>
 </p:sld>
 </file>
 
@@ -15658,10 +15121,9 @@
           <a:lstStyle/>
           <a:p>
             <a:r>
-              <a:rPr lang="en-US" dirty="0" smtClean="0"/>
+              <a:rPr lang="en-US" dirty="0"/>
               <a:t>The JavaScript (continued)</a:t>
             </a:r>
-            <a:endParaRPr lang="en-US" dirty="0"/>
           </a:p>
         </p:txBody>
       </p:sp>
@@ -15687,7 +15149,7 @@
           <a:graphicData uri="http://schemas.openxmlformats.org/presentationml/2006/ole">
             <mc:AlternateContent xmlns:mc="http://schemas.openxmlformats.org/markup-compatibility/2006">
               <mc:Choice xmlns:v="urn:schemas-microsoft-com:vml" Requires="v">
-                <p:oleObj spid="_x0000_s95252" name="Document" r:id="rId3" imgW="7313400" imgH="5032652" progId="Word.Document.12">
+                <p:oleObj spid="_x0000_s95256" name="Document" r:id="rId3" imgW="7313400" imgH="5032652" progId="Word.Document.12">
                   <p:embed/>
                 </p:oleObj>
               </mc:Choice>
@@ -15741,7 +15203,7 @@
               <a:defRPr/>
             </a:pPr>
             <a:r>
-              <a:rPr lang="en-US" smtClean="0"/>
+              <a:rPr lang="en-US"/>
               <a:t>Murach's JavaScript and jQuery (3rd Ed.)</a:t>
             </a:r>
             <a:endParaRPr lang="en-US" dirty="0"/>
@@ -15767,39 +15229,38 @@
               <a:defRPr/>
             </a:pPr>
             <a:r>
-              <a:rPr lang="en-US" smtClean="0"/>
+              <a:rPr lang="en-US"/>
               <a:t>© 2017, Mike Murach &amp; Associates, Inc.</a:t>
             </a:r>
+          </a:p>
+        </p:txBody>
+      </p:sp>
+      <p:sp>
+        <p:nvSpPr>
+          <p:cNvPr id="9" name="Slide Number Placeholder 8"/>
+          <p:cNvSpPr>
+            <a:spLocks noGrp="1"/>
+          </p:cNvSpPr>
+          <p:nvPr>
+            <p:ph type="sldNum" sz="quarter" idx="12"/>
+          </p:nvPr>
+        </p:nvSpPr>
+        <p:spPr/>
+        <p:txBody>
+          <a:bodyPr/>
+          <a:lstStyle/>
+          <a:p>
+            <a:pPr>
+              <a:defRPr/>
+            </a:pPr>
             <a:endParaRPr lang="en-US"/>
           </a:p>
-        </p:txBody>
-      </p:sp>
-      <p:sp>
-        <p:nvSpPr>
-          <p:cNvPr id="9" name="Slide Number Placeholder 8"/>
-          <p:cNvSpPr>
-            <a:spLocks noGrp="1"/>
-          </p:cNvSpPr>
-          <p:nvPr>
-            <p:ph type="sldNum" sz="quarter" idx="12"/>
-          </p:nvPr>
-        </p:nvSpPr>
-        <p:spPr/>
-        <p:txBody>
-          <a:bodyPr/>
-          <a:lstStyle/>
-          <a:p>
-            <a:pPr>
-              <a:defRPr/>
-            </a:pPr>
-            <a:endParaRPr lang="en-US" smtClean="0"/>
-          </a:p>
           <a:p>
             <a:pPr algn="r">
               <a:defRPr/>
             </a:pPr>
             <a:r>
-              <a:rPr lang="en-US" sz="900" smtClean="0">
+              <a:rPr lang="en-US" sz="900">
                 <a:solidFill>
                   <a:schemeClr val="bg1"/>
                 </a:solidFill>
@@ -15838,13 +15299,6 @@
   <p:clrMapOvr>
     <a:masterClrMapping/>
   </p:clrMapOvr>
-  <p:timing>
-    <p:tnLst>
-      <p:par>
-        <p:cTn id="1" dur="indefinite" restart="never" nodeType="tmRoot"/>
-      </p:par>
-    </p:tnLst>
-  </p:timing>
 </p:sld>
 </file>
 
@@ -15881,10 +15335,9 @@
           <a:lstStyle/>
           <a:p>
             <a:r>
-              <a:rPr lang="en-US" dirty="0" smtClean="0"/>
+              <a:rPr lang="en-US" dirty="0"/>
               <a:t>The JavaScript (continued)</a:t>
             </a:r>
-            <a:endParaRPr lang="en-US" dirty="0"/>
           </a:p>
         </p:txBody>
       </p:sp>
@@ -15910,7 +15363,7 @@
           <a:graphicData uri="http://schemas.openxmlformats.org/presentationml/2006/ole">
             <mc:AlternateContent xmlns:mc="http://schemas.openxmlformats.org/markup-compatibility/2006">
               <mc:Choice xmlns:v="urn:schemas-microsoft-com:vml" Requires="v">
-                <p:oleObj spid="_x0000_s96277" name="Document" r:id="rId3" imgW="7313400" imgH="5032652" progId="Word.Document.12">
+                <p:oleObj spid="_x0000_s96281" name="Document" r:id="rId3" imgW="7313400" imgH="5032652" progId="Word.Document.12">
                   <p:embed/>
                 </p:oleObj>
               </mc:Choice>
@@ -15964,7 +15417,7 @@
               <a:defRPr/>
             </a:pPr>
             <a:r>
-              <a:rPr lang="en-US" smtClean="0"/>
+              <a:rPr lang="en-US"/>
               <a:t>Murach's JavaScript and jQuery (3rd Ed.)</a:t>
             </a:r>
             <a:endParaRPr lang="en-US" dirty="0"/>
@@ -15990,39 +15443,38 @@
               <a:defRPr/>
             </a:pPr>
             <a:r>
-              <a:rPr lang="en-US" smtClean="0"/>
+              <a:rPr lang="en-US"/>
               <a:t>© 2017, Mike Murach &amp; Associates, Inc.</a:t>
             </a:r>
+          </a:p>
+        </p:txBody>
+      </p:sp>
+      <p:sp>
+        <p:nvSpPr>
+          <p:cNvPr id="9" name="Slide Number Placeholder 8"/>
+          <p:cNvSpPr>
+            <a:spLocks noGrp="1"/>
+          </p:cNvSpPr>
+          <p:nvPr>
+            <p:ph type="sldNum" sz="quarter" idx="12"/>
+          </p:nvPr>
+        </p:nvSpPr>
+        <p:spPr/>
+        <p:txBody>
+          <a:bodyPr/>
+          <a:lstStyle/>
+          <a:p>
+            <a:pPr>
+              <a:defRPr/>
+            </a:pPr>
             <a:endParaRPr lang="en-US"/>
           </a:p>
-        </p:txBody>
-      </p:sp>
-      <p:sp>
-        <p:nvSpPr>
-          <p:cNvPr id="9" name="Slide Number Placeholder 8"/>
-          <p:cNvSpPr>
-            <a:spLocks noGrp="1"/>
-          </p:cNvSpPr>
-          <p:nvPr>
-            <p:ph type="sldNum" sz="quarter" idx="12"/>
-          </p:nvPr>
-        </p:nvSpPr>
-        <p:spPr/>
-        <p:txBody>
-          <a:bodyPr/>
-          <a:lstStyle/>
-          <a:p>
-            <a:pPr>
-              <a:defRPr/>
-            </a:pPr>
-            <a:endParaRPr lang="en-US" smtClean="0"/>
-          </a:p>
           <a:p>
             <a:pPr algn="r">
               <a:defRPr/>
             </a:pPr>
             <a:r>
-              <a:rPr lang="en-US" sz="900" smtClean="0">
+              <a:rPr lang="en-US" sz="900">
                 <a:solidFill>
                   <a:schemeClr val="bg1"/>
                 </a:solidFill>
@@ -16061,13 +15513,6 @@
   <p:clrMapOvr>
     <a:masterClrMapping/>
   </p:clrMapOvr>
-  <p:timing>
-    <p:tnLst>
-      <p:par>
-        <p:cTn id="1" dur="indefinite" restart="never" nodeType="tmRoot"/>
-      </p:par>
-    </p:tnLst>
-  </p:timing>
 </p:sld>
 </file>
 
@@ -16104,10 +15549,9 @@
           <a:lstStyle/>
           <a:p>
             <a:r>
-              <a:rPr lang="en-US" dirty="0" smtClean="0"/>
+              <a:rPr lang="en-US" dirty="0"/>
               <a:t>The JavaScript (continued)</a:t>
             </a:r>
-            <a:endParaRPr lang="en-US" dirty="0"/>
           </a:p>
         </p:txBody>
       </p:sp>
@@ -16133,7 +15577,7 @@
           <a:graphicData uri="http://schemas.openxmlformats.org/presentationml/2006/ole">
             <mc:AlternateContent xmlns:mc="http://schemas.openxmlformats.org/markup-compatibility/2006">
               <mc:Choice xmlns:v="urn:schemas-microsoft-com:vml" Requires="v">
-                <p:oleObj spid="_x0000_s97300" name="Document" r:id="rId3" imgW="7313400" imgH="5032652" progId="Word.Document.12">
+                <p:oleObj spid="_x0000_s97304" name="Document" r:id="rId3" imgW="7313400" imgH="5032652" progId="Word.Document.12">
                   <p:embed/>
                 </p:oleObj>
               </mc:Choice>
@@ -16187,7 +15631,7 @@
               <a:defRPr/>
             </a:pPr>
             <a:r>
-              <a:rPr lang="en-US" smtClean="0"/>
+              <a:rPr lang="en-US"/>
               <a:t>Murach's JavaScript and jQuery (3rd Ed.)</a:t>
             </a:r>
             <a:endParaRPr lang="en-US" dirty="0"/>
@@ -16213,39 +15657,38 @@
               <a:defRPr/>
             </a:pPr>
             <a:r>
-              <a:rPr lang="en-US" smtClean="0"/>
+              <a:rPr lang="en-US"/>
               <a:t>© 2017, Mike Murach &amp; Associates, Inc.</a:t>
             </a:r>
+          </a:p>
+        </p:txBody>
+      </p:sp>
+      <p:sp>
+        <p:nvSpPr>
+          <p:cNvPr id="9" name="Slide Number Placeholder 8"/>
+          <p:cNvSpPr>
+            <a:spLocks noGrp="1"/>
+          </p:cNvSpPr>
+          <p:nvPr>
+            <p:ph type="sldNum" sz="quarter" idx="12"/>
+          </p:nvPr>
+        </p:nvSpPr>
+        <p:spPr/>
+        <p:txBody>
+          <a:bodyPr/>
+          <a:lstStyle/>
+          <a:p>
+            <a:pPr>
+              <a:defRPr/>
+            </a:pPr>
             <a:endParaRPr lang="en-US"/>
           </a:p>
-        </p:txBody>
-      </p:sp>
-      <p:sp>
-        <p:nvSpPr>
-          <p:cNvPr id="9" name="Slide Number Placeholder 8"/>
-          <p:cNvSpPr>
-            <a:spLocks noGrp="1"/>
-          </p:cNvSpPr>
-          <p:nvPr>
-            <p:ph type="sldNum" sz="quarter" idx="12"/>
-          </p:nvPr>
-        </p:nvSpPr>
-        <p:spPr/>
-        <p:txBody>
-          <a:bodyPr/>
-          <a:lstStyle/>
-          <a:p>
-            <a:pPr>
-              <a:defRPr/>
-            </a:pPr>
-            <a:endParaRPr lang="en-US" smtClean="0"/>
-          </a:p>
           <a:p>
             <a:pPr algn="r">
               <a:defRPr/>
             </a:pPr>
             <a:r>
-              <a:rPr lang="en-US" sz="900" smtClean="0">
+              <a:rPr lang="en-US" sz="900">
                 <a:solidFill>
                   <a:schemeClr val="bg1"/>
                 </a:solidFill>
@@ -16284,13 +15727,6 @@
   <p:clrMapOvr>
     <a:masterClrMapping/>
   </p:clrMapOvr>
-  <p:timing>
-    <p:tnLst>
-      <p:par>
-        <p:cTn id="1" dur="indefinite" restart="never" nodeType="tmRoot"/>
-      </p:par>
-    </p:tnLst>
-  </p:timing>
 </p:sld>
 </file>
 
@@ -16327,41 +15763,40 @@
           <a:lstStyle/>
           <a:p>
             <a:r>
-              <a:rPr lang="en-US" dirty="0" smtClean="0"/>
+              <a:rPr lang="en-US" dirty="0"/>
               <a:t>Exercise 6-1  Experiment with the FAQs app</a:t>
             </a:r>
+          </a:p>
+        </p:txBody>
+      </p:sp>
+      <p:sp>
+        <p:nvSpPr>
+          <p:cNvPr id="6" name="Date Placeholder 5"/>
+          <p:cNvSpPr>
+            <a:spLocks noGrp="1"/>
+          </p:cNvSpPr>
+          <p:nvPr>
+            <p:ph type="dt" sz="half" idx="10"/>
+          </p:nvPr>
+        </p:nvSpPr>
+        <p:spPr/>
+        <p:txBody>
+          <a:bodyPr/>
+          <a:lstStyle/>
+          <a:p>
+            <a:pPr>
+              <a:defRPr/>
+            </a:pPr>
+            <a:r>
+              <a:rPr lang="en-US"/>
+              <a:t>Murach's JavaScript and jQuery (3rd Ed.)</a:t>
+            </a:r>
             <a:endParaRPr lang="en-US" dirty="0"/>
           </a:p>
         </p:txBody>
       </p:sp>
       <p:sp>
         <p:nvSpPr>
-          <p:cNvPr id="6" name="Date Placeholder 5"/>
-          <p:cNvSpPr>
-            <a:spLocks noGrp="1"/>
-          </p:cNvSpPr>
-          <p:nvPr>
-            <p:ph type="dt" sz="half" idx="10"/>
-          </p:nvPr>
-        </p:nvSpPr>
-        <p:spPr/>
-        <p:txBody>
-          <a:bodyPr/>
-          <a:lstStyle/>
-          <a:p>
-            <a:pPr>
-              <a:defRPr/>
-            </a:pPr>
-            <a:r>
-              <a:rPr lang="en-US" smtClean="0"/>
-              <a:t>Murach's JavaScript and jQuery (3rd Ed.)</a:t>
-            </a:r>
-            <a:endParaRPr lang="en-US" dirty="0"/>
-          </a:p>
-        </p:txBody>
-      </p:sp>
-      <p:sp>
-        <p:nvSpPr>
           <p:cNvPr id="7" name="Footer Placeholder 6"/>
           <p:cNvSpPr>
             <a:spLocks noGrp="1"/>
@@ -16379,39 +15814,38 @@
               <a:defRPr/>
             </a:pPr>
             <a:r>
-              <a:rPr lang="en-US" smtClean="0"/>
+              <a:rPr lang="en-US"/>
               <a:t>© 2017, Mike Murach &amp; Associates, Inc.</a:t>
             </a:r>
+          </a:p>
+        </p:txBody>
+      </p:sp>
+      <p:sp>
+        <p:nvSpPr>
+          <p:cNvPr id="9" name="Slide Number Placeholder 8"/>
+          <p:cNvSpPr>
+            <a:spLocks noGrp="1"/>
+          </p:cNvSpPr>
+          <p:nvPr>
+            <p:ph type="sldNum" sz="quarter" idx="12"/>
+          </p:nvPr>
+        </p:nvSpPr>
+        <p:spPr/>
+        <p:txBody>
+          <a:bodyPr/>
+          <a:lstStyle/>
+          <a:p>
+            <a:pPr>
+              <a:defRPr/>
+            </a:pPr>
             <a:endParaRPr lang="en-US"/>
           </a:p>
-        </p:txBody>
-      </p:sp>
-      <p:sp>
-        <p:nvSpPr>
-          <p:cNvPr id="9" name="Slide Number Placeholder 8"/>
-          <p:cNvSpPr>
-            <a:spLocks noGrp="1"/>
-          </p:cNvSpPr>
-          <p:nvPr>
-            <p:ph type="sldNum" sz="quarter" idx="12"/>
-          </p:nvPr>
-        </p:nvSpPr>
-        <p:spPr/>
-        <p:txBody>
-          <a:bodyPr/>
-          <a:lstStyle/>
-          <a:p>
-            <a:pPr>
-              <a:defRPr/>
-            </a:pPr>
-            <a:endParaRPr lang="en-US" smtClean="0"/>
-          </a:p>
           <a:p>
             <a:pPr algn="r">
               <a:defRPr/>
             </a:pPr>
             <a:r>
-              <a:rPr lang="en-US" sz="900" smtClean="0">
+              <a:rPr lang="en-US" sz="900">
                 <a:solidFill>
                   <a:schemeClr val="bg1"/>
                 </a:solidFill>
@@ -16485,13 +15919,6 @@
   <p:clrMapOvr>
     <a:masterClrMapping/>
   </p:clrMapOvr>
-  <p:timing>
-    <p:tnLst>
-      <p:par>
-        <p:cTn id="1" dur="indefinite" restart="never" nodeType="tmRoot"/>
-      </p:par>
-    </p:tnLst>
-  </p:timing>
 </p:sld>
 </file>
 
@@ -16528,41 +15955,40 @@
           <a:lstStyle/>
           <a:p>
             <a:r>
-              <a:rPr lang="en-US" dirty="0" smtClean="0"/>
+              <a:rPr lang="en-US" dirty="0"/>
               <a:t>Exercise 6-2  Add controls to the Register app</a:t>
             </a:r>
+          </a:p>
+        </p:txBody>
+      </p:sp>
+      <p:sp>
+        <p:nvSpPr>
+          <p:cNvPr id="8" name="Date Placeholder 7"/>
+          <p:cNvSpPr>
+            <a:spLocks noGrp="1"/>
+          </p:cNvSpPr>
+          <p:nvPr>
+            <p:ph type="dt" sz="half" idx="10"/>
+          </p:nvPr>
+        </p:nvSpPr>
+        <p:spPr/>
+        <p:txBody>
+          <a:bodyPr/>
+          <a:lstStyle/>
+          <a:p>
+            <a:pPr>
+              <a:defRPr/>
+            </a:pPr>
+            <a:r>
+              <a:rPr lang="en-US"/>
+              <a:t>Murach's JavaScript and jQuery (3rd Ed.)</a:t>
+            </a:r>
             <a:endParaRPr lang="en-US" dirty="0"/>
           </a:p>
         </p:txBody>
       </p:sp>
       <p:sp>
         <p:nvSpPr>
-          <p:cNvPr id="8" name="Date Placeholder 7"/>
-          <p:cNvSpPr>
-            <a:spLocks noGrp="1"/>
-          </p:cNvSpPr>
-          <p:nvPr>
-            <p:ph type="dt" sz="half" idx="10"/>
-          </p:nvPr>
-        </p:nvSpPr>
-        <p:spPr/>
-        <p:txBody>
-          <a:bodyPr/>
-          <a:lstStyle/>
-          <a:p>
-            <a:pPr>
-              <a:defRPr/>
-            </a:pPr>
-            <a:r>
-              <a:rPr lang="en-US" smtClean="0"/>
-              <a:t>Murach's JavaScript and jQuery (3rd Ed.)</a:t>
-            </a:r>
-            <a:endParaRPr lang="en-US" dirty="0"/>
-          </a:p>
-        </p:txBody>
-      </p:sp>
-      <p:sp>
-        <p:nvSpPr>
           <p:cNvPr id="9" name="Footer Placeholder 8"/>
           <p:cNvSpPr>
             <a:spLocks noGrp="1"/>
@@ -16580,39 +16006,38 @@
               <a:defRPr/>
             </a:pPr>
             <a:r>
-              <a:rPr lang="en-US" smtClean="0"/>
+              <a:rPr lang="en-US"/>
               <a:t>© 2017, Mike Murach &amp; Associates, Inc.</a:t>
             </a:r>
+          </a:p>
+        </p:txBody>
+      </p:sp>
+      <p:sp>
+        <p:nvSpPr>
+          <p:cNvPr id="10" name="Slide Number Placeholder 9"/>
+          <p:cNvSpPr>
+            <a:spLocks noGrp="1"/>
+          </p:cNvSpPr>
+          <p:nvPr>
+            <p:ph type="sldNum" sz="quarter" idx="12"/>
+          </p:nvPr>
+        </p:nvSpPr>
+        <p:spPr/>
+        <p:txBody>
+          <a:bodyPr/>
+          <a:lstStyle/>
+          <a:p>
+            <a:pPr>
+              <a:defRPr/>
+            </a:pPr>
             <a:endParaRPr lang="en-US"/>
           </a:p>
-        </p:txBody>
-      </p:sp>
-      <p:sp>
-        <p:nvSpPr>
-          <p:cNvPr id="10" name="Slide Number Placeholder 9"/>
-          <p:cNvSpPr>
-            <a:spLocks noGrp="1"/>
-          </p:cNvSpPr>
-          <p:nvPr>
-            <p:ph type="sldNum" sz="quarter" idx="12"/>
-          </p:nvPr>
-        </p:nvSpPr>
-        <p:spPr/>
-        <p:txBody>
-          <a:bodyPr/>
-          <a:lstStyle/>
-          <a:p>
-            <a:pPr>
-              <a:defRPr/>
-            </a:pPr>
-            <a:endParaRPr lang="en-US" smtClean="0"/>
-          </a:p>
           <a:p>
             <a:pPr algn="r">
               <a:defRPr/>
             </a:pPr>
             <a:r>
-              <a:rPr lang="en-US" sz="900" smtClean="0">
+              <a:rPr lang="en-US" sz="900">
                 <a:solidFill>
                   <a:schemeClr val="bg1"/>
                 </a:solidFill>
@@ -16663,7 +16088,7 @@
           <a:graphicData uri="http://schemas.openxmlformats.org/presentationml/2006/ole">
             <mc:AlternateContent xmlns:mc="http://schemas.openxmlformats.org/markup-compatibility/2006">
               <mc:Choice xmlns:v="urn:schemas-microsoft-com:vml" Requires="v">
-                <p:oleObj spid="_x0000_s99344" name="Document" r:id="rId3" imgW="7374945" imgH="3947185" progId="Word.Document.12">
+                <p:oleObj spid="_x0000_s99348" name="Document" r:id="rId3" imgW="7374945" imgH="3947185" progId="Word.Document.12">
                   <p:embed/>
                 </p:oleObj>
               </mc:Choice>
@@ -16708,13 +16133,6 @@
   <p:clrMapOvr>
     <a:masterClrMapping/>
   </p:clrMapOvr>
-  <p:timing>
-    <p:tnLst>
-      <p:par>
-        <p:cTn id="1" dur="indefinite" restart="never" nodeType="tmRoot"/>
-      </p:par>
-    </p:tnLst>
-  </p:timing>
 </p:sld>
 </file>
 
@@ -16757,19 +16175,32 @@
           <a:p>
             <a:r>
               <a:rPr lang="en-US" dirty="0"/>
-              <a:t>Exercise 6-3	</a:t>
-            </a:r>
-            <a:r>
-              <a:rPr lang="en-US" dirty="0" smtClean="0"/>
-              <a:t> Enhance </a:t>
-            </a:r>
-            <a:r>
-              <a:rPr lang="en-US" dirty="0"/>
-              <a:t>the Email List </a:t>
-            </a:r>
-            <a:r>
-              <a:rPr lang="en-US" dirty="0" smtClean="0"/>
-              <a:t>application</a:t>
+              <a:t>Exercise 6-3	 Enhance the Email List application</a:t>
+            </a:r>
+          </a:p>
+        </p:txBody>
+      </p:sp>
+      <p:sp>
+        <p:nvSpPr>
+          <p:cNvPr id="3" name="Date Placeholder 2"/>
+          <p:cNvSpPr>
+            <a:spLocks noGrp="1"/>
+          </p:cNvSpPr>
+          <p:nvPr>
+            <p:ph type="dt" sz="half" idx="10"/>
+          </p:nvPr>
+        </p:nvSpPr>
+        <p:spPr/>
+        <p:txBody>
+          <a:bodyPr/>
+          <a:lstStyle/>
+          <a:p>
+            <a:pPr>
+              <a:defRPr/>
+            </a:pPr>
+            <a:r>
+              <a:rPr lang="en-US"/>
+              <a:t>Murach's JavaScript and jQuery (3rd Ed.)</a:t>
             </a:r>
             <a:endParaRPr lang="en-US" dirty="0"/>
           </a:p>
@@ -16777,32 +16208,6 @@
       </p:sp>
       <p:sp>
         <p:nvSpPr>
-          <p:cNvPr id="3" name="Date Placeholder 2"/>
-          <p:cNvSpPr>
-            <a:spLocks noGrp="1"/>
-          </p:cNvSpPr>
-          <p:nvPr>
-            <p:ph type="dt" sz="half" idx="10"/>
-          </p:nvPr>
-        </p:nvSpPr>
-        <p:spPr/>
-        <p:txBody>
-          <a:bodyPr/>
-          <a:lstStyle/>
-          <a:p>
-            <a:pPr>
-              <a:defRPr/>
-            </a:pPr>
-            <a:r>
-              <a:rPr lang="en-US" smtClean="0"/>
-              <a:t>Murach's JavaScript and jQuery (3rd Ed.)</a:t>
-            </a:r>
-            <a:endParaRPr lang="en-US" dirty="0"/>
-          </a:p>
-        </p:txBody>
-      </p:sp>
-      <p:sp>
-        <p:nvSpPr>
           <p:cNvPr id="4" name="Footer Placeholder 3"/>
           <p:cNvSpPr>
             <a:spLocks noGrp="1"/>
@@ -16820,39 +16225,38 @@
               <a:defRPr/>
             </a:pPr>
             <a:r>
-              <a:rPr lang="en-US" smtClean="0"/>
+              <a:rPr lang="en-US"/>
               <a:t>© 2017, Mike Murach &amp; Associates, Inc.</a:t>
             </a:r>
+          </a:p>
+        </p:txBody>
+      </p:sp>
+      <p:sp>
+        <p:nvSpPr>
+          <p:cNvPr id="5" name="Slide Number Placeholder 4"/>
+          <p:cNvSpPr>
+            <a:spLocks noGrp="1"/>
+          </p:cNvSpPr>
+          <p:nvPr>
+            <p:ph type="sldNum" sz="quarter" idx="12"/>
+          </p:nvPr>
+        </p:nvSpPr>
+        <p:spPr/>
+        <p:txBody>
+          <a:bodyPr/>
+          <a:lstStyle/>
+          <a:p>
+            <a:pPr>
+              <a:defRPr/>
+            </a:pPr>
             <a:endParaRPr lang="en-US"/>
           </a:p>
-        </p:txBody>
-      </p:sp>
-      <p:sp>
-        <p:nvSpPr>
-          <p:cNvPr id="5" name="Slide Number Placeholder 4"/>
-          <p:cNvSpPr>
-            <a:spLocks noGrp="1"/>
-          </p:cNvSpPr>
-          <p:nvPr>
-            <p:ph type="sldNum" sz="quarter" idx="12"/>
-          </p:nvPr>
-        </p:nvSpPr>
-        <p:spPr/>
-        <p:txBody>
-          <a:bodyPr/>
-          <a:lstStyle/>
-          <a:p>
-            <a:pPr>
-              <a:defRPr/>
-            </a:pPr>
-            <a:endParaRPr lang="en-US" smtClean="0"/>
-          </a:p>
           <a:p>
             <a:pPr algn="r">
               <a:defRPr/>
             </a:pPr>
             <a:r>
-              <a:rPr lang="en-US" sz="900" smtClean="0">
+              <a:rPr lang="en-US" sz="900">
                 <a:solidFill>
                   <a:schemeClr val="bg1"/>
                 </a:solidFill>
@@ -16903,7 +16307,7 @@
           <a:graphicData uri="http://schemas.openxmlformats.org/presentationml/2006/ole">
             <mc:AlternateContent xmlns:mc="http://schemas.openxmlformats.org/markup-compatibility/2006">
               <mc:Choice xmlns:v="urn:schemas-microsoft-com:vml" Requires="v">
-                <p:oleObj spid="_x0000_s104454" name="Document" r:id="rId3" imgW="7313400" imgH="3001674" progId="Word.Document.12">
+                <p:oleObj spid="_x0000_s104458" name="Document" r:id="rId3" imgW="7313400" imgH="3001674" progId="Word.Document.12">
                   <p:embed/>
                 </p:oleObj>
               </mc:Choice>
@@ -16948,13 +16352,6 @@
   <p:clrMapOvr>
     <a:masterClrMapping/>
   </p:clrMapOvr>
-  <p:timing>
-    <p:tnLst>
-      <p:par>
-        <p:cTn id="1" dur="indefinite" restart="never" nodeType="tmRoot"/>
-      </p:par>
-    </p:tnLst>
-  </p:timing>
 </p:sld>
 </file>
 
@@ -16997,15 +16394,7 @@
           <a:p>
             <a:r>
               <a:rPr lang="en-US" dirty="0"/>
-              <a:t>Extra </a:t>
-            </a:r>
-            <a:r>
-              <a:rPr lang="en-US" dirty="0" smtClean="0"/>
-              <a:t>6-1	Develop </a:t>
-            </a:r>
-            <a:r>
-              <a:rPr lang="en-US" dirty="0"/>
-              <a:t>the Temp Converter app</a:t>
+              <a:t>Extra 6-1	Develop the Temp Converter app</a:t>
             </a:r>
           </a:p>
         </p:txBody>
@@ -17029,7 +16418,7 @@
               <a:defRPr/>
             </a:pPr>
             <a:r>
-              <a:rPr lang="en-US" smtClean="0"/>
+              <a:rPr lang="en-US"/>
               <a:t>Murach's JavaScript and jQuery (3rd Ed.)</a:t>
             </a:r>
             <a:endParaRPr lang="en-US" dirty="0"/>
@@ -17055,39 +16444,38 @@
               <a:defRPr/>
             </a:pPr>
             <a:r>
-              <a:rPr lang="en-US" smtClean="0"/>
+              <a:rPr lang="en-US"/>
               <a:t>© 2017, Mike Murach &amp; Associates, Inc.</a:t>
             </a:r>
+          </a:p>
+        </p:txBody>
+      </p:sp>
+      <p:sp>
+        <p:nvSpPr>
+          <p:cNvPr id="10" name="Slide Number Placeholder 9"/>
+          <p:cNvSpPr>
+            <a:spLocks noGrp="1"/>
+          </p:cNvSpPr>
+          <p:nvPr>
+            <p:ph type="sldNum" sz="quarter" idx="12"/>
+          </p:nvPr>
+        </p:nvSpPr>
+        <p:spPr/>
+        <p:txBody>
+          <a:bodyPr/>
+          <a:lstStyle/>
+          <a:p>
+            <a:pPr>
+              <a:defRPr/>
+            </a:pPr>
             <a:endParaRPr lang="en-US"/>
           </a:p>
-        </p:txBody>
-      </p:sp>
-      <p:sp>
-        <p:nvSpPr>
-          <p:cNvPr id="10" name="Slide Number Placeholder 9"/>
-          <p:cNvSpPr>
-            <a:spLocks noGrp="1"/>
-          </p:cNvSpPr>
-          <p:nvPr>
-            <p:ph type="sldNum" sz="quarter" idx="12"/>
-          </p:nvPr>
-        </p:nvSpPr>
-        <p:spPr/>
-        <p:txBody>
-          <a:bodyPr/>
-          <a:lstStyle/>
-          <a:p>
-            <a:pPr>
-              <a:defRPr/>
-            </a:pPr>
-            <a:endParaRPr lang="en-US" smtClean="0"/>
-          </a:p>
           <a:p>
             <a:pPr algn="r">
               <a:defRPr/>
             </a:pPr>
             <a:r>
-              <a:rPr lang="en-US" sz="900" smtClean="0">
+              <a:rPr lang="en-US" sz="900">
                 <a:solidFill>
                   <a:schemeClr val="bg1"/>
                 </a:solidFill>
@@ -17138,7 +16526,7 @@
           <a:graphicData uri="http://schemas.openxmlformats.org/presentationml/2006/ole">
             <mc:AlternateContent xmlns:mc="http://schemas.openxmlformats.org/markup-compatibility/2006">
               <mc:Choice xmlns:v="urn:schemas-microsoft-com:vml" Requires="v">
-                <p:oleObj spid="_x0000_s105478" name="Document" r:id="rId3" imgW="7313400" imgH="4409147" progId="Word.Document.12">
+                <p:oleObj spid="_x0000_s105482" name="Document" r:id="rId3" imgW="7313400" imgH="4409147" progId="Word.Document.12">
                   <p:embed/>
                 </p:oleObj>
               </mc:Choice>
@@ -17183,13 +16571,6 @@
   <p:clrMapOvr>
     <a:masterClrMapping/>
   </p:clrMapOvr>
-  <p:timing>
-    <p:tnLst>
-      <p:par>
-        <p:cTn id="1" dur="indefinite" restart="never" nodeType="tmRoot"/>
-      </p:par>
-    </p:tnLst>
-  </p:timing>
 </p:sld>
 </file>
 
@@ -17226,18 +16607,9 @@
           <a:lstStyle/>
           <a:p>
             <a:r>
-              <a:rPr lang="en-US" dirty="0" smtClean="0"/>
-              <a:t>Extra </a:t>
-            </a:r>
-            <a:r>
-              <a:rPr lang="en-US" dirty="0" smtClean="0"/>
-              <a:t>6-2	Use </a:t>
-            </a:r>
-            <a:r>
-              <a:rPr lang="en-US" dirty="0" smtClean="0"/>
-              <a:t>a Test Score array</a:t>
-            </a:r>
-            <a:endParaRPr lang="en-US" dirty="0"/>
+              <a:rPr lang="en-US" dirty="0"/>
+              <a:t>Extra 6-2	Use a Test Score array</a:t>
+            </a:r>
           </a:p>
         </p:txBody>
       </p:sp>
@@ -17301,7 +16673,7 @@
               <a:defRPr/>
             </a:pPr>
             <a:r>
-              <a:rPr lang="en-US" smtClean="0"/>
+              <a:rPr lang="en-US"/>
               <a:t>Murach's JavaScript and jQuery (3rd Ed.)</a:t>
             </a:r>
             <a:endParaRPr lang="en-US" dirty="0"/>
@@ -17327,39 +16699,38 @@
               <a:defRPr/>
             </a:pPr>
             <a:r>
-              <a:rPr lang="en-US" smtClean="0"/>
+              <a:rPr lang="en-US"/>
               <a:t>© 2017, Mike Murach &amp; Associates, Inc.</a:t>
             </a:r>
+          </a:p>
+        </p:txBody>
+      </p:sp>
+      <p:sp>
+        <p:nvSpPr>
+          <p:cNvPr id="9" name="Slide Number Placeholder 8"/>
+          <p:cNvSpPr>
+            <a:spLocks noGrp="1"/>
+          </p:cNvSpPr>
+          <p:nvPr>
+            <p:ph type="sldNum" sz="quarter" idx="12"/>
+          </p:nvPr>
+        </p:nvSpPr>
+        <p:spPr/>
+        <p:txBody>
+          <a:bodyPr/>
+          <a:lstStyle/>
+          <a:p>
+            <a:pPr>
+              <a:defRPr/>
+            </a:pPr>
             <a:endParaRPr lang="en-US"/>
           </a:p>
-        </p:txBody>
-      </p:sp>
-      <p:sp>
-        <p:nvSpPr>
-          <p:cNvPr id="9" name="Slide Number Placeholder 8"/>
-          <p:cNvSpPr>
-            <a:spLocks noGrp="1"/>
-          </p:cNvSpPr>
-          <p:nvPr>
-            <p:ph type="sldNum" sz="quarter" idx="12"/>
-          </p:nvPr>
-        </p:nvSpPr>
-        <p:spPr/>
-        <p:txBody>
-          <a:bodyPr/>
-          <a:lstStyle/>
-          <a:p>
-            <a:pPr>
-              <a:defRPr/>
-            </a:pPr>
-            <a:endParaRPr lang="en-US" smtClean="0"/>
-          </a:p>
           <a:p>
             <a:pPr algn="r">
               <a:defRPr/>
             </a:pPr>
             <a:r>
-              <a:rPr lang="en-US" sz="900" smtClean="0">
+              <a:rPr lang="en-US" sz="900">
                 <a:solidFill>
                   <a:schemeClr val="bg1"/>
                 </a:solidFill>
@@ -17410,7 +16781,7 @@
           <a:graphicData uri="http://schemas.openxmlformats.org/presentationml/2006/ole">
             <mc:AlternateContent xmlns:mc="http://schemas.openxmlformats.org/markup-compatibility/2006">
               <mc:Choice xmlns:v="urn:schemas-microsoft-com:vml" Requires="v">
-                <p:oleObj spid="_x0000_s98320" name="Document" r:id="rId4" imgW="7301323" imgH="774862" progId="Word.Document.12">
+                <p:oleObj spid="_x0000_s98324" name="Document" r:id="rId4" imgW="7301323" imgH="774862" progId="Word.Document.12">
                   <p:embed/>
                 </p:oleObj>
               </mc:Choice>
@@ -17455,13 +16826,6 @@
   <p:clrMapOvr>
     <a:masterClrMapping/>
   </p:clrMapOvr>
-  <p:timing>
-    <p:tnLst>
-      <p:par>
-        <p:cTn id="1" dur="indefinite" restart="never" nodeType="tmRoot"/>
-      </p:par>
-    </p:tnLst>
-  </p:timing>
 </p:sld>
 </file>
 
@@ -17498,10 +16862,9 @@
           <a:lstStyle/>
           <a:p>
             <a:r>
-              <a:rPr lang="en-US" dirty="0" smtClean="0"/>
+              <a:rPr lang="en-US" dirty="0"/>
               <a:t>Some of the properties of the Node interface</a:t>
             </a:r>
-            <a:endParaRPr lang="en-US" dirty="0"/>
           </a:p>
         </p:txBody>
       </p:sp>
@@ -17514,25 +16877,25 @@
           <p:nvPr>
             <p:extLst>
               <p:ext uri="{D42A27DB-BD31-4B8C-83A1-F6EECF244321}">
-                <p14:modId xmlns:p14="http://schemas.microsoft.com/office/powerpoint/2010/main" val="667793949"/>
+                <p14:modId xmlns:p14="http://schemas.microsoft.com/office/powerpoint/2010/main" val="2986573262"/>
               </p:ext>
             </p:extLst>
           </p:nvPr>
         </p:nvGraphicFramePr>
         <p:xfrm>
-          <a:off x="914400" y="1209503"/>
-          <a:ext cx="7301323" cy="1838497"/>
+          <a:off x="914400" y="1212850"/>
+          <a:ext cx="7253288" cy="2125663"/>
         </p:xfrm>
         <a:graphic>
           <a:graphicData uri="http://schemas.openxmlformats.org/presentationml/2006/ole">
             <mc:AlternateContent xmlns:mc="http://schemas.openxmlformats.org/markup-compatibility/2006">
               <mc:Choice xmlns:v="urn:schemas-microsoft-com:vml" Requires="v">
-                <p:oleObj spid="_x0000_s8222" name="Document" r:id="rId3" imgW="7301323" imgH="1838497" progId="Word.Document.12">
+                <p:oleObj spid="_x0000_s8226" name="Document" r:id="rId3" imgW="7301323" imgH="2147955" progId="Word.Document.12">
                   <p:embed/>
                 </p:oleObj>
               </mc:Choice>
               <mc:Fallback>
-                <p:oleObj name="Document" r:id="rId3" imgW="7301323" imgH="1838497" progId="Word.Document.12">
+                <p:oleObj name="Document" r:id="rId3" imgW="7301323" imgH="2147955" progId="Word.Document.12">
                   <p:embed/>
                   <p:pic>
                     <p:nvPicPr>
@@ -17548,8 +16911,8 @@
                     </p:blipFill>
                     <p:spPr>
                       <a:xfrm>
-                        <a:off x="914400" y="1209503"/>
-                        <a:ext cx="7301323" cy="1838497"/>
+                        <a:off x="914400" y="1212850"/>
+                        <a:ext cx="7253288" cy="2125663"/>
                       </a:xfrm>
                       <a:prstGeom prst="rect">
                         <a:avLst/>
@@ -17581,7 +16944,7 @@
               <a:defRPr/>
             </a:pPr>
             <a:r>
-              <a:rPr lang="en-US" smtClean="0"/>
+              <a:rPr lang="en-US"/>
               <a:t>Murach's JavaScript and jQuery (3rd Ed.)</a:t>
             </a:r>
             <a:endParaRPr lang="en-US" dirty="0"/>
@@ -17607,39 +16970,38 @@
               <a:defRPr/>
             </a:pPr>
             <a:r>
-              <a:rPr lang="en-US" smtClean="0"/>
+              <a:rPr lang="en-US"/>
               <a:t>© 2017, Mike Murach &amp; Associates, Inc.</a:t>
             </a:r>
+          </a:p>
+        </p:txBody>
+      </p:sp>
+      <p:sp>
+        <p:nvSpPr>
+          <p:cNvPr id="9" name="Slide Number Placeholder 8"/>
+          <p:cNvSpPr>
+            <a:spLocks noGrp="1"/>
+          </p:cNvSpPr>
+          <p:nvPr>
+            <p:ph type="sldNum" sz="quarter" idx="12"/>
+          </p:nvPr>
+        </p:nvSpPr>
+        <p:spPr/>
+        <p:txBody>
+          <a:bodyPr/>
+          <a:lstStyle/>
+          <a:p>
+            <a:pPr>
+              <a:defRPr/>
+            </a:pPr>
             <a:endParaRPr lang="en-US"/>
           </a:p>
-        </p:txBody>
-      </p:sp>
-      <p:sp>
-        <p:nvSpPr>
-          <p:cNvPr id="9" name="Slide Number Placeholder 8"/>
-          <p:cNvSpPr>
-            <a:spLocks noGrp="1"/>
-          </p:cNvSpPr>
-          <p:nvPr>
-            <p:ph type="sldNum" sz="quarter" idx="12"/>
-          </p:nvPr>
-        </p:nvSpPr>
-        <p:spPr/>
-        <p:txBody>
-          <a:bodyPr/>
-          <a:lstStyle/>
-          <a:p>
-            <a:pPr>
-              <a:defRPr/>
-            </a:pPr>
-            <a:endParaRPr lang="en-US" smtClean="0"/>
-          </a:p>
           <a:p>
             <a:pPr algn="r">
               <a:defRPr/>
             </a:pPr>
             <a:r>
-              <a:rPr lang="en-US" sz="900" smtClean="0">
+              <a:rPr lang="en-US" sz="900">
                 <a:solidFill>
                   <a:schemeClr val="bg1"/>
                 </a:solidFill>
@@ -17678,13 +17040,6 @@
   <p:clrMapOvr>
     <a:masterClrMapping/>
   </p:clrMapOvr>
-  <p:timing>
-    <p:tnLst>
-      <p:par>
-        <p:cTn id="1" dur="indefinite" restart="never" nodeType="tmRoot"/>
-      </p:par>
-    </p:tnLst>
-  </p:timing>
 </p:sld>
 </file>
 
@@ -17751,7 +17106,7 @@
               <a:defRPr/>
             </a:pPr>
             <a:r>
-              <a:rPr lang="en-US" smtClean="0"/>
+              <a:rPr lang="en-US"/>
               <a:t>Murach's JavaScript and jQuery (3rd Ed.)</a:t>
             </a:r>
             <a:endParaRPr lang="en-US" dirty="0"/>
@@ -17777,39 +17132,38 @@
               <a:defRPr/>
             </a:pPr>
             <a:r>
-              <a:rPr lang="en-US" smtClean="0"/>
+              <a:rPr lang="en-US"/>
               <a:t>© 2017, Mike Murach &amp; Associates, Inc.</a:t>
             </a:r>
+          </a:p>
+        </p:txBody>
+      </p:sp>
+      <p:sp>
+        <p:nvSpPr>
+          <p:cNvPr id="11" name="Slide Number Placeholder 10"/>
+          <p:cNvSpPr>
+            <a:spLocks noGrp="1"/>
+          </p:cNvSpPr>
+          <p:nvPr>
+            <p:ph type="sldNum" sz="quarter" idx="12"/>
+          </p:nvPr>
+        </p:nvSpPr>
+        <p:spPr/>
+        <p:txBody>
+          <a:bodyPr/>
+          <a:lstStyle/>
+          <a:p>
+            <a:pPr>
+              <a:defRPr/>
+            </a:pPr>
             <a:endParaRPr lang="en-US"/>
           </a:p>
-        </p:txBody>
-      </p:sp>
-      <p:sp>
-        <p:nvSpPr>
-          <p:cNvPr id="11" name="Slide Number Placeholder 10"/>
-          <p:cNvSpPr>
-            <a:spLocks noGrp="1"/>
-          </p:cNvSpPr>
-          <p:nvPr>
-            <p:ph type="sldNum" sz="quarter" idx="12"/>
-          </p:nvPr>
-        </p:nvSpPr>
-        <p:spPr/>
-        <p:txBody>
-          <a:bodyPr/>
-          <a:lstStyle/>
-          <a:p>
-            <a:pPr>
-              <a:defRPr/>
-            </a:pPr>
-            <a:endParaRPr lang="en-US" smtClean="0"/>
-          </a:p>
           <a:p>
             <a:pPr algn="r">
               <a:defRPr/>
             </a:pPr>
             <a:r>
-              <a:rPr lang="en-US" sz="900" smtClean="0">
+              <a:rPr lang="en-US" sz="900">
                 <a:solidFill>
                   <a:schemeClr val="bg1"/>
                 </a:solidFill>
@@ -17860,7 +17214,7 @@
           <a:graphicData uri="http://schemas.openxmlformats.org/presentationml/2006/ole">
             <mc:AlternateContent xmlns:mc="http://schemas.openxmlformats.org/markup-compatibility/2006">
               <mc:Choice xmlns:v="urn:schemas-microsoft-com:vml" Requires="v">
-                <p:oleObj spid="_x0000_s100374" name="Document" r:id="rId3" imgW="7313400" imgH="2696937" progId="Word.Document.12">
+                <p:oleObj spid="_x0000_s100378" name="Document" r:id="rId3" imgW="7313400" imgH="2696937" progId="Word.Document.12">
                   <p:embed/>
                 </p:oleObj>
               </mc:Choice>
@@ -17905,13 +17259,6 @@
   <p:clrMapOvr>
     <a:masterClrMapping/>
   </p:clrMapOvr>
-  <p:timing>
-    <p:tnLst>
-      <p:par>
-        <p:cTn id="1" dur="indefinite" restart="never" nodeType="tmRoot"/>
-      </p:par>
-    </p:tnLst>
-  </p:timing>
 </p:sld>
 </file>
 
@@ -17978,7 +17325,7 @@
               <a:defRPr/>
             </a:pPr>
             <a:r>
-              <a:rPr lang="en-US" smtClean="0"/>
+              <a:rPr lang="en-US"/>
               <a:t>Murach's JavaScript and jQuery (3rd Ed.)</a:t>
             </a:r>
             <a:endParaRPr lang="en-US" dirty="0"/>
@@ -18004,39 +17351,38 @@
               <a:defRPr/>
             </a:pPr>
             <a:r>
-              <a:rPr lang="en-US" smtClean="0"/>
+              <a:rPr lang="en-US"/>
               <a:t>© 2017, Mike Murach &amp; Associates, Inc.</a:t>
             </a:r>
+          </a:p>
+        </p:txBody>
+      </p:sp>
+      <p:sp>
+        <p:nvSpPr>
+          <p:cNvPr id="11" name="Slide Number Placeholder 10"/>
+          <p:cNvSpPr>
+            <a:spLocks noGrp="1"/>
+          </p:cNvSpPr>
+          <p:nvPr>
+            <p:ph type="sldNum" sz="quarter" idx="12"/>
+          </p:nvPr>
+        </p:nvSpPr>
+        <p:spPr/>
+        <p:txBody>
+          <a:bodyPr/>
+          <a:lstStyle/>
+          <a:p>
+            <a:pPr>
+              <a:defRPr/>
+            </a:pPr>
             <a:endParaRPr lang="en-US"/>
           </a:p>
-        </p:txBody>
-      </p:sp>
-      <p:sp>
-        <p:nvSpPr>
-          <p:cNvPr id="11" name="Slide Number Placeholder 10"/>
-          <p:cNvSpPr>
-            <a:spLocks noGrp="1"/>
-          </p:cNvSpPr>
-          <p:nvPr>
-            <p:ph type="sldNum" sz="quarter" idx="12"/>
-          </p:nvPr>
-        </p:nvSpPr>
-        <p:spPr/>
-        <p:txBody>
-          <a:bodyPr/>
-          <a:lstStyle/>
-          <a:p>
-            <a:pPr>
-              <a:defRPr/>
-            </a:pPr>
-            <a:endParaRPr lang="en-US" smtClean="0"/>
-          </a:p>
           <a:p>
             <a:pPr algn="r">
               <a:defRPr/>
             </a:pPr>
             <a:r>
-              <a:rPr lang="en-US" sz="900" smtClean="0">
+              <a:rPr lang="en-US" sz="900">
                 <a:solidFill>
                   <a:schemeClr val="bg1"/>
                 </a:solidFill>
@@ -18087,7 +17433,7 @@
           <a:graphicData uri="http://schemas.openxmlformats.org/presentationml/2006/ole">
             <mc:AlternateContent xmlns:mc="http://schemas.openxmlformats.org/markup-compatibility/2006">
               <mc:Choice xmlns:v="urn:schemas-microsoft-com:vml" Requires="v">
-                <p:oleObj spid="_x0000_s48175" name="Document" r:id="rId3" imgW="7313400" imgH="3356421" progId="Word.Document.12">
+                <p:oleObj spid="_x0000_s48179" name="Document" r:id="rId3" imgW="7313400" imgH="3356421" progId="Word.Document.12">
                   <p:embed/>
                 </p:oleObj>
               </mc:Choice>
@@ -18132,13 +17478,6 @@
   <p:clrMapOvr>
     <a:masterClrMapping/>
   </p:clrMapOvr>
-  <p:timing>
-    <p:tnLst>
-      <p:par>
-        <p:cTn id="1" dur="indefinite" restart="never" nodeType="tmRoot"/>
-      </p:par>
-    </p:tnLst>
-  </p:timing>
 </p:sld>
 </file>
 
@@ -18205,7 +17544,7 @@
               <a:defRPr/>
             </a:pPr>
             <a:r>
-              <a:rPr lang="en-US" smtClean="0"/>
+              <a:rPr lang="en-US"/>
               <a:t>Murach's JavaScript and jQuery (3rd Ed.)</a:t>
             </a:r>
             <a:endParaRPr lang="en-US" dirty="0"/>
@@ -18231,39 +17570,38 @@
               <a:defRPr/>
             </a:pPr>
             <a:r>
-              <a:rPr lang="en-US" smtClean="0"/>
+              <a:rPr lang="en-US"/>
               <a:t>© 2017, Mike Murach &amp; Associates, Inc.</a:t>
             </a:r>
+          </a:p>
+        </p:txBody>
+      </p:sp>
+      <p:sp>
+        <p:nvSpPr>
+          <p:cNvPr id="9" name="Slide Number Placeholder 8"/>
+          <p:cNvSpPr>
+            <a:spLocks noGrp="1"/>
+          </p:cNvSpPr>
+          <p:nvPr>
+            <p:ph type="sldNum" sz="quarter" idx="12"/>
+          </p:nvPr>
+        </p:nvSpPr>
+        <p:spPr/>
+        <p:txBody>
+          <a:bodyPr/>
+          <a:lstStyle/>
+          <a:p>
+            <a:pPr>
+              <a:defRPr/>
+            </a:pPr>
             <a:endParaRPr lang="en-US"/>
           </a:p>
-        </p:txBody>
-      </p:sp>
-      <p:sp>
-        <p:nvSpPr>
-          <p:cNvPr id="9" name="Slide Number Placeholder 8"/>
-          <p:cNvSpPr>
-            <a:spLocks noGrp="1"/>
-          </p:cNvSpPr>
-          <p:nvPr>
-            <p:ph type="sldNum" sz="quarter" idx="12"/>
-          </p:nvPr>
-        </p:nvSpPr>
-        <p:spPr/>
-        <p:txBody>
-          <a:bodyPr/>
-          <a:lstStyle/>
-          <a:p>
-            <a:pPr>
-              <a:defRPr/>
-            </a:pPr>
-            <a:endParaRPr lang="en-US" smtClean="0"/>
-          </a:p>
           <a:p>
             <a:pPr algn="r">
               <a:defRPr/>
             </a:pPr>
             <a:r>
-              <a:rPr lang="en-US" sz="900" smtClean="0">
+              <a:rPr lang="en-US" sz="900">
                 <a:solidFill>
                   <a:schemeClr val="bg1"/>
                 </a:solidFill>
@@ -18314,7 +17652,7 @@
           <a:graphicData uri="http://schemas.openxmlformats.org/presentationml/2006/ole">
             <mc:AlternateContent xmlns:mc="http://schemas.openxmlformats.org/markup-compatibility/2006">
               <mc:Choice xmlns:v="urn:schemas-microsoft-com:vml" Requires="v">
-                <p:oleObj spid="_x0000_s49182" name="Document" r:id="rId3" imgW="7313400" imgH="4793756" progId="Word.Document.12">
+                <p:oleObj spid="_x0000_s49186" name="Document" r:id="rId3" imgW="7313400" imgH="4793756" progId="Word.Document.12">
                   <p:embed/>
                 </p:oleObj>
               </mc:Choice>
@@ -18359,13 +17697,6 @@
   <p:clrMapOvr>
     <a:masterClrMapping/>
   </p:clrMapOvr>
-  <p:timing>
-    <p:tnLst>
-      <p:par>
-        <p:cTn id="1" dur="indefinite" restart="never" nodeType="tmRoot"/>
-      </p:par>
-    </p:tnLst>
-  </p:timing>
 </p:sld>
 </file>
 
@@ -18402,10 +17733,9 @@
           <a:lstStyle/>
           <a:p>
             <a:r>
-              <a:rPr lang="en-US" dirty="0" smtClean="0"/>
+              <a:rPr lang="en-US" dirty="0"/>
               <a:t>HTML that contains element and text nodes</a:t>
             </a:r>
-            <a:endParaRPr lang="en-US" dirty="0"/>
           </a:p>
         </p:txBody>
       </p:sp>
@@ -18431,7 +17761,7 @@
           <a:graphicData uri="http://schemas.openxmlformats.org/presentationml/2006/ole">
             <mc:AlternateContent xmlns:mc="http://schemas.openxmlformats.org/markup-compatibility/2006">
               <mc:Choice xmlns:v="urn:schemas-microsoft-com:vml" Requires="v">
-                <p:oleObj spid="_x0000_s9246" name="Document" r:id="rId3" imgW="7313400" imgH="3227258" progId="Word.Document.12">
+                <p:oleObj spid="_x0000_s9250" name="Document" r:id="rId3" imgW="7313400" imgH="3227258" progId="Word.Document.12">
                   <p:embed/>
                 </p:oleObj>
               </mc:Choice>
@@ -18485,7 +17815,7 @@
               <a:defRPr/>
             </a:pPr>
             <a:r>
-              <a:rPr lang="en-US" smtClean="0"/>
+              <a:rPr lang="en-US"/>
               <a:t>Murach's JavaScript and jQuery (3rd Ed.)</a:t>
             </a:r>
             <a:endParaRPr lang="en-US" dirty="0"/>
@@ -18511,39 +17841,38 @@
               <a:defRPr/>
             </a:pPr>
             <a:r>
-              <a:rPr lang="en-US" smtClean="0"/>
+              <a:rPr lang="en-US"/>
               <a:t>© 2017, Mike Murach &amp; Associates, Inc.</a:t>
             </a:r>
+          </a:p>
+        </p:txBody>
+      </p:sp>
+      <p:sp>
+        <p:nvSpPr>
+          <p:cNvPr id="9" name="Slide Number Placeholder 8"/>
+          <p:cNvSpPr>
+            <a:spLocks noGrp="1"/>
+          </p:cNvSpPr>
+          <p:nvPr>
+            <p:ph type="sldNum" sz="quarter" idx="12"/>
+          </p:nvPr>
+        </p:nvSpPr>
+        <p:spPr/>
+        <p:txBody>
+          <a:bodyPr/>
+          <a:lstStyle/>
+          <a:p>
+            <a:pPr>
+              <a:defRPr/>
+            </a:pPr>
             <a:endParaRPr lang="en-US"/>
           </a:p>
-        </p:txBody>
-      </p:sp>
-      <p:sp>
-        <p:nvSpPr>
-          <p:cNvPr id="9" name="Slide Number Placeholder 8"/>
-          <p:cNvSpPr>
-            <a:spLocks noGrp="1"/>
-          </p:cNvSpPr>
-          <p:nvPr>
-            <p:ph type="sldNum" sz="quarter" idx="12"/>
-          </p:nvPr>
-        </p:nvSpPr>
-        <p:spPr/>
-        <p:txBody>
-          <a:bodyPr/>
-          <a:lstStyle/>
-          <a:p>
-            <a:pPr>
-              <a:defRPr/>
-            </a:pPr>
-            <a:endParaRPr lang="en-US" smtClean="0"/>
-          </a:p>
           <a:p>
             <a:pPr algn="r">
               <a:defRPr/>
             </a:pPr>
             <a:r>
-              <a:rPr lang="en-US" sz="900" smtClean="0">
+              <a:rPr lang="en-US" sz="900">
                 <a:solidFill>
                   <a:schemeClr val="bg1"/>
                 </a:solidFill>
@@ -18582,13 +17911,6 @@
   <p:clrMapOvr>
     <a:masterClrMapping/>
   </p:clrMapOvr>
-  <p:timing>
-    <p:tnLst>
-      <p:par>
-        <p:cTn id="1" dur="indefinite" restart="never" nodeType="tmRoot"/>
-      </p:par>
-    </p:tnLst>
-  </p:timing>
 </p:sld>
 </file>
 
@@ -18625,56 +17947,55 @@
           <a:lstStyle/>
           <a:p>
             <a:r>
-              <a:rPr lang="en-US" dirty="0" smtClean="0"/>
+              <a:rPr lang="en-US" dirty="0"/>
               <a:t>How to get the text of an HTML element </a:t>
             </a:r>
             <a:br>
-              <a:rPr lang="en-US" dirty="0" smtClean="0"/>
+              <a:rPr lang="en-US" dirty="0"/>
             </a:br>
             <a:r>
-              <a:rPr lang="en-US" dirty="0" smtClean="0"/>
+              <a:rPr lang="en-US" dirty="0"/>
               <a:t>with “</a:t>
             </a:r>
             <a:r>
-              <a:rPr lang="en-US" dirty="0" err="1" smtClean="0"/>
+              <a:rPr lang="en-US" dirty="0" err="1"/>
               <a:t>email_error</a:t>
             </a:r>
             <a:r>
-              <a:rPr lang="en-US" dirty="0" smtClean="0"/>
+              <a:rPr lang="en-US" dirty="0"/>
               <a:t>” as its id</a:t>
             </a:r>
+          </a:p>
+        </p:txBody>
+      </p:sp>
+      <p:sp>
+        <p:nvSpPr>
+          <p:cNvPr id="6" name="Date Placeholder 5"/>
+          <p:cNvSpPr>
+            <a:spLocks noGrp="1"/>
+          </p:cNvSpPr>
+          <p:nvPr>
+            <p:ph type="dt" sz="half" idx="10"/>
+          </p:nvPr>
+        </p:nvSpPr>
+        <p:spPr/>
+        <p:txBody>
+          <a:bodyPr/>
+          <a:lstStyle/>
+          <a:p>
+            <a:pPr>
+              <a:defRPr/>
+            </a:pPr>
+            <a:r>
+              <a:rPr lang="en-US"/>
+              <a:t>Murach's JavaScript and jQuery (3rd Ed.)</a:t>
+            </a:r>
             <a:endParaRPr lang="en-US" dirty="0"/>
           </a:p>
         </p:txBody>
       </p:sp>
       <p:sp>
         <p:nvSpPr>
-          <p:cNvPr id="6" name="Date Placeholder 5"/>
-          <p:cNvSpPr>
-            <a:spLocks noGrp="1"/>
-          </p:cNvSpPr>
-          <p:nvPr>
-            <p:ph type="dt" sz="half" idx="10"/>
-          </p:nvPr>
-        </p:nvSpPr>
-        <p:spPr/>
-        <p:txBody>
-          <a:bodyPr/>
-          <a:lstStyle/>
-          <a:p>
-            <a:pPr>
-              <a:defRPr/>
-            </a:pPr>
-            <a:r>
-              <a:rPr lang="en-US" smtClean="0"/>
-              <a:t>Murach's JavaScript and jQuery (3rd Ed.)</a:t>
-            </a:r>
-            <a:endParaRPr lang="en-US" dirty="0"/>
-          </a:p>
-        </p:txBody>
-      </p:sp>
-      <p:sp>
-        <p:nvSpPr>
           <p:cNvPr id="12" name="Footer Placeholder 11"/>
           <p:cNvSpPr>
             <a:spLocks noGrp="1"/>
@@ -18692,39 +18013,38 @@
               <a:defRPr/>
             </a:pPr>
             <a:r>
-              <a:rPr lang="en-US" smtClean="0"/>
+              <a:rPr lang="en-US"/>
               <a:t>© 2017, Mike Murach &amp; Associates, Inc.</a:t>
             </a:r>
+          </a:p>
+        </p:txBody>
+      </p:sp>
+      <p:sp>
+        <p:nvSpPr>
+          <p:cNvPr id="13" name="Slide Number Placeholder 12"/>
+          <p:cNvSpPr>
+            <a:spLocks noGrp="1"/>
+          </p:cNvSpPr>
+          <p:nvPr>
+            <p:ph type="sldNum" sz="quarter" idx="12"/>
+          </p:nvPr>
+        </p:nvSpPr>
+        <p:spPr/>
+        <p:txBody>
+          <a:bodyPr/>
+          <a:lstStyle/>
+          <a:p>
+            <a:pPr>
+              <a:defRPr/>
+            </a:pPr>
             <a:endParaRPr lang="en-US"/>
           </a:p>
-        </p:txBody>
-      </p:sp>
-      <p:sp>
-        <p:nvSpPr>
-          <p:cNvPr id="13" name="Slide Number Placeholder 12"/>
-          <p:cNvSpPr>
-            <a:spLocks noGrp="1"/>
-          </p:cNvSpPr>
-          <p:nvPr>
-            <p:ph type="sldNum" sz="quarter" idx="12"/>
-          </p:nvPr>
-        </p:nvSpPr>
-        <p:spPr/>
-        <p:txBody>
-          <a:bodyPr/>
-          <a:lstStyle/>
-          <a:p>
-            <a:pPr>
-              <a:defRPr/>
-            </a:pPr>
-            <a:endParaRPr lang="en-US" smtClean="0"/>
-          </a:p>
           <a:p>
             <a:pPr algn="r">
               <a:defRPr/>
             </a:pPr>
             <a:r>
-              <a:rPr lang="en-US" sz="900" smtClean="0">
+              <a:rPr lang="en-US" sz="900">
                 <a:solidFill>
                   <a:schemeClr val="bg1"/>
                 </a:solidFill>
@@ -18775,7 +18095,7 @@
           <a:graphicData uri="http://schemas.openxmlformats.org/presentationml/2006/ole">
             <mc:AlternateContent xmlns:mc="http://schemas.openxmlformats.org/markup-compatibility/2006">
               <mc:Choice xmlns:v="urn:schemas-microsoft-com:vml" Requires="v">
-                <p:oleObj spid="_x0000_s10334" name="Document" r:id="rId3" imgW="7313400" imgH="2571733" progId="Word.Document.12">
+                <p:oleObj spid="_x0000_s10338" name="Document" r:id="rId3" imgW="7313400" imgH="2571733" progId="Word.Document.12">
                   <p:embed/>
                 </p:oleObj>
               </mc:Choice>
@@ -18820,13 +18140,6 @@
   <p:clrMapOvr>
     <a:masterClrMapping/>
   </p:clrMapOvr>
-  <p:timing>
-    <p:tnLst>
-      <p:par>
-        <p:cTn id="1" dur="indefinite" restart="never" nodeType="tmRoot"/>
-      </p:par>
-    </p:tnLst>
-  </p:timing>
 </p:sld>
 </file>
 

--- a/murach_js_3e/slides/Chapter 06 slides.pptx
+++ b/murach_js_3e/slides/Chapter 06 slides.pptx
@@ -2687,7 +2687,7 @@
           <a:graphicData uri="http://schemas.openxmlformats.org/presentationml/2006/ole">
             <mc:AlternateContent xmlns:mc="http://schemas.openxmlformats.org/markup-compatibility/2006">
               <mc:Choice xmlns:v="urn:schemas-microsoft-com:vml" Requires="v">
-                <p:oleObj spid="_x0000_s1052" name="Document" r:id="rId3" imgW="7313400" imgH="2482506" progId="Word.Document.12">
+                <p:oleObj spid="_x0000_s1053" name="Document" r:id="rId3" imgW="7313400" imgH="2482506" progId="Word.Document.12">
                   <p:embed/>
                 </p:oleObj>
               </mc:Choice>
@@ -3017,7 +3017,7 @@
           <a:graphicData uri="http://schemas.openxmlformats.org/presentationml/2006/ole">
             <mc:AlternateContent xmlns:mc="http://schemas.openxmlformats.org/markup-compatibility/2006">
               <mc:Choice xmlns:v="urn:schemas-microsoft-com:vml" Requires="v">
-                <p:oleObj spid="_x0000_s11330" name="Document" r:id="rId3" imgW="7313400" imgH="2683985" progId="Word.Document.12">
+                <p:oleObj spid="_x0000_s11331" name="Document" r:id="rId3" imgW="7313400" imgH="2683985" progId="Word.Document.12">
                   <p:embed/>
                 </p:oleObj>
               </mc:Choice>
@@ -3243,7 +3243,7 @@
           <a:graphicData uri="http://schemas.openxmlformats.org/presentationml/2006/ole">
             <mc:AlternateContent xmlns:mc="http://schemas.openxmlformats.org/markup-compatibility/2006">
               <mc:Choice xmlns:v="urn:schemas-microsoft-com:vml" Requires="v">
-                <p:oleObj spid="_x0000_s12323" name="Document" r:id="rId3" imgW="7313400" imgH="1657163" progId="Word.Document.12">
+                <p:oleObj spid="_x0000_s12324" name="Document" r:id="rId3" imgW="7313400" imgH="1657163" progId="Word.Document.12">
                   <p:embed/>
                 </p:oleObj>
               </mc:Choice>
@@ -3462,7 +3462,7 @@
           <a:graphicData uri="http://schemas.openxmlformats.org/presentationml/2006/ole">
             <mc:AlternateContent xmlns:mc="http://schemas.openxmlformats.org/markup-compatibility/2006">
               <mc:Choice xmlns:v="urn:schemas-microsoft-com:vml" Requires="v">
-                <p:oleObj spid="_x0000_s13347" name="Document" r:id="rId3" imgW="7313400" imgH="3073990" progId="Word.Document.12">
+                <p:oleObj spid="_x0000_s13348" name="Document" r:id="rId3" imgW="7313400" imgH="3073990" progId="Word.Document.12">
                   <p:embed/>
                 </p:oleObj>
               </mc:Choice>
@@ -3676,7 +3676,7 @@
           <a:graphicData uri="http://schemas.openxmlformats.org/presentationml/2006/ole">
             <mc:AlternateContent xmlns:mc="http://schemas.openxmlformats.org/markup-compatibility/2006">
               <mc:Choice xmlns:v="urn:schemas-microsoft-com:vml" Requires="v">
-                <p:oleObj spid="_x0000_s50199" name="Document" r:id="rId3" imgW="7313400" imgH="498300" progId="Word.Document.12">
+                <p:oleObj spid="_x0000_s50200" name="Document" r:id="rId3" imgW="7313400" imgH="498300" progId="Word.Document.12">
                   <p:embed/>
                 </p:oleObj>
               </mc:Choice>
@@ -3897,7 +3897,7 @@
           <a:graphicData uri="http://schemas.openxmlformats.org/presentationml/2006/ole">
             <mc:AlternateContent xmlns:mc="http://schemas.openxmlformats.org/markup-compatibility/2006">
               <mc:Choice xmlns:v="urn:schemas-microsoft-com:vml" Requires="v">
-                <p:oleObj spid="_x0000_s51224" name="Document" r:id="rId3" imgW="7313400" imgH="4350862" progId="Word.Document.12">
+                <p:oleObj spid="_x0000_s51225" name="Document" r:id="rId3" imgW="7313400" imgH="4350862" progId="Word.Document.12">
                   <p:embed/>
                 </p:oleObj>
               </mc:Choice>
@@ -4118,7 +4118,7 @@
           <a:graphicData uri="http://schemas.openxmlformats.org/presentationml/2006/ole">
             <mc:AlternateContent xmlns:mc="http://schemas.openxmlformats.org/markup-compatibility/2006">
               <mc:Choice xmlns:v="urn:schemas-microsoft-com:vml" Requires="v">
-                <p:oleObj spid="_x0000_s52247" name="Document" r:id="rId3" imgW="7301323" imgH="2704231" progId="Word.Document.12">
+                <p:oleObj spid="_x0000_s52248" name="Document" r:id="rId3" imgW="7301323" imgH="2704231" progId="Word.Document.12">
                   <p:embed/>
                 </p:oleObj>
               </mc:Choice>
@@ -4332,7 +4332,7 @@
           <a:graphicData uri="http://schemas.openxmlformats.org/presentationml/2006/ole">
             <mc:AlternateContent xmlns:mc="http://schemas.openxmlformats.org/markup-compatibility/2006">
               <mc:Choice xmlns:v="urn:schemas-microsoft-com:vml" Requires="v">
-                <p:oleObj spid="_x0000_s53271" name="Document" r:id="rId3" imgW="7301323" imgH="2894945" progId="Word.Document.12">
+                <p:oleObj spid="_x0000_s53272" name="Document" r:id="rId3" imgW="7301323" imgH="2894945" progId="Word.Document.12">
                   <p:embed/>
                 </p:oleObj>
               </mc:Choice>
@@ -4546,7 +4546,7 @@
           <a:graphicData uri="http://schemas.openxmlformats.org/presentationml/2006/ole">
             <mc:AlternateContent xmlns:mc="http://schemas.openxmlformats.org/markup-compatibility/2006">
               <mc:Choice xmlns:v="urn:schemas-microsoft-com:vml" Requires="v">
-                <p:oleObj spid="_x0000_s54295" name="Document" r:id="rId3" imgW="7301323" imgH="1888744" progId="Word.Document.12">
+                <p:oleObj spid="_x0000_s54296" name="Document" r:id="rId3" imgW="7301323" imgH="1888744" progId="Word.Document.12">
                   <p:embed/>
                 </p:oleObj>
               </mc:Choice>
@@ -4655,7 +4655,7 @@
           <a:graphicData uri="http://schemas.openxmlformats.org/presentationml/2006/ole">
             <mc:AlternateContent xmlns:mc="http://schemas.openxmlformats.org/markup-compatibility/2006">
               <mc:Choice xmlns:v="urn:schemas-microsoft-com:vml" Requires="v">
-                <p:oleObj spid="_x0000_s14371" name="Document" r:id="rId3" imgW="7313400" imgH="2111210" progId="Word.Document.12">
+                <p:oleObj spid="_x0000_s14372" name="Document" r:id="rId3" imgW="7313400" imgH="2111210" progId="Word.Document.12">
                   <p:embed/>
                 </p:oleObj>
               </mc:Choice>
@@ -5056,7 +5056,7 @@
           <a:graphicData uri="http://schemas.openxmlformats.org/presentationml/2006/ole">
             <mc:AlternateContent xmlns:mc="http://schemas.openxmlformats.org/markup-compatibility/2006">
               <mc:Choice xmlns:v="urn:schemas-microsoft-com:vml" Requires="v">
-                <p:oleObj spid="_x0000_s2084" name="Document" r:id="rId3" imgW="7313400" imgH="5213263" progId="Word.Document.12">
+                <p:oleObj spid="_x0000_s2085" name="Document" r:id="rId3" imgW="7313400" imgH="5213263" progId="Word.Document.12">
                   <p:embed/>
                 </p:oleObj>
               </mc:Choice>
@@ -5270,7 +5270,7 @@
           <a:graphicData uri="http://schemas.openxmlformats.org/presentationml/2006/ole">
             <mc:AlternateContent xmlns:mc="http://schemas.openxmlformats.org/markup-compatibility/2006">
               <mc:Choice xmlns:v="urn:schemas-microsoft-com:vml" Requires="v">
-                <p:oleObj spid="_x0000_s22565" name="Document" r:id="rId3" imgW="7313400" imgH="3917323" progId="Word.Document.12">
+                <p:oleObj spid="_x0000_s22566" name="Document" r:id="rId3" imgW="7313400" imgH="3917323" progId="Word.Document.12">
                   <p:embed/>
                 </p:oleObj>
               </mc:Choice>
@@ -5484,7 +5484,7 @@
           <a:graphicData uri="http://schemas.openxmlformats.org/presentationml/2006/ole">
             <mc:AlternateContent xmlns:mc="http://schemas.openxmlformats.org/markup-compatibility/2006">
               <mc:Choice xmlns:v="urn:schemas-microsoft-com:vml" Requires="v">
-                <p:oleObj spid="_x0000_s23589" name="Document" r:id="rId3" imgW="7313400" imgH="3457520" progId="Word.Document.12">
+                <p:oleObj spid="_x0000_s23590" name="Document" r:id="rId3" imgW="7313400" imgH="3457520" progId="Word.Document.12">
                   <p:embed/>
                 </p:oleObj>
               </mc:Choice>
@@ -5698,7 +5698,7 @@
           <a:graphicData uri="http://schemas.openxmlformats.org/presentationml/2006/ole">
             <mc:AlternateContent xmlns:mc="http://schemas.openxmlformats.org/markup-compatibility/2006">
               <mc:Choice xmlns:v="urn:schemas-microsoft-com:vml" Requires="v">
-                <p:oleObj spid="_x0000_s24613" name="Document" r:id="rId3" imgW="7313400" imgH="3054922" progId="Word.Document.12">
+                <p:oleObj spid="_x0000_s24614" name="Document" r:id="rId3" imgW="7313400" imgH="3054922" progId="Word.Document.12">
                   <p:embed/>
                 </p:oleObj>
               </mc:Choice>
@@ -5912,7 +5912,7 @@
           <a:graphicData uri="http://schemas.openxmlformats.org/presentationml/2006/ole">
             <mc:AlternateContent xmlns:mc="http://schemas.openxmlformats.org/markup-compatibility/2006">
               <mc:Choice xmlns:v="urn:schemas-microsoft-com:vml" Requires="v">
-                <p:oleObj spid="_x0000_s25637" name="Document" r:id="rId3" imgW="7541944" imgH="4821459" progId="Word.Document.12">
+                <p:oleObj spid="_x0000_s25638" name="Document" r:id="rId3" imgW="7541944" imgH="4821459" progId="Word.Document.12">
                   <p:embed/>
                 </p:oleObj>
               </mc:Choice>
@@ -6131,7 +6131,7 @@
           <a:graphicData uri="http://schemas.openxmlformats.org/presentationml/2006/ole">
             <mc:AlternateContent xmlns:mc="http://schemas.openxmlformats.org/markup-compatibility/2006">
               <mc:Choice xmlns:v="urn:schemas-microsoft-com:vml" Requires="v">
-                <p:oleObj spid="_x0000_s26662" name="Document" r:id="rId3" imgW="7313400" imgH="2765296" progId="Word.Document.12">
+                <p:oleObj spid="_x0000_s26663" name="Document" r:id="rId3" imgW="7313400" imgH="2765296" progId="Word.Document.12">
                   <p:embed/>
                 </p:oleObj>
               </mc:Choice>
@@ -6530,7 +6530,7 @@
           <a:graphicData uri="http://schemas.openxmlformats.org/presentationml/2006/ole">
             <mc:AlternateContent xmlns:mc="http://schemas.openxmlformats.org/markup-compatibility/2006">
               <mc:Choice xmlns:v="urn:schemas-microsoft-com:vml" Requires="v">
-                <p:oleObj spid="_x0000_s55319" name="Document" r:id="rId3" imgW="7313400" imgH="2997357" progId="Word.Document.12">
+                <p:oleObj spid="_x0000_s55320" name="Document" r:id="rId3" imgW="7313400" imgH="2997357" progId="Word.Document.12">
                   <p:embed/>
                 </p:oleObj>
               </mc:Choice>
@@ -6744,7 +6744,7 @@
           <a:graphicData uri="http://schemas.openxmlformats.org/presentationml/2006/ole">
             <mc:AlternateContent xmlns:mc="http://schemas.openxmlformats.org/markup-compatibility/2006">
               <mc:Choice xmlns:v="urn:schemas-microsoft-com:vml" Requires="v">
-                <p:oleObj spid="_x0000_s56343" name="Document" r:id="rId3" imgW="7301323" imgH="3000789" progId="Word.Document.12">
+                <p:oleObj spid="_x0000_s56344" name="Document" r:id="rId3" imgW="7301323" imgH="3000789" progId="Word.Document.12">
                   <p:embed/>
                 </p:oleObj>
               </mc:Choice>
@@ -6958,7 +6958,7 @@
           <a:graphicData uri="http://schemas.openxmlformats.org/presentationml/2006/ole">
             <mc:AlternateContent xmlns:mc="http://schemas.openxmlformats.org/markup-compatibility/2006">
               <mc:Choice xmlns:v="urn:schemas-microsoft-com:vml" Requires="v">
-                <p:oleObj spid="_x0000_s57368" name="Document" r:id="rId3" imgW="7313400" imgH="2998436" progId="Word.Document.12">
+                <p:oleObj spid="_x0000_s57369" name="Document" r:id="rId3" imgW="7313400" imgH="2998436" progId="Word.Document.12">
                   <p:embed/>
                 </p:oleObj>
               </mc:Choice>
@@ -7172,7 +7172,7 @@
           <a:graphicData uri="http://schemas.openxmlformats.org/presentationml/2006/ole">
             <mc:AlternateContent xmlns:mc="http://schemas.openxmlformats.org/markup-compatibility/2006">
               <mc:Choice xmlns:v="urn:schemas-microsoft-com:vml" Requires="v">
-                <p:oleObj spid="_x0000_s58391" name="Document" r:id="rId3" imgW="7301323" imgH="3000789" progId="Word.Document.12">
+                <p:oleObj spid="_x0000_s58392" name="Document" r:id="rId3" imgW="7301323" imgH="3000789" progId="Word.Document.12">
                   <p:embed/>
                 </p:oleObj>
               </mc:Choice>
@@ -7386,7 +7386,7 @@
           <a:graphicData uri="http://schemas.openxmlformats.org/presentationml/2006/ole">
             <mc:AlternateContent xmlns:mc="http://schemas.openxmlformats.org/markup-compatibility/2006">
               <mc:Choice xmlns:v="urn:schemas-microsoft-com:vml" Requires="v">
-                <p:oleObj spid="_x0000_s3108" name="Document" r:id="rId3" imgW="7313400" imgH="4564574" progId="Word.Document.12">
+                <p:oleObj spid="_x0000_s3109" name="Document" r:id="rId3" imgW="7313400" imgH="4564574" progId="Word.Document.12">
                   <p:embed/>
                 </p:oleObj>
               </mc:Choice>
@@ -7608,7 +7608,7 @@
           <a:graphicData uri="http://schemas.openxmlformats.org/presentationml/2006/ole">
             <mc:AlternateContent xmlns:mc="http://schemas.openxmlformats.org/markup-compatibility/2006">
               <mc:Choice xmlns:v="urn:schemas-microsoft-com:vml" Requires="v">
-                <p:oleObj spid="_x0000_s59415" name="Document" r:id="rId3" imgW="7301323" imgH="3000789" progId="Word.Document.12">
+                <p:oleObj spid="_x0000_s59416" name="Document" r:id="rId3" imgW="7301323" imgH="3000789" progId="Word.Document.12">
                   <p:embed/>
                 </p:oleObj>
               </mc:Choice>
@@ -7822,7 +7822,7 @@
           <a:graphicData uri="http://schemas.openxmlformats.org/presentationml/2006/ole">
             <mc:AlternateContent xmlns:mc="http://schemas.openxmlformats.org/markup-compatibility/2006">
               <mc:Choice xmlns:v="urn:schemas-microsoft-com:vml" Requires="v">
-                <p:oleObj spid="_x0000_s60439" name="Document" r:id="rId3" imgW="7313400" imgH="2997357" progId="Word.Document.12">
+                <p:oleObj spid="_x0000_s60440" name="Document" r:id="rId3" imgW="7313400" imgH="2997357" progId="Word.Document.12">
                   <p:embed/>
                 </p:oleObj>
               </mc:Choice>
@@ -8048,7 +8048,7 @@
           <a:graphicData uri="http://schemas.openxmlformats.org/presentationml/2006/ole">
             <mc:AlternateContent xmlns:mc="http://schemas.openxmlformats.org/markup-compatibility/2006">
               <mc:Choice xmlns:v="urn:schemas-microsoft-com:vml" Requires="v">
-                <p:oleObj spid="_x0000_s61463" name="Document" r:id="rId3" imgW="7313400" imgH="3687421" progId="Word.Document.12">
+                <p:oleObj spid="_x0000_s61464" name="Document" r:id="rId3" imgW="7313400" imgH="3687421" progId="Word.Document.12">
                   <p:embed/>
                 </p:oleObj>
               </mc:Choice>
@@ -8274,7 +8274,7 @@
           <a:graphicData uri="http://schemas.openxmlformats.org/presentationml/2006/ole">
             <mc:AlternateContent xmlns:mc="http://schemas.openxmlformats.org/markup-compatibility/2006">
               <mc:Choice xmlns:v="urn:schemas-microsoft-com:vml" Requires="v">
-                <p:oleObj spid="_x0000_s62487" name="Document" r:id="rId3" imgW="7301323" imgH="3000789" progId="Word.Document.12">
+                <p:oleObj spid="_x0000_s62488" name="Document" r:id="rId3" imgW="7301323" imgH="3000789" progId="Word.Document.12">
                   <p:embed/>
                 </p:oleObj>
               </mc:Choice>
@@ -8488,7 +8488,7 @@
           <a:graphicData uri="http://schemas.openxmlformats.org/presentationml/2006/ole">
             <mc:AlternateContent xmlns:mc="http://schemas.openxmlformats.org/markup-compatibility/2006">
               <mc:Choice xmlns:v="urn:schemas-microsoft-com:vml" Requires="v">
-                <p:oleObj spid="_x0000_s63511" name="Document" r:id="rId3" imgW="7301323" imgH="3000789" progId="Word.Document.12">
+                <p:oleObj spid="_x0000_s63512" name="Document" r:id="rId3" imgW="7301323" imgH="3000789" progId="Word.Document.12">
                   <p:embed/>
                 </p:oleObj>
               </mc:Choice>
@@ -8702,7 +8702,7 @@
           <a:graphicData uri="http://schemas.openxmlformats.org/presentationml/2006/ole">
             <mc:AlternateContent xmlns:mc="http://schemas.openxmlformats.org/markup-compatibility/2006">
               <mc:Choice xmlns:v="urn:schemas-microsoft-com:vml" Requires="v">
-                <p:oleObj spid="_x0000_s64536" name="Document" r:id="rId3" imgW="7313400" imgH="2996997" progId="Word.Document.12">
+                <p:oleObj spid="_x0000_s64537" name="Document" r:id="rId3" imgW="7313400" imgH="2996997" progId="Word.Document.12">
                   <p:embed/>
                 </p:oleObj>
               </mc:Choice>
@@ -8923,7 +8923,7 @@
           <a:graphicData uri="http://schemas.openxmlformats.org/presentationml/2006/ole">
             <mc:AlternateContent xmlns:mc="http://schemas.openxmlformats.org/markup-compatibility/2006">
               <mc:Choice xmlns:v="urn:schemas-microsoft-com:vml" Requires="v">
-                <p:oleObj spid="_x0000_s65560" name="Document" r:id="rId3" imgW="7476440" imgH="3227258" progId="Word.Document.12">
+                <p:oleObj spid="_x0000_s65561" name="Document" r:id="rId3" imgW="7476440" imgH="3227258" progId="Word.Document.12">
                   <p:embed/>
                 </p:oleObj>
               </mc:Choice>
@@ -9144,7 +9144,7 @@
           <a:graphicData uri="http://schemas.openxmlformats.org/presentationml/2006/ole">
             <mc:AlternateContent xmlns:mc="http://schemas.openxmlformats.org/markup-compatibility/2006">
               <mc:Choice xmlns:v="urn:schemas-microsoft-com:vml" Requires="v">
-                <p:oleObj spid="_x0000_s66583" name="Document" r:id="rId3" imgW="7301323" imgH="3000789" progId="Word.Document.12">
+                <p:oleObj spid="_x0000_s66584" name="Document" r:id="rId3" imgW="7301323" imgH="3000789" progId="Word.Document.12">
                   <p:embed/>
                 </p:oleObj>
               </mc:Choice>
@@ -9365,7 +9365,7 @@
           <a:graphicData uri="http://schemas.openxmlformats.org/presentationml/2006/ole">
             <mc:AlternateContent xmlns:mc="http://schemas.openxmlformats.org/markup-compatibility/2006">
               <mc:Choice xmlns:v="urn:schemas-microsoft-com:vml" Requires="v">
-                <p:oleObj spid="_x0000_s67608" name="Document" r:id="rId3" imgW="7301323" imgH="3000789" progId="Word.Document.12">
+                <p:oleObj spid="_x0000_s67609" name="Document" r:id="rId3" imgW="7301323" imgH="3000789" progId="Word.Document.12">
                   <p:embed/>
                 </p:oleObj>
               </mc:Choice>
@@ -9591,7 +9591,7 @@
           <a:graphicData uri="http://schemas.openxmlformats.org/presentationml/2006/ole">
             <mc:AlternateContent xmlns:mc="http://schemas.openxmlformats.org/markup-compatibility/2006">
               <mc:Choice xmlns:v="urn:schemas-microsoft-com:vml" Requires="v">
-                <p:oleObj spid="_x0000_s68631" name="Document" r:id="rId3" imgW="7301323" imgH="3000789" progId="Word.Document.12">
+                <p:oleObj spid="_x0000_s68632" name="Document" r:id="rId3" imgW="7301323" imgH="3000789" progId="Word.Document.12">
                   <p:embed/>
                 </p:oleObj>
               </mc:Choice>
@@ -9805,7 +9805,7 @@
           <a:graphicData uri="http://schemas.openxmlformats.org/presentationml/2006/ole">
             <mc:AlternateContent xmlns:mc="http://schemas.openxmlformats.org/markup-compatibility/2006">
               <mc:Choice xmlns:v="urn:schemas-microsoft-com:vml" Requires="v">
-                <p:oleObj spid="_x0000_s5156" name="Document" r:id="rId3" imgW="7313400" imgH="3917323" progId="Word.Document.12">
+                <p:oleObj spid="_x0000_s5157" name="Document" r:id="rId3" imgW="7313400" imgH="3917323" progId="Word.Document.12">
                   <p:embed/>
                 </p:oleObj>
               </mc:Choice>
@@ -10019,7 +10019,7 @@
           <a:graphicData uri="http://schemas.openxmlformats.org/presentationml/2006/ole">
             <mc:AlternateContent xmlns:mc="http://schemas.openxmlformats.org/markup-compatibility/2006">
               <mc:Choice xmlns:v="urn:schemas-microsoft-com:vml" Requires="v">
-                <p:oleObj spid="_x0000_s69655" name="Document" r:id="rId3" imgW="7301323" imgH="3000789" progId="Word.Document.12">
+                <p:oleObj spid="_x0000_s69656" name="Document" r:id="rId3" imgW="7301323" imgH="3000789" progId="Word.Document.12">
                   <p:embed/>
                 </p:oleObj>
               </mc:Choice>
@@ -10233,7 +10233,7 @@
           <a:graphicData uri="http://schemas.openxmlformats.org/presentationml/2006/ole">
             <mc:AlternateContent xmlns:mc="http://schemas.openxmlformats.org/markup-compatibility/2006">
               <mc:Choice xmlns:v="urn:schemas-microsoft-com:vml" Requires="v">
-                <p:oleObj spid="_x0000_s70679" name="Document" r:id="rId3" imgW="7301323" imgH="3000789" progId="Word.Document.12">
+                <p:oleObj spid="_x0000_s70680" name="Document" r:id="rId3" imgW="7301323" imgH="3000789" progId="Word.Document.12">
                   <p:embed/>
                 </p:oleObj>
               </mc:Choice>
@@ -10462,7 +10462,7 @@
           <a:graphicData uri="http://schemas.openxmlformats.org/presentationml/2006/ole">
             <mc:AlternateContent xmlns:mc="http://schemas.openxmlformats.org/markup-compatibility/2006">
               <mc:Choice xmlns:v="urn:schemas-microsoft-com:vml" Requires="v">
-                <p:oleObj spid="_x0000_s71704" name="Document" r:id="rId3" imgW="7313400" imgH="2995558" progId="Word.Document.12">
+                <p:oleObj spid="_x0000_s71705" name="Document" r:id="rId3" imgW="7313400" imgH="2995558" progId="Word.Document.12">
                   <p:embed/>
                 </p:oleObj>
               </mc:Choice>
@@ -10696,7 +10696,7 @@
           <a:graphicData uri="http://schemas.openxmlformats.org/presentationml/2006/ole">
             <mc:AlternateContent xmlns:mc="http://schemas.openxmlformats.org/markup-compatibility/2006">
               <mc:Choice xmlns:v="urn:schemas-microsoft-com:vml" Requires="v">
-                <p:oleObj spid="_x0000_s72728" name="Document" r:id="rId3" imgW="7313400" imgH="2996997" progId="Word.Document.12">
+                <p:oleObj spid="_x0000_s72729" name="Document" r:id="rId3" imgW="7313400" imgH="2996997" progId="Word.Document.12">
                   <p:embed/>
                 </p:oleObj>
               </mc:Choice>
@@ -10923,7 +10923,7 @@
           <a:graphicData uri="http://schemas.openxmlformats.org/presentationml/2006/ole">
             <mc:AlternateContent xmlns:mc="http://schemas.openxmlformats.org/markup-compatibility/2006">
               <mc:Choice xmlns:v="urn:schemas-microsoft-com:vml" Requires="v">
-                <p:oleObj spid="_x0000_s73751" name="Document" r:id="rId3" imgW="7313400" imgH="2998436" progId="Word.Document.12">
+                <p:oleObj spid="_x0000_s73752" name="Document" r:id="rId3" imgW="7313400" imgH="2998436" progId="Word.Document.12">
                   <p:embed/>
                 </p:oleObj>
               </mc:Choice>
@@ -11329,7 +11329,7 @@
           <a:graphicData uri="http://schemas.openxmlformats.org/presentationml/2006/ole">
             <mc:AlternateContent xmlns:mc="http://schemas.openxmlformats.org/markup-compatibility/2006">
               <mc:Choice xmlns:v="urn:schemas-microsoft-com:vml" Requires="v">
-                <p:oleObj spid="_x0000_s74776" name="Document" r:id="rId3" imgW="7313400" imgH="4597674" progId="Word.Document.12">
+                <p:oleObj spid="_x0000_s74777" name="Document" r:id="rId3" imgW="7313400" imgH="4597674" progId="Word.Document.12">
                   <p:embed/>
                 </p:oleObj>
               </mc:Choice>
@@ -11543,7 +11543,7 @@
           <a:graphicData uri="http://schemas.openxmlformats.org/presentationml/2006/ole">
             <mc:AlternateContent xmlns:mc="http://schemas.openxmlformats.org/markup-compatibility/2006">
               <mc:Choice xmlns:v="urn:schemas-microsoft-com:vml" Requires="v">
-                <p:oleObj spid="_x0000_s75800" name="Document" r:id="rId3" imgW="7313400" imgH="4597674" progId="Word.Document.12">
+                <p:oleObj spid="_x0000_s75801" name="Document" r:id="rId3" imgW="7313400" imgH="4597674" progId="Word.Document.12">
                   <p:embed/>
                 </p:oleObj>
               </mc:Choice>
@@ -11769,7 +11769,7 @@
           <a:graphicData uri="http://schemas.openxmlformats.org/presentationml/2006/ole">
             <mc:AlternateContent xmlns:mc="http://schemas.openxmlformats.org/markup-compatibility/2006">
               <mc:Choice xmlns:v="urn:schemas-microsoft-com:vml" Requires="v">
-                <p:oleObj spid="_x0000_s76823" name="Document" r:id="rId3" imgW="7301323" imgH="4604523" progId="Word.Document.12">
+                <p:oleObj spid="_x0000_s76824" name="Document" r:id="rId3" imgW="7301323" imgH="4604523" progId="Word.Document.12">
                   <p:embed/>
                 </p:oleObj>
               </mc:Choice>
@@ -11983,7 +11983,7 @@
           <a:graphicData uri="http://schemas.openxmlformats.org/presentationml/2006/ole">
             <mc:AlternateContent xmlns:mc="http://schemas.openxmlformats.org/markup-compatibility/2006">
               <mc:Choice xmlns:v="urn:schemas-microsoft-com:vml" Requires="v">
-                <p:oleObj spid="_x0000_s77848" name="Document" r:id="rId3" imgW="7643439" imgH="5284860" progId="Word.Document.12">
+                <p:oleObj spid="_x0000_s77849" name="Document" r:id="rId3" imgW="7643439" imgH="5284860" progId="Word.Document.12">
                   <p:embed/>
                 </p:oleObj>
               </mc:Choice>
@@ -12382,7 +12382,7 @@
           <a:graphicData uri="http://schemas.openxmlformats.org/presentationml/2006/ole">
             <mc:AlternateContent xmlns:mc="http://schemas.openxmlformats.org/markup-compatibility/2006">
               <mc:Choice xmlns:v="urn:schemas-microsoft-com:vml" Requires="v">
-                <p:oleObj spid="_x0000_s78872" name="Document" r:id="rId3" imgW="7313400" imgH="5030853" progId="Word.Document.12">
+                <p:oleObj spid="_x0000_s78873" name="Document" r:id="rId3" imgW="7313400" imgH="5030853" progId="Word.Document.12">
                   <p:embed/>
                 </p:oleObj>
               </mc:Choice>
@@ -12596,7 +12596,7 @@
           <a:graphicData uri="http://schemas.openxmlformats.org/presentationml/2006/ole">
             <mc:AlternateContent xmlns:mc="http://schemas.openxmlformats.org/markup-compatibility/2006">
               <mc:Choice xmlns:v="urn:schemas-microsoft-com:vml" Requires="v">
-                <p:oleObj spid="_x0000_s79896" name="Document" r:id="rId3" imgW="7313400" imgH="5032652" progId="Word.Document.12">
+                <p:oleObj spid="_x0000_s79897" name="Document" r:id="rId3" imgW="7313400" imgH="5032652" progId="Word.Document.12">
                   <p:embed/>
                 </p:oleObj>
               </mc:Choice>
@@ -12822,7 +12822,7 @@
           <a:graphicData uri="http://schemas.openxmlformats.org/presentationml/2006/ole">
             <mc:AlternateContent xmlns:mc="http://schemas.openxmlformats.org/markup-compatibility/2006">
               <mc:Choice xmlns:v="urn:schemas-microsoft-com:vml" Requires="v">
-                <p:oleObj spid="_x0000_s90135" name="Document" r:id="rId3" imgW="7301323" imgH="5039483" progId="Word.Document.12">
+                <p:oleObj spid="_x0000_s90136" name="Document" r:id="rId3" imgW="7301323" imgH="5039483" progId="Word.Document.12">
                   <p:embed/>
                 </p:oleObj>
               </mc:Choice>
@@ -13343,7 +13343,7 @@
           <a:graphicData uri="http://schemas.openxmlformats.org/presentationml/2006/ole">
             <mc:AlternateContent xmlns:mc="http://schemas.openxmlformats.org/markup-compatibility/2006">
               <mc:Choice xmlns:v="urn:schemas-microsoft-com:vml" Requires="v">
-                <p:oleObj spid="_x0000_s101386" name="Document" r:id="rId3" imgW="7313400" imgH="1380130" progId="Word.Document.12">
+                <p:oleObj spid="_x0000_s101387" name="Document" r:id="rId3" imgW="7313400" imgH="1380130" progId="Word.Document.12">
                   <p:embed/>
                 </p:oleObj>
               </mc:Choice>
@@ -13562,7 +13562,7 @@
           <a:graphicData uri="http://schemas.openxmlformats.org/presentationml/2006/ole">
             <mc:AlternateContent xmlns:mc="http://schemas.openxmlformats.org/markup-compatibility/2006">
               <mc:Choice xmlns:v="urn:schemas-microsoft-com:vml" Requires="v">
-                <p:oleObj spid="_x0000_s102410" name="Document" r:id="rId3" imgW="7313400" imgH="3680945" progId="Word.Document.12">
+                <p:oleObj spid="_x0000_s102411" name="Document" r:id="rId3" imgW="7313400" imgH="3680945" progId="Word.Document.12">
                   <p:embed/>
                 </p:oleObj>
               </mc:Choice>
@@ -13781,7 +13781,7 @@
           <a:graphicData uri="http://schemas.openxmlformats.org/presentationml/2006/ole">
             <mc:AlternateContent xmlns:mc="http://schemas.openxmlformats.org/markup-compatibility/2006">
               <mc:Choice xmlns:v="urn:schemas-microsoft-com:vml" Requires="v">
-                <p:oleObj spid="_x0000_s103434" name="Document" r:id="rId3" imgW="7313400" imgH="1076832" progId="Word.Document.12">
+                <p:oleObj spid="_x0000_s103435" name="Document" r:id="rId3" imgW="7313400" imgH="1076832" progId="Word.Document.12">
                   <p:embed/>
                 </p:oleObj>
               </mc:Choice>
@@ -14293,7 +14293,7 @@
           <a:graphicData uri="http://schemas.openxmlformats.org/presentationml/2006/ole">
             <mc:AlternateContent xmlns:mc="http://schemas.openxmlformats.org/markup-compatibility/2006">
               <mc:Choice xmlns:v="urn:schemas-microsoft-com:vml" Requires="v">
-                <p:oleObj spid="_x0000_s92184" name="Document" r:id="rId3" imgW="7313400" imgH="5035530" progId="Word.Document.12">
+                <p:oleObj spid="_x0000_s92185" name="Document" r:id="rId3" imgW="7313400" imgH="5035530" progId="Word.Document.12">
                   <p:embed/>
                 </p:oleObj>
               </mc:Choice>
@@ -14507,7 +14507,7 @@
           <a:graphicData uri="http://schemas.openxmlformats.org/presentationml/2006/ole">
             <mc:AlternateContent xmlns:mc="http://schemas.openxmlformats.org/markup-compatibility/2006">
               <mc:Choice xmlns:v="urn:schemas-microsoft-com:vml" Requires="v">
-                <p:oleObj spid="_x0000_s7202" name="Document" r:id="rId3" imgW="7301323" imgH="1225664" progId="Word.Document.12">
+                <p:oleObj spid="_x0000_s7203" name="Document" r:id="rId3" imgW="7301323" imgH="1225664" progId="Word.Document.12">
                   <p:embed/>
                 </p:oleObj>
               </mc:Choice>
@@ -14721,7 +14721,7 @@
           <a:graphicData uri="http://schemas.openxmlformats.org/presentationml/2006/ole">
             <mc:AlternateContent xmlns:mc="http://schemas.openxmlformats.org/markup-compatibility/2006">
               <mc:Choice xmlns:v="urn:schemas-microsoft-com:vml" Requires="v">
-                <p:oleObj spid="_x0000_s93207" name="Document" r:id="rId3" imgW="7313400" imgH="5035530" progId="Word.Document.12">
+                <p:oleObj spid="_x0000_s93208" name="Document" r:id="rId3" imgW="7313400" imgH="5035530" progId="Word.Document.12">
                   <p:embed/>
                 </p:oleObj>
               </mc:Choice>
@@ -14935,7 +14935,7 @@
           <a:graphicData uri="http://schemas.openxmlformats.org/presentationml/2006/ole">
             <mc:AlternateContent xmlns:mc="http://schemas.openxmlformats.org/markup-compatibility/2006">
               <mc:Choice xmlns:v="urn:schemas-microsoft-com:vml" Requires="v">
-                <p:oleObj spid="_x0000_s94232" name="Document" r:id="rId3" imgW="7313400" imgH="5032652" progId="Word.Document.12">
+                <p:oleObj spid="_x0000_s94233" name="Document" r:id="rId3" imgW="7313400" imgH="5032652" progId="Word.Document.12">
                   <p:embed/>
                 </p:oleObj>
               </mc:Choice>
@@ -15149,7 +15149,7 @@
           <a:graphicData uri="http://schemas.openxmlformats.org/presentationml/2006/ole">
             <mc:AlternateContent xmlns:mc="http://schemas.openxmlformats.org/markup-compatibility/2006">
               <mc:Choice xmlns:v="urn:schemas-microsoft-com:vml" Requires="v">
-                <p:oleObj spid="_x0000_s95256" name="Document" r:id="rId3" imgW="7313400" imgH="5032652" progId="Word.Document.12">
+                <p:oleObj spid="_x0000_s95257" name="Document" r:id="rId3" imgW="7313400" imgH="5032652" progId="Word.Document.12">
                   <p:embed/>
                 </p:oleObj>
               </mc:Choice>
@@ -15363,7 +15363,7 @@
           <a:graphicData uri="http://schemas.openxmlformats.org/presentationml/2006/ole">
             <mc:AlternateContent xmlns:mc="http://schemas.openxmlformats.org/markup-compatibility/2006">
               <mc:Choice xmlns:v="urn:schemas-microsoft-com:vml" Requires="v">
-                <p:oleObj spid="_x0000_s96281" name="Document" r:id="rId3" imgW="7313400" imgH="5032652" progId="Word.Document.12">
+                <p:oleObj spid="_x0000_s96282" name="Document" r:id="rId3" imgW="7313400" imgH="5032652" progId="Word.Document.12">
                   <p:embed/>
                 </p:oleObj>
               </mc:Choice>
@@ -15577,7 +15577,7 @@
           <a:graphicData uri="http://schemas.openxmlformats.org/presentationml/2006/ole">
             <mc:AlternateContent xmlns:mc="http://schemas.openxmlformats.org/markup-compatibility/2006">
               <mc:Choice xmlns:v="urn:schemas-microsoft-com:vml" Requires="v">
-                <p:oleObj spid="_x0000_s97304" name="Document" r:id="rId3" imgW="7313400" imgH="5032652" progId="Word.Document.12">
+                <p:oleObj spid="_x0000_s97305" name="Document" r:id="rId3" imgW="7313400" imgH="5032652" progId="Word.Document.12">
                   <p:embed/>
                 </p:oleObj>
               </mc:Choice>
@@ -15731,7 +15731,7 @@
 </file>
 
 <file path=ppt/slides/slide65.xml><?xml version="1.0" encoding="utf-8"?>
-<p:sld xmlns:a="http://schemas.openxmlformats.org/drawingml/2006/main" xmlns:r="http://schemas.openxmlformats.org/officeDocument/2006/relationships" xmlns:p="http://schemas.openxmlformats.org/presentationml/2006/main">
+<p:sld xmlns:a="http://schemas.openxmlformats.org/drawingml/2006/main" xmlns:r="http://schemas.openxmlformats.org/officeDocument/2006/relationships" xmlns:p="http://schemas.openxmlformats.org/presentationml/2006/main" show="0">
   <p:cSld>
     <p:spTree>
       <p:nvGrpSpPr>
@@ -15923,7 +15923,7 @@
 </file>
 
 <file path=ppt/slides/slide66.xml><?xml version="1.0" encoding="utf-8"?>
-<p:sld xmlns:a="http://schemas.openxmlformats.org/drawingml/2006/main" xmlns:r="http://schemas.openxmlformats.org/officeDocument/2006/relationships" xmlns:p="http://schemas.openxmlformats.org/presentationml/2006/main">
+<p:sld xmlns:a="http://schemas.openxmlformats.org/drawingml/2006/main" xmlns:r="http://schemas.openxmlformats.org/officeDocument/2006/relationships" xmlns:p="http://schemas.openxmlformats.org/presentationml/2006/main" show="0">
   <p:cSld>
     <p:spTree>
       <p:nvGrpSpPr>
@@ -16088,7 +16088,7 @@
           <a:graphicData uri="http://schemas.openxmlformats.org/presentationml/2006/ole">
             <mc:AlternateContent xmlns:mc="http://schemas.openxmlformats.org/markup-compatibility/2006">
               <mc:Choice xmlns:v="urn:schemas-microsoft-com:vml" Requires="v">
-                <p:oleObj spid="_x0000_s99348" name="Document" r:id="rId3" imgW="7374945" imgH="3947185" progId="Word.Document.12">
+                <p:oleObj spid="_x0000_s99349" name="Document" r:id="rId3" imgW="7374945" imgH="3947185" progId="Word.Document.12">
                   <p:embed/>
                 </p:oleObj>
               </mc:Choice>
@@ -16137,7 +16137,7 @@
 </file>
 
 <file path=ppt/slides/slide67.xml><?xml version="1.0" encoding="utf-8"?>
-<p:sld xmlns:a="http://schemas.openxmlformats.org/drawingml/2006/main" xmlns:r="http://schemas.openxmlformats.org/officeDocument/2006/relationships" xmlns:p="http://schemas.openxmlformats.org/presentationml/2006/main">
+<p:sld xmlns:a="http://schemas.openxmlformats.org/drawingml/2006/main" xmlns:r="http://schemas.openxmlformats.org/officeDocument/2006/relationships" xmlns:p="http://schemas.openxmlformats.org/presentationml/2006/main" show="0">
   <p:cSld>
     <p:spTree>
       <p:nvGrpSpPr>
@@ -16307,7 +16307,7 @@
           <a:graphicData uri="http://schemas.openxmlformats.org/presentationml/2006/ole">
             <mc:AlternateContent xmlns:mc="http://schemas.openxmlformats.org/markup-compatibility/2006">
               <mc:Choice xmlns:v="urn:schemas-microsoft-com:vml" Requires="v">
-                <p:oleObj spid="_x0000_s104458" name="Document" r:id="rId3" imgW="7313400" imgH="3001674" progId="Word.Document.12">
+                <p:oleObj spid="_x0000_s104459" name="Document" r:id="rId3" imgW="7313400" imgH="3001674" progId="Word.Document.12">
                   <p:embed/>
                 </p:oleObj>
               </mc:Choice>
@@ -16356,7 +16356,7 @@
 </file>
 
 <file path=ppt/slides/slide68.xml><?xml version="1.0" encoding="utf-8"?>
-<p:sld xmlns:a="http://schemas.openxmlformats.org/drawingml/2006/main" xmlns:r="http://schemas.openxmlformats.org/officeDocument/2006/relationships" xmlns:p="http://schemas.openxmlformats.org/presentationml/2006/main">
+<p:sld xmlns:a="http://schemas.openxmlformats.org/drawingml/2006/main" xmlns:r="http://schemas.openxmlformats.org/officeDocument/2006/relationships" xmlns:p="http://schemas.openxmlformats.org/presentationml/2006/main" show="0">
   <p:cSld>
     <p:spTree>
       <p:nvGrpSpPr>
@@ -16526,7 +16526,7 @@
           <a:graphicData uri="http://schemas.openxmlformats.org/presentationml/2006/ole">
             <mc:AlternateContent xmlns:mc="http://schemas.openxmlformats.org/markup-compatibility/2006">
               <mc:Choice xmlns:v="urn:schemas-microsoft-com:vml" Requires="v">
-                <p:oleObj spid="_x0000_s105482" name="Document" r:id="rId3" imgW="7313400" imgH="4409147" progId="Word.Document.12">
+                <p:oleObj spid="_x0000_s105483" name="Document" r:id="rId3" imgW="7313400" imgH="4409147" progId="Word.Document.12">
                   <p:embed/>
                 </p:oleObj>
               </mc:Choice>
@@ -16575,7 +16575,7 @@
 </file>
 
 <file path=ppt/slides/slide69.xml><?xml version="1.0" encoding="utf-8"?>
-<p:sld xmlns:a="http://schemas.openxmlformats.org/drawingml/2006/main" xmlns:r="http://schemas.openxmlformats.org/officeDocument/2006/relationships" xmlns:p="http://schemas.openxmlformats.org/presentationml/2006/main">
+<p:sld xmlns:a="http://schemas.openxmlformats.org/drawingml/2006/main" xmlns:r="http://schemas.openxmlformats.org/officeDocument/2006/relationships" xmlns:p="http://schemas.openxmlformats.org/presentationml/2006/main" show="0">
   <p:cSld>
     <p:spTree>
       <p:nvGrpSpPr>
@@ -16781,7 +16781,7 @@
           <a:graphicData uri="http://schemas.openxmlformats.org/presentationml/2006/ole">
             <mc:AlternateContent xmlns:mc="http://schemas.openxmlformats.org/markup-compatibility/2006">
               <mc:Choice xmlns:v="urn:schemas-microsoft-com:vml" Requires="v">
-                <p:oleObj spid="_x0000_s98324" name="Document" r:id="rId4" imgW="7301323" imgH="774862" progId="Word.Document.12">
+                <p:oleObj spid="_x0000_s98325" name="Document" r:id="rId4" imgW="7301323" imgH="774862" progId="Word.Document.12">
                   <p:embed/>
                 </p:oleObj>
               </mc:Choice>
@@ -16890,7 +16890,7 @@
           <a:graphicData uri="http://schemas.openxmlformats.org/presentationml/2006/ole">
             <mc:AlternateContent xmlns:mc="http://schemas.openxmlformats.org/markup-compatibility/2006">
               <mc:Choice xmlns:v="urn:schemas-microsoft-com:vml" Requires="v">
-                <p:oleObj spid="_x0000_s8226" name="Document" r:id="rId3" imgW="7301323" imgH="2147955" progId="Word.Document.12">
+                <p:oleObj spid="_x0000_s8227" name="Document" r:id="rId3" imgW="7301323" imgH="2147955" progId="Word.Document.12">
                   <p:embed/>
                 </p:oleObj>
               </mc:Choice>
@@ -17044,7 +17044,7 @@
 </file>
 
 <file path=ppt/slides/slide70.xml><?xml version="1.0" encoding="utf-8"?>
-<p:sld xmlns:a="http://schemas.openxmlformats.org/drawingml/2006/main" xmlns:r="http://schemas.openxmlformats.org/officeDocument/2006/relationships" xmlns:p="http://schemas.openxmlformats.org/presentationml/2006/main">
+<p:sld xmlns:a="http://schemas.openxmlformats.org/drawingml/2006/main" xmlns:r="http://schemas.openxmlformats.org/officeDocument/2006/relationships" xmlns:p="http://schemas.openxmlformats.org/presentationml/2006/main" show="0">
   <p:cSld>
     <p:spTree>
       <p:nvGrpSpPr>
@@ -17214,7 +17214,7 @@
           <a:graphicData uri="http://schemas.openxmlformats.org/presentationml/2006/ole">
             <mc:AlternateContent xmlns:mc="http://schemas.openxmlformats.org/markup-compatibility/2006">
               <mc:Choice xmlns:v="urn:schemas-microsoft-com:vml" Requires="v">
-                <p:oleObj spid="_x0000_s100378" name="Document" r:id="rId3" imgW="7313400" imgH="2696937" progId="Word.Document.12">
+                <p:oleObj spid="_x0000_s100379" name="Document" r:id="rId3" imgW="7313400" imgH="2696937" progId="Word.Document.12">
                   <p:embed/>
                 </p:oleObj>
               </mc:Choice>
@@ -17263,7 +17263,7 @@
 </file>
 
 <file path=ppt/slides/slide71.xml><?xml version="1.0" encoding="utf-8"?>
-<p:sld xmlns:a="http://schemas.openxmlformats.org/drawingml/2006/main" xmlns:r="http://schemas.openxmlformats.org/officeDocument/2006/relationships" xmlns:p="http://schemas.openxmlformats.org/presentationml/2006/main">
+<p:sld xmlns:a="http://schemas.openxmlformats.org/drawingml/2006/main" xmlns:r="http://schemas.openxmlformats.org/officeDocument/2006/relationships" xmlns:p="http://schemas.openxmlformats.org/presentationml/2006/main" show="0">
   <p:cSld>
     <p:spTree>
       <p:nvGrpSpPr>
@@ -17433,7 +17433,7 @@
           <a:graphicData uri="http://schemas.openxmlformats.org/presentationml/2006/ole">
             <mc:AlternateContent xmlns:mc="http://schemas.openxmlformats.org/markup-compatibility/2006">
               <mc:Choice xmlns:v="urn:schemas-microsoft-com:vml" Requires="v">
-                <p:oleObj spid="_x0000_s48179" name="Document" r:id="rId3" imgW="7313400" imgH="3356421" progId="Word.Document.12">
+                <p:oleObj spid="_x0000_s48180" name="Document" r:id="rId3" imgW="7313400" imgH="3356421" progId="Word.Document.12">
                   <p:embed/>
                 </p:oleObj>
               </mc:Choice>
@@ -17482,7 +17482,7 @@
 </file>
 
 <file path=ppt/slides/slide72.xml><?xml version="1.0" encoding="utf-8"?>
-<p:sld xmlns:a="http://schemas.openxmlformats.org/drawingml/2006/main" xmlns:r="http://schemas.openxmlformats.org/officeDocument/2006/relationships" xmlns:p="http://schemas.openxmlformats.org/presentationml/2006/main">
+<p:sld xmlns:a="http://schemas.openxmlformats.org/drawingml/2006/main" xmlns:r="http://schemas.openxmlformats.org/officeDocument/2006/relationships" xmlns:p="http://schemas.openxmlformats.org/presentationml/2006/main" show="0">
   <p:cSld>
     <p:spTree>
       <p:nvGrpSpPr>
@@ -17652,7 +17652,7 @@
           <a:graphicData uri="http://schemas.openxmlformats.org/presentationml/2006/ole">
             <mc:AlternateContent xmlns:mc="http://schemas.openxmlformats.org/markup-compatibility/2006">
               <mc:Choice xmlns:v="urn:schemas-microsoft-com:vml" Requires="v">
-                <p:oleObj spid="_x0000_s49186" name="Document" r:id="rId3" imgW="7313400" imgH="4793756" progId="Word.Document.12">
+                <p:oleObj spid="_x0000_s49187" name="Document" r:id="rId3" imgW="7313400" imgH="4793756" progId="Word.Document.12">
                   <p:embed/>
                 </p:oleObj>
               </mc:Choice>
@@ -17761,7 +17761,7 @@
           <a:graphicData uri="http://schemas.openxmlformats.org/presentationml/2006/ole">
             <mc:AlternateContent xmlns:mc="http://schemas.openxmlformats.org/markup-compatibility/2006">
               <mc:Choice xmlns:v="urn:schemas-microsoft-com:vml" Requires="v">
-                <p:oleObj spid="_x0000_s9250" name="Document" r:id="rId3" imgW="7313400" imgH="3227258" progId="Word.Document.12">
+                <p:oleObj spid="_x0000_s9251" name="Document" r:id="rId3" imgW="7313400" imgH="3227258" progId="Word.Document.12">
                   <p:embed/>
                 </p:oleObj>
               </mc:Choice>
@@ -18095,7 +18095,7 @@
           <a:graphicData uri="http://schemas.openxmlformats.org/presentationml/2006/ole">
             <mc:AlternateContent xmlns:mc="http://schemas.openxmlformats.org/markup-compatibility/2006">
               <mc:Choice xmlns:v="urn:schemas-microsoft-com:vml" Requires="v">
-                <p:oleObj spid="_x0000_s10338" name="Document" r:id="rId3" imgW="7313400" imgH="2571733" progId="Word.Document.12">
+                <p:oleObj spid="_x0000_s10339" name="Document" r:id="rId3" imgW="7313400" imgH="2571733" progId="Word.Document.12">
                   <p:embed/>
                 </p:oleObj>
               </mc:Choice>
